--- a/files/tools/ppt/Journey Map_FacilitationDeck.pptx
+++ b/files/tools/ppt/Journey Map_FacilitationDeck.pptx
@@ -2,7 +2,7 @@
 <file path=ppt/presentation.xml><?xml version="1.0" encoding="utf-8"?>
 <p:presentation xmlns:a="http://schemas.openxmlformats.org/drawingml/2006/main" xmlns:r="http://schemas.openxmlformats.org/officeDocument/2006/relationships" xmlns:mc="http://schemas.openxmlformats.org/markup-compatibility/2006" xmlns:mv="urn:schemas-microsoft-com:mac:vml" xmlns:p="http://schemas.openxmlformats.org/presentationml/2006/main" xmlns:c="http://schemas.openxmlformats.org/drawingml/2006/chart" xmlns:dgm="http://schemas.openxmlformats.org/drawingml/2006/diagram" xmlns:o="urn:schemas-microsoft-com:office:office" xmlns:v="urn:schemas-microsoft-com:vml" xmlns:pvml="urn:schemas-microsoft-com:office:powerpoint" xmlns:com="http://schemas.openxmlformats.org/drawingml/2006/compatibility" xmlns:p14="http://schemas.microsoft.com/office/powerpoint/2010/main" xmlns:p15="http://schemas.microsoft.com/office/powerpoint/2012/main" autoCompressPictures="0" embedTrueTypeFonts="1" strictFirstAndLastChars="0" saveSubsetFonts="1">
   <p:sldMasterIdLst>
-    <p:sldMasterId id="2147483659" r:id="rId5"/>
+    <p:sldMasterId id="2147483649" r:id="rId5"/>
   </p:sldMasterIdLst>
   <p:notesMasterIdLst>
     <p:notesMasterId r:id="rId6"/>
@@ -756,7 +756,7 @@
   <p:cSld>
     <p:spTree>
       <p:nvGrpSpPr>
-        <p:cNvPr id="50" name="Shape 50"/>
+        <p:cNvPr id="10" name="Shape 10"/>
         <p:cNvGrpSpPr/>
         <p:nvPr/>
       </p:nvGrpSpPr>
@@ -770,7 +770,7 @@
       </p:grpSpPr>
       <p:sp>
         <p:nvSpPr>
-          <p:cNvPr id="51" name="Google Shape;51;g545bece476_0_1427:notes"/>
+          <p:cNvPr id="11" name="Google Shape;11;g545bece476_0_1427:notes"/>
           <p:cNvSpPr/>
           <p:nvPr>
             <p:ph idx="2" type="sldImg"/>
@@ -805,7 +805,7 @@
       </p:sp>
       <p:sp>
         <p:nvSpPr>
-          <p:cNvPr id="52" name="Google Shape;52;g545bece476_0_1427:notes"/>
+          <p:cNvPr id="12" name="Google Shape;12;g545bece476_0_1427:notes"/>
           <p:cNvSpPr txBox="1"/>
           <p:nvPr>
             <p:ph idx="1" type="body"/>
@@ -855,7 +855,7 @@
   <p:cSld>
     <p:spTree>
       <p:nvGrpSpPr>
-        <p:cNvPr id="79" name="Shape 79"/>
+        <p:cNvPr id="38" name="Shape 38"/>
         <p:cNvGrpSpPr/>
         <p:nvPr/>
       </p:nvGrpSpPr>
@@ -869,7 +869,7 @@
       </p:grpSpPr>
       <p:sp>
         <p:nvSpPr>
-          <p:cNvPr id="80" name="Google Shape;80;g545bece476_0_1456:notes"/>
+          <p:cNvPr id="39" name="Google Shape;39;g545bece476_0_1456:notes"/>
           <p:cNvSpPr/>
           <p:nvPr>
             <p:ph idx="2" type="sldImg"/>
@@ -904,7 +904,7 @@
       </p:sp>
       <p:sp>
         <p:nvSpPr>
-          <p:cNvPr id="81" name="Google Shape;81;g545bece476_0_1456:notes"/>
+          <p:cNvPr id="40" name="Google Shape;40;g545bece476_0_1456:notes"/>
           <p:cNvSpPr txBox="1"/>
           <p:nvPr>
             <p:ph idx="1" type="body"/>
@@ -954,7 +954,7 @@
   <p:cSld>
     <p:spTree>
       <p:nvGrpSpPr>
-        <p:cNvPr id="97" name="Shape 97"/>
+        <p:cNvPr id="55" name="Shape 55"/>
         <p:cNvGrpSpPr/>
         <p:nvPr/>
       </p:nvGrpSpPr>
@@ -968,7 +968,7 @@
       </p:grpSpPr>
       <p:sp>
         <p:nvSpPr>
-          <p:cNvPr id="98" name="Google Shape;98;g545bece476_0_1474:notes"/>
+          <p:cNvPr id="56" name="Google Shape;56;g545bece476_0_1474:notes"/>
           <p:cNvSpPr/>
           <p:nvPr>
             <p:ph idx="2" type="sldImg"/>
@@ -1003,7 +1003,7 @@
       </p:sp>
       <p:sp>
         <p:nvSpPr>
-          <p:cNvPr id="99" name="Google Shape;99;g545bece476_0_1474:notes"/>
+          <p:cNvPr id="57" name="Google Shape;57;g545bece476_0_1474:notes"/>
           <p:cNvSpPr txBox="1"/>
           <p:nvPr>
             <p:ph idx="1" type="body"/>
@@ -1053,7 +1053,7 @@
   <p:cSld>
     <p:spTree>
       <p:nvGrpSpPr>
-        <p:cNvPr id="110" name="Shape 110"/>
+        <p:cNvPr id="67" name="Shape 67"/>
         <p:cNvGrpSpPr/>
         <p:nvPr/>
       </p:nvGrpSpPr>
@@ -1067,7 +1067,7 @@
       </p:grpSpPr>
       <p:sp>
         <p:nvSpPr>
-          <p:cNvPr id="111" name="Google Shape;111;g545bece476_0_1487:notes"/>
+          <p:cNvPr id="68" name="Google Shape;68;g545bece476_0_1487:notes"/>
           <p:cNvSpPr/>
           <p:nvPr>
             <p:ph idx="2" type="sldImg"/>
@@ -1102,7 +1102,7 @@
       </p:sp>
       <p:sp>
         <p:nvSpPr>
-          <p:cNvPr id="112" name="Google Shape;112;g545bece476_0_1487:notes"/>
+          <p:cNvPr id="69" name="Google Shape;69;g545bece476_0_1487:notes"/>
           <p:cNvSpPr txBox="1"/>
           <p:nvPr>
             <p:ph idx="1" type="body"/>
@@ -1152,7 +1152,7 @@
   <p:cSld>
     <p:spTree>
       <p:nvGrpSpPr>
-        <p:cNvPr id="123" name="Shape 123"/>
+        <p:cNvPr id="79" name="Shape 79"/>
         <p:cNvGrpSpPr/>
         <p:nvPr/>
       </p:nvGrpSpPr>
@@ -1166,7 +1166,7 @@
       </p:grpSpPr>
       <p:sp>
         <p:nvSpPr>
-          <p:cNvPr id="124" name="Google Shape;124;g545bece476_0_1500:notes"/>
+          <p:cNvPr id="80" name="Google Shape;80;g545bece476_0_1500:notes"/>
           <p:cNvSpPr/>
           <p:nvPr>
             <p:ph idx="2" type="sldImg"/>
@@ -1201,7 +1201,7 @@
       </p:sp>
       <p:sp>
         <p:nvSpPr>
-          <p:cNvPr id="125" name="Google Shape;125;g545bece476_0_1500:notes"/>
+          <p:cNvPr id="81" name="Google Shape;81;g545bece476_0_1500:notes"/>
           <p:cNvSpPr txBox="1"/>
           <p:nvPr>
             <p:ph idx="1" type="body"/>
@@ -1247,11 +1247,11 @@
 </file>
 
 <file path=ppt/slideLayouts/slideLayout1.xml><?xml version="1.0" encoding="utf-8"?>
-<p:sldLayout xmlns:a="http://schemas.openxmlformats.org/drawingml/2006/main" xmlns:r="http://schemas.openxmlformats.org/officeDocument/2006/relationships" xmlns:mc="http://schemas.openxmlformats.org/markup-compatibility/2006" xmlns:mv="urn:schemas-microsoft-com:mac:vml" xmlns:p="http://schemas.openxmlformats.org/presentationml/2006/main" xmlns:c="http://schemas.openxmlformats.org/drawingml/2006/chart" xmlns:dgm="http://schemas.openxmlformats.org/drawingml/2006/diagram" xmlns:o="urn:schemas-microsoft-com:office:office" xmlns:v="urn:schemas-microsoft-com:vml" xmlns:pvml="urn:schemas-microsoft-com:office:powerpoint" xmlns:com="http://schemas.openxmlformats.org/drawingml/2006/compatibility" xmlns:p14="http://schemas.microsoft.com/office/powerpoint/2010/main" xmlns:p15="http://schemas.microsoft.com/office/powerpoint/2012/main" matchingName="Title slide" type="title">
-  <p:cSld name="TITLE">
+<p:sldLayout xmlns:a="http://schemas.openxmlformats.org/drawingml/2006/main" xmlns:r="http://schemas.openxmlformats.org/officeDocument/2006/relationships" xmlns:mc="http://schemas.openxmlformats.org/markup-compatibility/2006" xmlns:mv="urn:schemas-microsoft-com:mac:vml" xmlns:p="http://schemas.openxmlformats.org/presentationml/2006/main" xmlns:c="http://schemas.openxmlformats.org/drawingml/2006/chart" xmlns:dgm="http://schemas.openxmlformats.org/drawingml/2006/diagram" xmlns:o="urn:schemas-microsoft-com:office:office" xmlns:v="urn:schemas-microsoft-com:vml" xmlns:pvml="urn:schemas-microsoft-com:office:powerpoint" xmlns:com="http://schemas.openxmlformats.org/drawingml/2006/compatibility" xmlns:p14="http://schemas.microsoft.com/office/powerpoint/2010/main" xmlns:p15="http://schemas.microsoft.com/office/powerpoint/2012/main" matchingName="One column text">
+  <p:cSld name="ONE_COLUMN_TEXT">
     <p:spTree>
       <p:nvGrpSpPr>
-        <p:cNvPr id="9" name="Shape 9"/>
+        <p:cNvPr id="8" name="Shape 8"/>
         <p:cNvGrpSpPr/>
         <p:nvPr/>
       </p:nvGrpSpPr>
@@ -1265,2127 +1265,7 @@
       </p:grpSpPr>
       <p:sp>
         <p:nvSpPr>
-          <p:cNvPr id="10" name="Google Shape;10;p2"/>
-          <p:cNvSpPr txBox="1"/>
-          <p:nvPr>
-            <p:ph type="ctrTitle"/>
-          </p:nvPr>
-        </p:nvSpPr>
-        <p:spPr>
-          <a:xfrm>
-            <a:off x="364478" y="1094388"/>
-            <a:ext cx="9963000" cy="3016800"/>
-          </a:xfrm>
-          <a:prstGeom prst="rect">
-            <a:avLst/>
-          </a:prstGeom>
-        </p:spPr>
-        <p:txBody>
-          <a:bodyPr anchorCtr="0" anchor="b" bIns="116050" lIns="116050" spcFirstLastPara="1" rIns="116050" wrap="square" tIns="116050">
-            <a:noAutofit/>
-          </a:bodyPr>
-          <a:lstStyle>
-            <a:lvl1pPr lvl="0" algn="ctr">
-              <a:spcBef>
-                <a:spcPts val="0"/>
-              </a:spcBef>
-              <a:spcAft>
-                <a:spcPts val="0"/>
-              </a:spcAft>
-              <a:buSzPts val="6600"/>
-              <a:buNone/>
-              <a:defRPr sz="6600"/>
-            </a:lvl1pPr>
-            <a:lvl2pPr lvl="1" algn="ctr">
-              <a:spcBef>
-                <a:spcPts val="0"/>
-              </a:spcBef>
-              <a:spcAft>
-                <a:spcPts val="0"/>
-              </a:spcAft>
-              <a:buSzPts val="6600"/>
-              <a:buNone/>
-              <a:defRPr sz="6600"/>
-            </a:lvl2pPr>
-            <a:lvl3pPr lvl="2" algn="ctr">
-              <a:spcBef>
-                <a:spcPts val="0"/>
-              </a:spcBef>
-              <a:spcAft>
-                <a:spcPts val="0"/>
-              </a:spcAft>
-              <a:buSzPts val="6600"/>
-              <a:buNone/>
-              <a:defRPr sz="6600"/>
-            </a:lvl3pPr>
-            <a:lvl4pPr lvl="3" algn="ctr">
-              <a:spcBef>
-                <a:spcPts val="0"/>
-              </a:spcBef>
-              <a:spcAft>
-                <a:spcPts val="0"/>
-              </a:spcAft>
-              <a:buSzPts val="6600"/>
-              <a:buNone/>
-              <a:defRPr sz="6600"/>
-            </a:lvl4pPr>
-            <a:lvl5pPr lvl="4" algn="ctr">
-              <a:spcBef>
-                <a:spcPts val="0"/>
-              </a:spcBef>
-              <a:spcAft>
-                <a:spcPts val="0"/>
-              </a:spcAft>
-              <a:buSzPts val="6600"/>
-              <a:buNone/>
-              <a:defRPr sz="6600"/>
-            </a:lvl5pPr>
-            <a:lvl6pPr lvl="5" algn="ctr">
-              <a:spcBef>
-                <a:spcPts val="0"/>
-              </a:spcBef>
-              <a:spcAft>
-                <a:spcPts val="0"/>
-              </a:spcAft>
-              <a:buSzPts val="6600"/>
-              <a:buNone/>
-              <a:defRPr sz="6600"/>
-            </a:lvl6pPr>
-            <a:lvl7pPr lvl="6" algn="ctr">
-              <a:spcBef>
-                <a:spcPts val="0"/>
-              </a:spcBef>
-              <a:spcAft>
-                <a:spcPts val="0"/>
-              </a:spcAft>
-              <a:buSzPts val="6600"/>
-              <a:buNone/>
-              <a:defRPr sz="6600"/>
-            </a:lvl7pPr>
-            <a:lvl8pPr lvl="7" algn="ctr">
-              <a:spcBef>
-                <a:spcPts val="0"/>
-              </a:spcBef>
-              <a:spcAft>
-                <a:spcPts val="0"/>
-              </a:spcAft>
-              <a:buSzPts val="6600"/>
-              <a:buNone/>
-              <a:defRPr sz="6600"/>
-            </a:lvl8pPr>
-            <a:lvl9pPr lvl="8" algn="ctr">
-              <a:spcBef>
-                <a:spcPts val="0"/>
-              </a:spcBef>
-              <a:spcAft>
-                <a:spcPts val="0"/>
-              </a:spcAft>
-              <a:buSzPts val="6600"/>
-              <a:buNone/>
-              <a:defRPr sz="6600"/>
-            </a:lvl9pPr>
-          </a:lstStyle>
-          <a:p/>
-        </p:txBody>
-      </p:sp>
-      <p:sp>
-        <p:nvSpPr>
-          <p:cNvPr id="11" name="Google Shape;11;p2"/>
-          <p:cNvSpPr txBox="1"/>
-          <p:nvPr>
-            <p:ph idx="1" type="subTitle"/>
-          </p:nvPr>
-        </p:nvSpPr>
-        <p:spPr>
-          <a:xfrm>
-            <a:off x="364468" y="4165643"/>
-            <a:ext cx="9963000" cy="1164900"/>
-          </a:xfrm>
-          <a:prstGeom prst="rect">
-            <a:avLst/>
-          </a:prstGeom>
-        </p:spPr>
-        <p:txBody>
-          <a:bodyPr anchorCtr="0" anchor="t" bIns="116050" lIns="116050" spcFirstLastPara="1" rIns="116050" wrap="square" tIns="116050">
-            <a:noAutofit/>
-          </a:bodyPr>
-          <a:lstStyle>
-            <a:lvl1pPr lvl="0" algn="ctr">
-              <a:lnSpc>
-                <a:spcPct val="100000"/>
-              </a:lnSpc>
-              <a:spcBef>
-                <a:spcPts val="0"/>
-              </a:spcBef>
-              <a:spcAft>
-                <a:spcPts val="0"/>
-              </a:spcAft>
-              <a:buSzPts val="3600"/>
-              <a:buNone/>
-              <a:defRPr sz="3600"/>
-            </a:lvl1pPr>
-            <a:lvl2pPr lvl="1" algn="ctr">
-              <a:lnSpc>
-                <a:spcPct val="100000"/>
-              </a:lnSpc>
-              <a:spcBef>
-                <a:spcPts val="0"/>
-              </a:spcBef>
-              <a:spcAft>
-                <a:spcPts val="0"/>
-              </a:spcAft>
-              <a:buSzPts val="3600"/>
-              <a:buNone/>
-              <a:defRPr sz="3600"/>
-            </a:lvl2pPr>
-            <a:lvl3pPr lvl="2" algn="ctr">
-              <a:lnSpc>
-                <a:spcPct val="100000"/>
-              </a:lnSpc>
-              <a:spcBef>
-                <a:spcPts val="0"/>
-              </a:spcBef>
-              <a:spcAft>
-                <a:spcPts val="0"/>
-              </a:spcAft>
-              <a:buSzPts val="3600"/>
-              <a:buNone/>
-              <a:defRPr sz="3600"/>
-            </a:lvl3pPr>
-            <a:lvl4pPr lvl="3" algn="ctr">
-              <a:lnSpc>
-                <a:spcPct val="100000"/>
-              </a:lnSpc>
-              <a:spcBef>
-                <a:spcPts val="0"/>
-              </a:spcBef>
-              <a:spcAft>
-                <a:spcPts val="0"/>
-              </a:spcAft>
-              <a:buSzPts val="3600"/>
-              <a:buNone/>
-              <a:defRPr sz="3600"/>
-            </a:lvl4pPr>
-            <a:lvl5pPr lvl="4" algn="ctr">
-              <a:lnSpc>
-                <a:spcPct val="100000"/>
-              </a:lnSpc>
-              <a:spcBef>
-                <a:spcPts val="0"/>
-              </a:spcBef>
-              <a:spcAft>
-                <a:spcPts val="0"/>
-              </a:spcAft>
-              <a:buSzPts val="3600"/>
-              <a:buNone/>
-              <a:defRPr sz="3600"/>
-            </a:lvl5pPr>
-            <a:lvl6pPr lvl="5" algn="ctr">
-              <a:lnSpc>
-                <a:spcPct val="100000"/>
-              </a:lnSpc>
-              <a:spcBef>
-                <a:spcPts val="0"/>
-              </a:spcBef>
-              <a:spcAft>
-                <a:spcPts val="0"/>
-              </a:spcAft>
-              <a:buSzPts val="3600"/>
-              <a:buNone/>
-              <a:defRPr sz="3600"/>
-            </a:lvl6pPr>
-            <a:lvl7pPr lvl="6" algn="ctr">
-              <a:lnSpc>
-                <a:spcPct val="100000"/>
-              </a:lnSpc>
-              <a:spcBef>
-                <a:spcPts val="0"/>
-              </a:spcBef>
-              <a:spcAft>
-                <a:spcPts val="0"/>
-              </a:spcAft>
-              <a:buSzPts val="3600"/>
-              <a:buNone/>
-              <a:defRPr sz="3600"/>
-            </a:lvl7pPr>
-            <a:lvl8pPr lvl="7" algn="ctr">
-              <a:lnSpc>
-                <a:spcPct val="100000"/>
-              </a:lnSpc>
-              <a:spcBef>
-                <a:spcPts val="0"/>
-              </a:spcBef>
-              <a:spcAft>
-                <a:spcPts val="0"/>
-              </a:spcAft>
-              <a:buSzPts val="3600"/>
-              <a:buNone/>
-              <a:defRPr sz="3600"/>
-            </a:lvl8pPr>
-            <a:lvl9pPr lvl="8" algn="ctr">
-              <a:lnSpc>
-                <a:spcPct val="100000"/>
-              </a:lnSpc>
-              <a:spcBef>
-                <a:spcPts val="0"/>
-              </a:spcBef>
-              <a:spcAft>
-                <a:spcPts val="0"/>
-              </a:spcAft>
-              <a:buSzPts val="3600"/>
-              <a:buNone/>
-              <a:defRPr sz="3600"/>
-            </a:lvl9pPr>
-          </a:lstStyle>
-          <a:p/>
-        </p:txBody>
-      </p:sp>
-      <p:sp>
-        <p:nvSpPr>
-          <p:cNvPr id="12" name="Google Shape;12;p2"/>
-          <p:cNvSpPr txBox="1"/>
-          <p:nvPr>
-            <p:ph idx="12" type="sldNum"/>
-          </p:nvPr>
-        </p:nvSpPr>
-        <p:spPr>
-          <a:xfrm>
-            <a:off x="9906772" y="6854072"/>
-            <a:ext cx="641700" cy="578400"/>
-          </a:xfrm>
-          <a:prstGeom prst="rect">
-            <a:avLst/>
-          </a:prstGeom>
-        </p:spPr>
-        <p:txBody>
-          <a:bodyPr anchorCtr="0" anchor="ctr" bIns="116050" lIns="116050" spcFirstLastPara="1" rIns="116050" wrap="square" tIns="116050">
-            <a:noAutofit/>
-          </a:bodyPr>
-          <a:lstStyle>
-            <a:lvl1pPr lvl="0">
-              <a:buNone/>
-              <a:defRPr/>
-            </a:lvl1pPr>
-            <a:lvl2pPr lvl="1">
-              <a:buNone/>
-              <a:defRPr/>
-            </a:lvl2pPr>
-            <a:lvl3pPr lvl="2">
-              <a:buNone/>
-              <a:defRPr/>
-            </a:lvl3pPr>
-            <a:lvl4pPr lvl="3">
-              <a:buNone/>
-              <a:defRPr/>
-            </a:lvl4pPr>
-            <a:lvl5pPr lvl="4">
-              <a:buNone/>
-              <a:defRPr/>
-            </a:lvl5pPr>
-            <a:lvl6pPr lvl="5">
-              <a:buNone/>
-              <a:defRPr/>
-            </a:lvl6pPr>
-            <a:lvl7pPr lvl="6">
-              <a:buNone/>
-              <a:defRPr/>
-            </a:lvl7pPr>
-            <a:lvl8pPr lvl="7">
-              <a:buNone/>
-              <a:defRPr/>
-            </a:lvl8pPr>
-            <a:lvl9pPr lvl="8">
-              <a:buNone/>
-              <a:defRPr/>
-            </a:lvl9pPr>
-          </a:lstStyle>
-          <a:p>
-            <a:pPr indent="0" lvl="0" marL="0" rtl="0" algn="r">
-              <a:spcBef>
-                <a:spcPts val="0"/>
-              </a:spcBef>
-              <a:spcAft>
-                <a:spcPts val="0"/>
-              </a:spcAft>
-              <a:buNone/>
-            </a:pPr>
-            <a:fld id="{00000000-1234-1234-1234-123412341234}" type="slidenum">
-              <a:rPr lang="en"/>
-              <a:t>‹#›</a:t>
-            </a:fld>
-            <a:endParaRPr/>
-          </a:p>
-        </p:txBody>
-      </p:sp>
-    </p:spTree>
-  </p:cSld>
-  <p:clrMapOvr>
-    <a:masterClrMapping/>
-  </p:clrMapOvr>
-</p:sldLayout>
-</file>
-
-<file path=ppt/slideLayouts/slideLayout10.xml><?xml version="1.0" encoding="utf-8"?>
-<p:sldLayout xmlns:a="http://schemas.openxmlformats.org/drawingml/2006/main" xmlns:r="http://schemas.openxmlformats.org/officeDocument/2006/relationships" xmlns:mc="http://schemas.openxmlformats.org/markup-compatibility/2006" xmlns:mv="urn:schemas-microsoft-com:mac:vml" xmlns:p="http://schemas.openxmlformats.org/presentationml/2006/main" xmlns:c="http://schemas.openxmlformats.org/drawingml/2006/chart" xmlns:dgm="http://schemas.openxmlformats.org/drawingml/2006/diagram" xmlns:o="urn:schemas-microsoft-com:office:office" xmlns:v="urn:schemas-microsoft-com:vml" xmlns:pvml="urn:schemas-microsoft-com:office:powerpoint" xmlns:com="http://schemas.openxmlformats.org/drawingml/2006/compatibility" xmlns:p14="http://schemas.microsoft.com/office/powerpoint/2010/main" xmlns:p15="http://schemas.microsoft.com/office/powerpoint/2012/main" matchingName="Big number">
-  <p:cSld name="BIG_NUMBER">
-    <p:spTree>
-      <p:nvGrpSpPr>
-        <p:cNvPr id="44" name="Shape 44"/>
-        <p:cNvGrpSpPr/>
-        <p:nvPr/>
-      </p:nvGrpSpPr>
-      <p:grpSpPr>
-        <a:xfrm>
-          <a:off x="0" y="0"/>
-          <a:ext cx="0" cy="0"/>
-          <a:chOff x="0" y="0"/>
-          <a:chExt cx="0" cy="0"/>
-        </a:xfrm>
-      </p:grpSpPr>
-      <p:sp>
-        <p:nvSpPr>
-          <p:cNvPr id="45" name="Google Shape;45;p11"/>
-          <p:cNvSpPr txBox="1"/>
-          <p:nvPr>
-            <p:ph hasCustomPrompt="1" type="title"/>
-          </p:nvPr>
-        </p:nvSpPr>
-        <p:spPr>
-          <a:xfrm>
-            <a:off x="364468" y="1625801"/>
-            <a:ext cx="9963000" cy="2886000"/>
-          </a:xfrm>
-          <a:prstGeom prst="rect">
-            <a:avLst/>
-          </a:prstGeom>
-        </p:spPr>
-        <p:txBody>
-          <a:bodyPr anchorCtr="0" anchor="b" bIns="116050" lIns="116050" spcFirstLastPara="1" rIns="116050" wrap="square" tIns="116050">
-            <a:noAutofit/>
-          </a:bodyPr>
-          <a:lstStyle>
-            <a:lvl1pPr lvl="0" algn="ctr">
-              <a:spcBef>
-                <a:spcPts val="0"/>
-              </a:spcBef>
-              <a:spcAft>
-                <a:spcPts val="0"/>
-              </a:spcAft>
-              <a:buSzPts val="15200"/>
-              <a:buNone/>
-              <a:defRPr sz="15200"/>
-            </a:lvl1pPr>
-            <a:lvl2pPr lvl="1" algn="ctr">
-              <a:spcBef>
-                <a:spcPts val="0"/>
-              </a:spcBef>
-              <a:spcAft>
-                <a:spcPts val="0"/>
-              </a:spcAft>
-              <a:buSzPts val="15200"/>
-              <a:buNone/>
-              <a:defRPr sz="15200"/>
-            </a:lvl2pPr>
-            <a:lvl3pPr lvl="2" algn="ctr">
-              <a:spcBef>
-                <a:spcPts val="0"/>
-              </a:spcBef>
-              <a:spcAft>
-                <a:spcPts val="0"/>
-              </a:spcAft>
-              <a:buSzPts val="15200"/>
-              <a:buNone/>
-              <a:defRPr sz="15200"/>
-            </a:lvl3pPr>
-            <a:lvl4pPr lvl="3" algn="ctr">
-              <a:spcBef>
-                <a:spcPts val="0"/>
-              </a:spcBef>
-              <a:spcAft>
-                <a:spcPts val="0"/>
-              </a:spcAft>
-              <a:buSzPts val="15200"/>
-              <a:buNone/>
-              <a:defRPr sz="15200"/>
-            </a:lvl4pPr>
-            <a:lvl5pPr lvl="4" algn="ctr">
-              <a:spcBef>
-                <a:spcPts val="0"/>
-              </a:spcBef>
-              <a:spcAft>
-                <a:spcPts val="0"/>
-              </a:spcAft>
-              <a:buSzPts val="15200"/>
-              <a:buNone/>
-              <a:defRPr sz="15200"/>
-            </a:lvl5pPr>
-            <a:lvl6pPr lvl="5" algn="ctr">
-              <a:spcBef>
-                <a:spcPts val="0"/>
-              </a:spcBef>
-              <a:spcAft>
-                <a:spcPts val="0"/>
-              </a:spcAft>
-              <a:buSzPts val="15200"/>
-              <a:buNone/>
-              <a:defRPr sz="15200"/>
-            </a:lvl6pPr>
-            <a:lvl7pPr lvl="6" algn="ctr">
-              <a:spcBef>
-                <a:spcPts val="0"/>
-              </a:spcBef>
-              <a:spcAft>
-                <a:spcPts val="0"/>
-              </a:spcAft>
-              <a:buSzPts val="15200"/>
-              <a:buNone/>
-              <a:defRPr sz="15200"/>
-            </a:lvl7pPr>
-            <a:lvl8pPr lvl="7" algn="ctr">
-              <a:spcBef>
-                <a:spcPts val="0"/>
-              </a:spcBef>
-              <a:spcAft>
-                <a:spcPts val="0"/>
-              </a:spcAft>
-              <a:buSzPts val="15200"/>
-              <a:buNone/>
-              <a:defRPr sz="15200"/>
-            </a:lvl8pPr>
-            <a:lvl9pPr lvl="8" algn="ctr">
-              <a:spcBef>
-                <a:spcPts val="0"/>
-              </a:spcBef>
-              <a:spcAft>
-                <a:spcPts val="0"/>
-              </a:spcAft>
-              <a:buSzPts val="15200"/>
-              <a:buNone/>
-              <a:defRPr sz="15200"/>
-            </a:lvl9pPr>
-          </a:lstStyle>
-          <a:p>
-            <a:r>
-              <a:t>xx%</a:t>
-            </a:r>
-          </a:p>
-        </p:txBody>
-      </p:sp>
-      <p:sp>
-        <p:nvSpPr>
-          <p:cNvPr id="46" name="Google Shape;46;p11"/>
-          <p:cNvSpPr txBox="1"/>
-          <p:nvPr>
-            <p:ph idx="1" type="body"/>
-          </p:nvPr>
-        </p:nvSpPr>
-        <p:spPr>
-          <a:xfrm>
-            <a:off x="364468" y="4633192"/>
-            <a:ext cx="9963000" cy="1911900"/>
-          </a:xfrm>
-          <a:prstGeom prst="rect">
-            <a:avLst/>
-          </a:prstGeom>
-        </p:spPr>
-        <p:txBody>
-          <a:bodyPr anchorCtr="0" anchor="t" bIns="116050" lIns="116050" spcFirstLastPara="1" rIns="116050" wrap="square" tIns="116050">
-            <a:noAutofit/>
-          </a:bodyPr>
-          <a:lstStyle>
-            <a:lvl1pPr indent="-374650" lvl="0" marL="457200" algn="ctr">
-              <a:spcBef>
-                <a:spcPts val="0"/>
-              </a:spcBef>
-              <a:spcAft>
-                <a:spcPts val="0"/>
-              </a:spcAft>
-              <a:buSzPts val="2300"/>
-              <a:buChar char="●"/>
-              <a:defRPr/>
-            </a:lvl1pPr>
-            <a:lvl2pPr indent="-342900" lvl="1" marL="914400" algn="ctr">
-              <a:spcBef>
-                <a:spcPts val="2000"/>
-              </a:spcBef>
-              <a:spcAft>
-                <a:spcPts val="0"/>
-              </a:spcAft>
-              <a:buSzPts val="1800"/>
-              <a:buChar char="○"/>
-              <a:defRPr/>
-            </a:lvl2pPr>
-            <a:lvl3pPr indent="-342900" lvl="2" marL="1371600" algn="ctr">
-              <a:spcBef>
-                <a:spcPts val="2000"/>
-              </a:spcBef>
-              <a:spcAft>
-                <a:spcPts val="0"/>
-              </a:spcAft>
-              <a:buSzPts val="1800"/>
-              <a:buChar char="■"/>
-              <a:defRPr/>
-            </a:lvl3pPr>
-            <a:lvl4pPr indent="-342900" lvl="3" marL="1828800" algn="ctr">
-              <a:spcBef>
-                <a:spcPts val="2000"/>
-              </a:spcBef>
-              <a:spcAft>
-                <a:spcPts val="0"/>
-              </a:spcAft>
-              <a:buSzPts val="1800"/>
-              <a:buChar char="●"/>
-              <a:defRPr/>
-            </a:lvl4pPr>
-            <a:lvl5pPr indent="-342900" lvl="4" marL="2286000" algn="ctr">
-              <a:spcBef>
-                <a:spcPts val="2000"/>
-              </a:spcBef>
-              <a:spcAft>
-                <a:spcPts val="0"/>
-              </a:spcAft>
-              <a:buSzPts val="1800"/>
-              <a:buChar char="○"/>
-              <a:defRPr/>
-            </a:lvl5pPr>
-            <a:lvl6pPr indent="-342900" lvl="5" marL="2743200" algn="ctr">
-              <a:spcBef>
-                <a:spcPts val="2000"/>
-              </a:spcBef>
-              <a:spcAft>
-                <a:spcPts val="0"/>
-              </a:spcAft>
-              <a:buSzPts val="1800"/>
-              <a:buChar char="■"/>
-              <a:defRPr/>
-            </a:lvl6pPr>
-            <a:lvl7pPr indent="-342900" lvl="6" marL="3200400" algn="ctr">
-              <a:spcBef>
-                <a:spcPts val="2000"/>
-              </a:spcBef>
-              <a:spcAft>
-                <a:spcPts val="0"/>
-              </a:spcAft>
-              <a:buSzPts val="1800"/>
-              <a:buChar char="●"/>
-              <a:defRPr/>
-            </a:lvl7pPr>
-            <a:lvl8pPr indent="-342900" lvl="7" marL="3657600" algn="ctr">
-              <a:spcBef>
-                <a:spcPts val="2000"/>
-              </a:spcBef>
-              <a:spcAft>
-                <a:spcPts val="0"/>
-              </a:spcAft>
-              <a:buSzPts val="1800"/>
-              <a:buChar char="○"/>
-              <a:defRPr/>
-            </a:lvl8pPr>
-            <a:lvl9pPr indent="-342900" lvl="8" marL="4114800" algn="ctr">
-              <a:spcBef>
-                <a:spcPts val="2000"/>
-              </a:spcBef>
-              <a:spcAft>
-                <a:spcPts val="2000"/>
-              </a:spcAft>
-              <a:buSzPts val="1800"/>
-              <a:buChar char="■"/>
-              <a:defRPr/>
-            </a:lvl9pPr>
-          </a:lstStyle>
-          <a:p/>
-        </p:txBody>
-      </p:sp>
-      <p:sp>
-        <p:nvSpPr>
-          <p:cNvPr id="47" name="Google Shape;47;p11"/>
-          <p:cNvSpPr txBox="1"/>
-          <p:nvPr>
-            <p:ph idx="12" type="sldNum"/>
-          </p:nvPr>
-        </p:nvSpPr>
-        <p:spPr>
-          <a:xfrm>
-            <a:off x="9906772" y="6854072"/>
-            <a:ext cx="641700" cy="578400"/>
-          </a:xfrm>
-          <a:prstGeom prst="rect">
-            <a:avLst/>
-          </a:prstGeom>
-        </p:spPr>
-        <p:txBody>
-          <a:bodyPr anchorCtr="0" anchor="ctr" bIns="116050" lIns="116050" spcFirstLastPara="1" rIns="116050" wrap="square" tIns="116050">
-            <a:noAutofit/>
-          </a:bodyPr>
-          <a:lstStyle>
-            <a:lvl1pPr lvl="0">
-              <a:buNone/>
-              <a:defRPr/>
-            </a:lvl1pPr>
-            <a:lvl2pPr lvl="1">
-              <a:buNone/>
-              <a:defRPr/>
-            </a:lvl2pPr>
-            <a:lvl3pPr lvl="2">
-              <a:buNone/>
-              <a:defRPr/>
-            </a:lvl3pPr>
-            <a:lvl4pPr lvl="3">
-              <a:buNone/>
-              <a:defRPr/>
-            </a:lvl4pPr>
-            <a:lvl5pPr lvl="4">
-              <a:buNone/>
-              <a:defRPr/>
-            </a:lvl5pPr>
-            <a:lvl6pPr lvl="5">
-              <a:buNone/>
-              <a:defRPr/>
-            </a:lvl6pPr>
-            <a:lvl7pPr lvl="6">
-              <a:buNone/>
-              <a:defRPr/>
-            </a:lvl7pPr>
-            <a:lvl8pPr lvl="7">
-              <a:buNone/>
-              <a:defRPr/>
-            </a:lvl8pPr>
-            <a:lvl9pPr lvl="8">
-              <a:buNone/>
-              <a:defRPr/>
-            </a:lvl9pPr>
-          </a:lstStyle>
-          <a:p>
-            <a:pPr indent="0" lvl="0" marL="0" rtl="0" algn="r">
-              <a:spcBef>
-                <a:spcPts val="0"/>
-              </a:spcBef>
-              <a:spcAft>
-                <a:spcPts val="0"/>
-              </a:spcAft>
-              <a:buNone/>
-            </a:pPr>
-            <a:fld id="{00000000-1234-1234-1234-123412341234}" type="slidenum">
-              <a:rPr lang="en"/>
-              <a:t>‹#›</a:t>
-            </a:fld>
-            <a:endParaRPr/>
-          </a:p>
-        </p:txBody>
-      </p:sp>
-    </p:spTree>
-  </p:cSld>
-  <p:clrMapOvr>
-    <a:masterClrMapping/>
-  </p:clrMapOvr>
-</p:sldLayout>
-</file>
-
-<file path=ppt/slideLayouts/slideLayout11.xml><?xml version="1.0" encoding="utf-8"?>
-<p:sldLayout xmlns:a="http://schemas.openxmlformats.org/drawingml/2006/main" xmlns:r="http://schemas.openxmlformats.org/officeDocument/2006/relationships" xmlns:mc="http://schemas.openxmlformats.org/markup-compatibility/2006" xmlns:mv="urn:schemas-microsoft-com:mac:vml" xmlns:p="http://schemas.openxmlformats.org/presentationml/2006/main" xmlns:c="http://schemas.openxmlformats.org/drawingml/2006/chart" xmlns:dgm="http://schemas.openxmlformats.org/drawingml/2006/diagram" xmlns:o="urn:schemas-microsoft-com:office:office" xmlns:v="urn:schemas-microsoft-com:vml" xmlns:pvml="urn:schemas-microsoft-com:office:powerpoint" xmlns:com="http://schemas.openxmlformats.org/drawingml/2006/compatibility" xmlns:p14="http://schemas.microsoft.com/office/powerpoint/2010/main" xmlns:p15="http://schemas.microsoft.com/office/powerpoint/2012/main" matchingName="Blank" type="blank">
-  <p:cSld name="BLANK">
-    <p:spTree>
-      <p:nvGrpSpPr>
-        <p:cNvPr id="48" name="Shape 48"/>
-        <p:cNvGrpSpPr/>
-        <p:nvPr/>
-      </p:nvGrpSpPr>
-      <p:grpSpPr>
-        <a:xfrm>
-          <a:off x="0" y="0"/>
-          <a:ext cx="0" cy="0"/>
-          <a:chOff x="0" y="0"/>
-          <a:chExt cx="0" cy="0"/>
-        </a:xfrm>
-      </p:grpSpPr>
-      <p:sp>
-        <p:nvSpPr>
-          <p:cNvPr id="49" name="Google Shape;49;p12"/>
-          <p:cNvSpPr txBox="1"/>
-          <p:nvPr>
-            <p:ph idx="12" type="sldNum"/>
-          </p:nvPr>
-        </p:nvSpPr>
-        <p:spPr>
-          <a:xfrm>
-            <a:off x="9906772" y="6854072"/>
-            <a:ext cx="641700" cy="578400"/>
-          </a:xfrm>
-          <a:prstGeom prst="rect">
-            <a:avLst/>
-          </a:prstGeom>
-        </p:spPr>
-        <p:txBody>
-          <a:bodyPr anchorCtr="0" anchor="ctr" bIns="116050" lIns="116050" spcFirstLastPara="1" rIns="116050" wrap="square" tIns="116050">
-            <a:noAutofit/>
-          </a:bodyPr>
-          <a:lstStyle>
-            <a:lvl1pPr lvl="0">
-              <a:buNone/>
-              <a:defRPr/>
-            </a:lvl1pPr>
-            <a:lvl2pPr lvl="1">
-              <a:buNone/>
-              <a:defRPr/>
-            </a:lvl2pPr>
-            <a:lvl3pPr lvl="2">
-              <a:buNone/>
-              <a:defRPr/>
-            </a:lvl3pPr>
-            <a:lvl4pPr lvl="3">
-              <a:buNone/>
-              <a:defRPr/>
-            </a:lvl4pPr>
-            <a:lvl5pPr lvl="4">
-              <a:buNone/>
-              <a:defRPr/>
-            </a:lvl5pPr>
-            <a:lvl6pPr lvl="5">
-              <a:buNone/>
-              <a:defRPr/>
-            </a:lvl6pPr>
-            <a:lvl7pPr lvl="6">
-              <a:buNone/>
-              <a:defRPr/>
-            </a:lvl7pPr>
-            <a:lvl8pPr lvl="7">
-              <a:buNone/>
-              <a:defRPr/>
-            </a:lvl8pPr>
-            <a:lvl9pPr lvl="8">
-              <a:buNone/>
-              <a:defRPr/>
-            </a:lvl9pPr>
-          </a:lstStyle>
-          <a:p>
-            <a:pPr indent="0" lvl="0" marL="0" rtl="0" algn="r">
-              <a:spcBef>
-                <a:spcPts val="0"/>
-              </a:spcBef>
-              <a:spcAft>
-                <a:spcPts val="0"/>
-              </a:spcAft>
-              <a:buNone/>
-            </a:pPr>
-            <a:fld id="{00000000-1234-1234-1234-123412341234}" type="slidenum">
-              <a:rPr lang="en"/>
-              <a:t>‹#›</a:t>
-            </a:fld>
-            <a:endParaRPr/>
-          </a:p>
-        </p:txBody>
-      </p:sp>
-    </p:spTree>
-  </p:cSld>
-  <p:clrMapOvr>
-    <a:masterClrMapping/>
-  </p:clrMapOvr>
-</p:sldLayout>
-</file>
-
-<file path=ppt/slideLayouts/slideLayout2.xml><?xml version="1.0" encoding="utf-8"?>
-<p:sldLayout xmlns:a="http://schemas.openxmlformats.org/drawingml/2006/main" xmlns:r="http://schemas.openxmlformats.org/officeDocument/2006/relationships" xmlns:mc="http://schemas.openxmlformats.org/markup-compatibility/2006" xmlns:mv="urn:schemas-microsoft-com:mac:vml" xmlns:p="http://schemas.openxmlformats.org/presentationml/2006/main" xmlns:c="http://schemas.openxmlformats.org/drawingml/2006/chart" xmlns:dgm="http://schemas.openxmlformats.org/drawingml/2006/diagram" xmlns:o="urn:schemas-microsoft-com:office:office" xmlns:v="urn:schemas-microsoft-com:vml" xmlns:pvml="urn:schemas-microsoft-com:office:powerpoint" xmlns:com="http://schemas.openxmlformats.org/drawingml/2006/compatibility" xmlns:p14="http://schemas.microsoft.com/office/powerpoint/2010/main" xmlns:p15="http://schemas.microsoft.com/office/powerpoint/2012/main" matchingName="Section header" type="secHead">
-  <p:cSld name="SECTION_HEADER">
-    <p:spTree>
-      <p:nvGrpSpPr>
-        <p:cNvPr id="13" name="Shape 13"/>
-        <p:cNvGrpSpPr/>
-        <p:nvPr/>
-      </p:nvGrpSpPr>
-      <p:grpSpPr>
-        <a:xfrm>
-          <a:off x="0" y="0"/>
-          <a:ext cx="0" cy="0"/>
-          <a:chOff x="0" y="0"/>
-          <a:chExt cx="0" cy="0"/>
-        </a:xfrm>
-      </p:grpSpPr>
-      <p:sp>
-        <p:nvSpPr>
-          <p:cNvPr id="14" name="Google Shape;14;p3"/>
-          <p:cNvSpPr txBox="1"/>
-          <p:nvPr>
-            <p:ph type="title"/>
-          </p:nvPr>
-        </p:nvSpPr>
-        <p:spPr>
-          <a:xfrm>
-            <a:off x="364468" y="3161354"/>
-            <a:ext cx="9963000" cy="1237200"/>
-          </a:xfrm>
-          <a:prstGeom prst="rect">
-            <a:avLst/>
-          </a:prstGeom>
-        </p:spPr>
-        <p:txBody>
-          <a:bodyPr anchorCtr="0" anchor="ctr" bIns="116050" lIns="116050" spcFirstLastPara="1" rIns="116050" wrap="square" tIns="116050">
-            <a:noAutofit/>
-          </a:bodyPr>
-          <a:lstStyle>
-            <a:lvl1pPr lvl="0" algn="ctr">
-              <a:spcBef>
-                <a:spcPts val="0"/>
-              </a:spcBef>
-              <a:spcAft>
-                <a:spcPts val="0"/>
-              </a:spcAft>
-              <a:buSzPts val="4600"/>
-              <a:buNone/>
-              <a:defRPr sz="4600"/>
-            </a:lvl1pPr>
-            <a:lvl2pPr lvl="1" algn="ctr">
-              <a:spcBef>
-                <a:spcPts val="0"/>
-              </a:spcBef>
-              <a:spcAft>
-                <a:spcPts val="0"/>
-              </a:spcAft>
-              <a:buSzPts val="4600"/>
-              <a:buNone/>
-              <a:defRPr sz="4600"/>
-            </a:lvl2pPr>
-            <a:lvl3pPr lvl="2" algn="ctr">
-              <a:spcBef>
-                <a:spcPts val="0"/>
-              </a:spcBef>
-              <a:spcAft>
-                <a:spcPts val="0"/>
-              </a:spcAft>
-              <a:buSzPts val="4600"/>
-              <a:buNone/>
-              <a:defRPr sz="4600"/>
-            </a:lvl3pPr>
-            <a:lvl4pPr lvl="3" algn="ctr">
-              <a:spcBef>
-                <a:spcPts val="0"/>
-              </a:spcBef>
-              <a:spcAft>
-                <a:spcPts val="0"/>
-              </a:spcAft>
-              <a:buSzPts val="4600"/>
-              <a:buNone/>
-              <a:defRPr sz="4600"/>
-            </a:lvl4pPr>
-            <a:lvl5pPr lvl="4" algn="ctr">
-              <a:spcBef>
-                <a:spcPts val="0"/>
-              </a:spcBef>
-              <a:spcAft>
-                <a:spcPts val="0"/>
-              </a:spcAft>
-              <a:buSzPts val="4600"/>
-              <a:buNone/>
-              <a:defRPr sz="4600"/>
-            </a:lvl5pPr>
-            <a:lvl6pPr lvl="5" algn="ctr">
-              <a:spcBef>
-                <a:spcPts val="0"/>
-              </a:spcBef>
-              <a:spcAft>
-                <a:spcPts val="0"/>
-              </a:spcAft>
-              <a:buSzPts val="4600"/>
-              <a:buNone/>
-              <a:defRPr sz="4600"/>
-            </a:lvl6pPr>
-            <a:lvl7pPr lvl="6" algn="ctr">
-              <a:spcBef>
-                <a:spcPts val="0"/>
-              </a:spcBef>
-              <a:spcAft>
-                <a:spcPts val="0"/>
-              </a:spcAft>
-              <a:buSzPts val="4600"/>
-              <a:buNone/>
-              <a:defRPr sz="4600"/>
-            </a:lvl7pPr>
-            <a:lvl8pPr lvl="7" algn="ctr">
-              <a:spcBef>
-                <a:spcPts val="0"/>
-              </a:spcBef>
-              <a:spcAft>
-                <a:spcPts val="0"/>
-              </a:spcAft>
-              <a:buSzPts val="4600"/>
-              <a:buNone/>
-              <a:defRPr sz="4600"/>
-            </a:lvl8pPr>
-            <a:lvl9pPr lvl="8" algn="ctr">
-              <a:spcBef>
-                <a:spcPts val="0"/>
-              </a:spcBef>
-              <a:spcAft>
-                <a:spcPts val="0"/>
-              </a:spcAft>
-              <a:buSzPts val="4600"/>
-              <a:buNone/>
-              <a:defRPr sz="4600"/>
-            </a:lvl9pPr>
-          </a:lstStyle>
-          <a:p/>
-        </p:txBody>
-      </p:sp>
-      <p:sp>
-        <p:nvSpPr>
-          <p:cNvPr id="15" name="Google Shape;15;p3"/>
-          <p:cNvSpPr txBox="1"/>
-          <p:nvPr>
-            <p:ph idx="12" type="sldNum"/>
-          </p:nvPr>
-        </p:nvSpPr>
-        <p:spPr>
-          <a:xfrm>
-            <a:off x="9906772" y="6854072"/>
-            <a:ext cx="641700" cy="578400"/>
-          </a:xfrm>
-          <a:prstGeom prst="rect">
-            <a:avLst/>
-          </a:prstGeom>
-        </p:spPr>
-        <p:txBody>
-          <a:bodyPr anchorCtr="0" anchor="ctr" bIns="116050" lIns="116050" spcFirstLastPara="1" rIns="116050" wrap="square" tIns="116050">
-            <a:noAutofit/>
-          </a:bodyPr>
-          <a:lstStyle>
-            <a:lvl1pPr lvl="0">
-              <a:buNone/>
-              <a:defRPr/>
-            </a:lvl1pPr>
-            <a:lvl2pPr lvl="1">
-              <a:buNone/>
-              <a:defRPr/>
-            </a:lvl2pPr>
-            <a:lvl3pPr lvl="2">
-              <a:buNone/>
-              <a:defRPr/>
-            </a:lvl3pPr>
-            <a:lvl4pPr lvl="3">
-              <a:buNone/>
-              <a:defRPr/>
-            </a:lvl4pPr>
-            <a:lvl5pPr lvl="4">
-              <a:buNone/>
-              <a:defRPr/>
-            </a:lvl5pPr>
-            <a:lvl6pPr lvl="5">
-              <a:buNone/>
-              <a:defRPr/>
-            </a:lvl6pPr>
-            <a:lvl7pPr lvl="6">
-              <a:buNone/>
-              <a:defRPr/>
-            </a:lvl7pPr>
-            <a:lvl8pPr lvl="7">
-              <a:buNone/>
-              <a:defRPr/>
-            </a:lvl8pPr>
-            <a:lvl9pPr lvl="8">
-              <a:buNone/>
-              <a:defRPr/>
-            </a:lvl9pPr>
-          </a:lstStyle>
-          <a:p>
-            <a:pPr indent="0" lvl="0" marL="0" rtl="0" algn="r">
-              <a:spcBef>
-                <a:spcPts val="0"/>
-              </a:spcBef>
-              <a:spcAft>
-                <a:spcPts val="0"/>
-              </a:spcAft>
-              <a:buNone/>
-            </a:pPr>
-            <a:fld id="{00000000-1234-1234-1234-123412341234}" type="slidenum">
-              <a:rPr lang="en"/>
-              <a:t>‹#›</a:t>
-            </a:fld>
-            <a:endParaRPr/>
-          </a:p>
-        </p:txBody>
-      </p:sp>
-    </p:spTree>
-  </p:cSld>
-  <p:clrMapOvr>
-    <a:masterClrMapping/>
-  </p:clrMapOvr>
-</p:sldLayout>
-</file>
-
-<file path=ppt/slideLayouts/slideLayout3.xml><?xml version="1.0" encoding="utf-8"?>
-<p:sldLayout xmlns:a="http://schemas.openxmlformats.org/drawingml/2006/main" xmlns:r="http://schemas.openxmlformats.org/officeDocument/2006/relationships" xmlns:mc="http://schemas.openxmlformats.org/markup-compatibility/2006" xmlns:mv="urn:schemas-microsoft-com:mac:vml" xmlns:p="http://schemas.openxmlformats.org/presentationml/2006/main" xmlns:c="http://schemas.openxmlformats.org/drawingml/2006/chart" xmlns:dgm="http://schemas.openxmlformats.org/drawingml/2006/diagram" xmlns:o="urn:schemas-microsoft-com:office:office" xmlns:v="urn:schemas-microsoft-com:vml" xmlns:pvml="urn:schemas-microsoft-com:office:powerpoint" xmlns:com="http://schemas.openxmlformats.org/drawingml/2006/compatibility" xmlns:p14="http://schemas.microsoft.com/office/powerpoint/2010/main" xmlns:p15="http://schemas.microsoft.com/office/powerpoint/2012/main" matchingName="Title and body" type="tx">
-  <p:cSld name="TITLE_AND_BODY">
-    <p:spTree>
-      <p:nvGrpSpPr>
-        <p:cNvPr id="16" name="Shape 16"/>
-        <p:cNvGrpSpPr/>
-        <p:nvPr/>
-      </p:nvGrpSpPr>
-      <p:grpSpPr>
-        <a:xfrm>
-          <a:off x="0" y="0"/>
-          <a:ext cx="0" cy="0"/>
-          <a:chOff x="0" y="0"/>
-          <a:chExt cx="0" cy="0"/>
-        </a:xfrm>
-      </p:grpSpPr>
-      <p:sp>
-        <p:nvSpPr>
-          <p:cNvPr id="17" name="Google Shape;17;p4"/>
-          <p:cNvSpPr txBox="1"/>
-          <p:nvPr>
-            <p:ph type="title"/>
-          </p:nvPr>
-        </p:nvSpPr>
-        <p:spPr>
-          <a:xfrm>
-            <a:off x="364468" y="654105"/>
-            <a:ext cx="9963000" cy="841800"/>
-          </a:xfrm>
-          <a:prstGeom prst="rect">
-            <a:avLst/>
-          </a:prstGeom>
-        </p:spPr>
-        <p:txBody>
-          <a:bodyPr anchorCtr="0" anchor="t" bIns="116050" lIns="116050" spcFirstLastPara="1" rIns="116050" wrap="square" tIns="116050">
-            <a:noAutofit/>
-          </a:bodyPr>
-          <a:lstStyle>
-            <a:lvl1pPr lvl="0">
-              <a:spcBef>
-                <a:spcPts val="0"/>
-              </a:spcBef>
-              <a:spcAft>
-                <a:spcPts val="0"/>
-              </a:spcAft>
-              <a:buSzPts val="3600"/>
-              <a:buNone/>
-              <a:defRPr/>
-            </a:lvl1pPr>
-            <a:lvl2pPr lvl="1">
-              <a:spcBef>
-                <a:spcPts val="0"/>
-              </a:spcBef>
-              <a:spcAft>
-                <a:spcPts val="0"/>
-              </a:spcAft>
-              <a:buSzPts val="3600"/>
-              <a:buNone/>
-              <a:defRPr/>
-            </a:lvl2pPr>
-            <a:lvl3pPr lvl="2">
-              <a:spcBef>
-                <a:spcPts val="0"/>
-              </a:spcBef>
-              <a:spcAft>
-                <a:spcPts val="0"/>
-              </a:spcAft>
-              <a:buSzPts val="3600"/>
-              <a:buNone/>
-              <a:defRPr/>
-            </a:lvl3pPr>
-            <a:lvl4pPr lvl="3">
-              <a:spcBef>
-                <a:spcPts val="0"/>
-              </a:spcBef>
-              <a:spcAft>
-                <a:spcPts val="0"/>
-              </a:spcAft>
-              <a:buSzPts val="3600"/>
-              <a:buNone/>
-              <a:defRPr/>
-            </a:lvl4pPr>
-            <a:lvl5pPr lvl="4">
-              <a:spcBef>
-                <a:spcPts val="0"/>
-              </a:spcBef>
-              <a:spcAft>
-                <a:spcPts val="0"/>
-              </a:spcAft>
-              <a:buSzPts val="3600"/>
-              <a:buNone/>
-              <a:defRPr/>
-            </a:lvl5pPr>
-            <a:lvl6pPr lvl="5">
-              <a:spcBef>
-                <a:spcPts val="0"/>
-              </a:spcBef>
-              <a:spcAft>
-                <a:spcPts val="0"/>
-              </a:spcAft>
-              <a:buSzPts val="3600"/>
-              <a:buNone/>
-              <a:defRPr/>
-            </a:lvl6pPr>
-            <a:lvl7pPr lvl="6">
-              <a:spcBef>
-                <a:spcPts val="0"/>
-              </a:spcBef>
-              <a:spcAft>
-                <a:spcPts val="0"/>
-              </a:spcAft>
-              <a:buSzPts val="3600"/>
-              <a:buNone/>
-              <a:defRPr/>
-            </a:lvl7pPr>
-            <a:lvl8pPr lvl="7">
-              <a:spcBef>
-                <a:spcPts val="0"/>
-              </a:spcBef>
-              <a:spcAft>
-                <a:spcPts val="0"/>
-              </a:spcAft>
-              <a:buSzPts val="3600"/>
-              <a:buNone/>
-              <a:defRPr/>
-            </a:lvl8pPr>
-            <a:lvl9pPr lvl="8">
-              <a:spcBef>
-                <a:spcPts val="0"/>
-              </a:spcBef>
-              <a:spcAft>
-                <a:spcPts val="0"/>
-              </a:spcAft>
-              <a:buSzPts val="3600"/>
-              <a:buNone/>
-              <a:defRPr/>
-            </a:lvl9pPr>
-          </a:lstStyle>
-          <a:p/>
-        </p:txBody>
-      </p:sp>
-      <p:sp>
-        <p:nvSpPr>
-          <p:cNvPr id="18" name="Google Shape;18;p4"/>
-          <p:cNvSpPr txBox="1"/>
-          <p:nvPr>
-            <p:ph idx="1" type="body"/>
-          </p:nvPr>
-        </p:nvSpPr>
-        <p:spPr>
-          <a:xfrm>
-            <a:off x="364468" y="1693927"/>
-            <a:ext cx="9963000" cy="5021400"/>
-          </a:xfrm>
-          <a:prstGeom prst="rect">
-            <a:avLst/>
-          </a:prstGeom>
-        </p:spPr>
-        <p:txBody>
-          <a:bodyPr anchorCtr="0" anchor="t" bIns="116050" lIns="116050" spcFirstLastPara="1" rIns="116050" wrap="square" tIns="116050">
-            <a:noAutofit/>
-          </a:bodyPr>
-          <a:lstStyle>
-            <a:lvl1pPr indent="-374650" lvl="0" marL="457200">
-              <a:spcBef>
-                <a:spcPts val="0"/>
-              </a:spcBef>
-              <a:spcAft>
-                <a:spcPts val="0"/>
-              </a:spcAft>
-              <a:buSzPts val="2300"/>
-              <a:buChar char="●"/>
-              <a:defRPr/>
-            </a:lvl1pPr>
-            <a:lvl2pPr indent="-342900" lvl="1" marL="914400">
-              <a:spcBef>
-                <a:spcPts val="2000"/>
-              </a:spcBef>
-              <a:spcAft>
-                <a:spcPts val="0"/>
-              </a:spcAft>
-              <a:buSzPts val="1800"/>
-              <a:buChar char="○"/>
-              <a:defRPr/>
-            </a:lvl2pPr>
-            <a:lvl3pPr indent="-342900" lvl="2" marL="1371600">
-              <a:spcBef>
-                <a:spcPts val="2000"/>
-              </a:spcBef>
-              <a:spcAft>
-                <a:spcPts val="0"/>
-              </a:spcAft>
-              <a:buSzPts val="1800"/>
-              <a:buChar char="■"/>
-              <a:defRPr/>
-            </a:lvl3pPr>
-            <a:lvl4pPr indent="-342900" lvl="3" marL="1828800">
-              <a:spcBef>
-                <a:spcPts val="2000"/>
-              </a:spcBef>
-              <a:spcAft>
-                <a:spcPts val="0"/>
-              </a:spcAft>
-              <a:buSzPts val="1800"/>
-              <a:buChar char="●"/>
-              <a:defRPr/>
-            </a:lvl4pPr>
-            <a:lvl5pPr indent="-342900" lvl="4" marL="2286000">
-              <a:spcBef>
-                <a:spcPts val="2000"/>
-              </a:spcBef>
-              <a:spcAft>
-                <a:spcPts val="0"/>
-              </a:spcAft>
-              <a:buSzPts val="1800"/>
-              <a:buChar char="○"/>
-              <a:defRPr/>
-            </a:lvl5pPr>
-            <a:lvl6pPr indent="-342900" lvl="5" marL="2743200">
-              <a:spcBef>
-                <a:spcPts val="2000"/>
-              </a:spcBef>
-              <a:spcAft>
-                <a:spcPts val="0"/>
-              </a:spcAft>
-              <a:buSzPts val="1800"/>
-              <a:buChar char="■"/>
-              <a:defRPr/>
-            </a:lvl6pPr>
-            <a:lvl7pPr indent="-342900" lvl="6" marL="3200400">
-              <a:spcBef>
-                <a:spcPts val="2000"/>
-              </a:spcBef>
-              <a:spcAft>
-                <a:spcPts val="0"/>
-              </a:spcAft>
-              <a:buSzPts val="1800"/>
-              <a:buChar char="●"/>
-              <a:defRPr/>
-            </a:lvl7pPr>
-            <a:lvl8pPr indent="-342900" lvl="7" marL="3657600">
-              <a:spcBef>
-                <a:spcPts val="2000"/>
-              </a:spcBef>
-              <a:spcAft>
-                <a:spcPts val="0"/>
-              </a:spcAft>
-              <a:buSzPts val="1800"/>
-              <a:buChar char="○"/>
-              <a:defRPr/>
-            </a:lvl8pPr>
-            <a:lvl9pPr indent="-342900" lvl="8" marL="4114800">
-              <a:spcBef>
-                <a:spcPts val="2000"/>
-              </a:spcBef>
-              <a:spcAft>
-                <a:spcPts val="2000"/>
-              </a:spcAft>
-              <a:buSzPts val="1800"/>
-              <a:buChar char="■"/>
-              <a:defRPr/>
-            </a:lvl9pPr>
-          </a:lstStyle>
-          <a:p/>
-        </p:txBody>
-      </p:sp>
-      <p:sp>
-        <p:nvSpPr>
-          <p:cNvPr id="19" name="Google Shape;19;p4"/>
-          <p:cNvSpPr txBox="1"/>
-          <p:nvPr>
-            <p:ph idx="12" type="sldNum"/>
-          </p:nvPr>
-        </p:nvSpPr>
-        <p:spPr>
-          <a:xfrm>
-            <a:off x="9906772" y="6854072"/>
-            <a:ext cx="641700" cy="578400"/>
-          </a:xfrm>
-          <a:prstGeom prst="rect">
-            <a:avLst/>
-          </a:prstGeom>
-        </p:spPr>
-        <p:txBody>
-          <a:bodyPr anchorCtr="0" anchor="ctr" bIns="116050" lIns="116050" spcFirstLastPara="1" rIns="116050" wrap="square" tIns="116050">
-            <a:noAutofit/>
-          </a:bodyPr>
-          <a:lstStyle>
-            <a:lvl1pPr lvl="0">
-              <a:buNone/>
-              <a:defRPr/>
-            </a:lvl1pPr>
-            <a:lvl2pPr lvl="1">
-              <a:buNone/>
-              <a:defRPr/>
-            </a:lvl2pPr>
-            <a:lvl3pPr lvl="2">
-              <a:buNone/>
-              <a:defRPr/>
-            </a:lvl3pPr>
-            <a:lvl4pPr lvl="3">
-              <a:buNone/>
-              <a:defRPr/>
-            </a:lvl4pPr>
-            <a:lvl5pPr lvl="4">
-              <a:buNone/>
-              <a:defRPr/>
-            </a:lvl5pPr>
-            <a:lvl6pPr lvl="5">
-              <a:buNone/>
-              <a:defRPr/>
-            </a:lvl6pPr>
-            <a:lvl7pPr lvl="6">
-              <a:buNone/>
-              <a:defRPr/>
-            </a:lvl7pPr>
-            <a:lvl8pPr lvl="7">
-              <a:buNone/>
-              <a:defRPr/>
-            </a:lvl8pPr>
-            <a:lvl9pPr lvl="8">
-              <a:buNone/>
-              <a:defRPr/>
-            </a:lvl9pPr>
-          </a:lstStyle>
-          <a:p>
-            <a:pPr indent="0" lvl="0" marL="0" rtl="0" algn="r">
-              <a:spcBef>
-                <a:spcPts val="0"/>
-              </a:spcBef>
-              <a:spcAft>
-                <a:spcPts val="0"/>
-              </a:spcAft>
-              <a:buNone/>
-            </a:pPr>
-            <a:fld id="{00000000-1234-1234-1234-123412341234}" type="slidenum">
-              <a:rPr lang="en"/>
-              <a:t>‹#›</a:t>
-            </a:fld>
-            <a:endParaRPr/>
-          </a:p>
-        </p:txBody>
-      </p:sp>
-    </p:spTree>
-  </p:cSld>
-  <p:clrMapOvr>
-    <a:masterClrMapping/>
-  </p:clrMapOvr>
-</p:sldLayout>
-</file>
-
-<file path=ppt/slideLayouts/slideLayout4.xml><?xml version="1.0" encoding="utf-8"?>
-<p:sldLayout xmlns:a="http://schemas.openxmlformats.org/drawingml/2006/main" xmlns:r="http://schemas.openxmlformats.org/officeDocument/2006/relationships" xmlns:mc="http://schemas.openxmlformats.org/markup-compatibility/2006" xmlns:mv="urn:schemas-microsoft-com:mac:vml" xmlns:p="http://schemas.openxmlformats.org/presentationml/2006/main" xmlns:c="http://schemas.openxmlformats.org/drawingml/2006/chart" xmlns:dgm="http://schemas.openxmlformats.org/drawingml/2006/diagram" xmlns:o="urn:schemas-microsoft-com:office:office" xmlns:v="urn:schemas-microsoft-com:vml" xmlns:pvml="urn:schemas-microsoft-com:office:powerpoint" xmlns:com="http://schemas.openxmlformats.org/drawingml/2006/compatibility" xmlns:p14="http://schemas.microsoft.com/office/powerpoint/2010/main" xmlns:p15="http://schemas.microsoft.com/office/powerpoint/2012/main" matchingName="Title and two columns" type="twoColTx">
-  <p:cSld name="TITLE_AND_TWO_COLUMNS">
-    <p:spTree>
-      <p:nvGrpSpPr>
-        <p:cNvPr id="20" name="Shape 20"/>
-        <p:cNvGrpSpPr/>
-        <p:nvPr/>
-      </p:nvGrpSpPr>
-      <p:grpSpPr>
-        <a:xfrm>
-          <a:off x="0" y="0"/>
-          <a:ext cx="0" cy="0"/>
-          <a:chOff x="0" y="0"/>
-          <a:chExt cx="0" cy="0"/>
-        </a:xfrm>
-      </p:grpSpPr>
-      <p:sp>
-        <p:nvSpPr>
-          <p:cNvPr id="21" name="Google Shape;21;p5"/>
-          <p:cNvSpPr txBox="1"/>
-          <p:nvPr>
-            <p:ph type="title"/>
-          </p:nvPr>
-        </p:nvSpPr>
-        <p:spPr>
-          <a:xfrm>
-            <a:off x="364468" y="654105"/>
-            <a:ext cx="9963000" cy="841800"/>
-          </a:xfrm>
-          <a:prstGeom prst="rect">
-            <a:avLst/>
-          </a:prstGeom>
-        </p:spPr>
-        <p:txBody>
-          <a:bodyPr anchorCtr="0" anchor="t" bIns="116050" lIns="116050" spcFirstLastPara="1" rIns="116050" wrap="square" tIns="116050">
-            <a:noAutofit/>
-          </a:bodyPr>
-          <a:lstStyle>
-            <a:lvl1pPr lvl="0">
-              <a:spcBef>
-                <a:spcPts val="0"/>
-              </a:spcBef>
-              <a:spcAft>
-                <a:spcPts val="0"/>
-              </a:spcAft>
-              <a:buSzPts val="3600"/>
-              <a:buNone/>
-              <a:defRPr/>
-            </a:lvl1pPr>
-            <a:lvl2pPr lvl="1">
-              <a:spcBef>
-                <a:spcPts val="0"/>
-              </a:spcBef>
-              <a:spcAft>
-                <a:spcPts val="0"/>
-              </a:spcAft>
-              <a:buSzPts val="3600"/>
-              <a:buNone/>
-              <a:defRPr/>
-            </a:lvl2pPr>
-            <a:lvl3pPr lvl="2">
-              <a:spcBef>
-                <a:spcPts val="0"/>
-              </a:spcBef>
-              <a:spcAft>
-                <a:spcPts val="0"/>
-              </a:spcAft>
-              <a:buSzPts val="3600"/>
-              <a:buNone/>
-              <a:defRPr/>
-            </a:lvl3pPr>
-            <a:lvl4pPr lvl="3">
-              <a:spcBef>
-                <a:spcPts val="0"/>
-              </a:spcBef>
-              <a:spcAft>
-                <a:spcPts val="0"/>
-              </a:spcAft>
-              <a:buSzPts val="3600"/>
-              <a:buNone/>
-              <a:defRPr/>
-            </a:lvl4pPr>
-            <a:lvl5pPr lvl="4">
-              <a:spcBef>
-                <a:spcPts val="0"/>
-              </a:spcBef>
-              <a:spcAft>
-                <a:spcPts val="0"/>
-              </a:spcAft>
-              <a:buSzPts val="3600"/>
-              <a:buNone/>
-              <a:defRPr/>
-            </a:lvl5pPr>
-            <a:lvl6pPr lvl="5">
-              <a:spcBef>
-                <a:spcPts val="0"/>
-              </a:spcBef>
-              <a:spcAft>
-                <a:spcPts val="0"/>
-              </a:spcAft>
-              <a:buSzPts val="3600"/>
-              <a:buNone/>
-              <a:defRPr/>
-            </a:lvl6pPr>
-            <a:lvl7pPr lvl="6">
-              <a:spcBef>
-                <a:spcPts val="0"/>
-              </a:spcBef>
-              <a:spcAft>
-                <a:spcPts val="0"/>
-              </a:spcAft>
-              <a:buSzPts val="3600"/>
-              <a:buNone/>
-              <a:defRPr/>
-            </a:lvl7pPr>
-            <a:lvl8pPr lvl="7">
-              <a:spcBef>
-                <a:spcPts val="0"/>
-              </a:spcBef>
-              <a:spcAft>
-                <a:spcPts val="0"/>
-              </a:spcAft>
-              <a:buSzPts val="3600"/>
-              <a:buNone/>
-              <a:defRPr/>
-            </a:lvl8pPr>
-            <a:lvl9pPr lvl="8">
-              <a:spcBef>
-                <a:spcPts val="0"/>
-              </a:spcBef>
-              <a:spcAft>
-                <a:spcPts val="0"/>
-              </a:spcAft>
-              <a:buSzPts val="3600"/>
-              <a:buNone/>
-              <a:defRPr/>
-            </a:lvl9pPr>
-          </a:lstStyle>
-          <a:p/>
-        </p:txBody>
-      </p:sp>
-      <p:sp>
-        <p:nvSpPr>
-          <p:cNvPr id="22" name="Google Shape;22;p5"/>
-          <p:cNvSpPr txBox="1"/>
-          <p:nvPr>
-            <p:ph idx="1" type="body"/>
-          </p:nvPr>
-        </p:nvSpPr>
-        <p:spPr>
-          <a:xfrm>
-            <a:off x="364468" y="1693927"/>
-            <a:ext cx="4677000" cy="5021400"/>
-          </a:xfrm>
-          <a:prstGeom prst="rect">
-            <a:avLst/>
-          </a:prstGeom>
-        </p:spPr>
-        <p:txBody>
-          <a:bodyPr anchorCtr="0" anchor="t" bIns="116050" lIns="116050" spcFirstLastPara="1" rIns="116050" wrap="square" tIns="116050">
-            <a:noAutofit/>
-          </a:bodyPr>
-          <a:lstStyle>
-            <a:lvl1pPr indent="-342900" lvl="0" marL="457200">
-              <a:spcBef>
-                <a:spcPts val="0"/>
-              </a:spcBef>
-              <a:spcAft>
-                <a:spcPts val="0"/>
-              </a:spcAft>
-              <a:buSzPts val="1800"/>
-              <a:buChar char="●"/>
-              <a:defRPr sz="1800"/>
-            </a:lvl1pPr>
-            <a:lvl2pPr indent="-323850" lvl="1" marL="914400">
-              <a:spcBef>
-                <a:spcPts val="2000"/>
-              </a:spcBef>
-              <a:spcAft>
-                <a:spcPts val="0"/>
-              </a:spcAft>
-              <a:buSzPts val="1500"/>
-              <a:buChar char="○"/>
-              <a:defRPr sz="1500"/>
-            </a:lvl2pPr>
-            <a:lvl3pPr indent="-323850" lvl="2" marL="1371600">
-              <a:spcBef>
-                <a:spcPts val="2000"/>
-              </a:spcBef>
-              <a:spcAft>
-                <a:spcPts val="0"/>
-              </a:spcAft>
-              <a:buSzPts val="1500"/>
-              <a:buChar char="■"/>
-              <a:defRPr sz="1500"/>
-            </a:lvl3pPr>
-            <a:lvl4pPr indent="-323850" lvl="3" marL="1828800">
-              <a:spcBef>
-                <a:spcPts val="2000"/>
-              </a:spcBef>
-              <a:spcAft>
-                <a:spcPts val="0"/>
-              </a:spcAft>
-              <a:buSzPts val="1500"/>
-              <a:buChar char="●"/>
-              <a:defRPr sz="1500"/>
-            </a:lvl4pPr>
-            <a:lvl5pPr indent="-323850" lvl="4" marL="2286000">
-              <a:spcBef>
-                <a:spcPts val="2000"/>
-              </a:spcBef>
-              <a:spcAft>
-                <a:spcPts val="0"/>
-              </a:spcAft>
-              <a:buSzPts val="1500"/>
-              <a:buChar char="○"/>
-              <a:defRPr sz="1500"/>
-            </a:lvl5pPr>
-            <a:lvl6pPr indent="-323850" lvl="5" marL="2743200">
-              <a:spcBef>
-                <a:spcPts val="2000"/>
-              </a:spcBef>
-              <a:spcAft>
-                <a:spcPts val="0"/>
-              </a:spcAft>
-              <a:buSzPts val="1500"/>
-              <a:buChar char="■"/>
-              <a:defRPr sz="1500"/>
-            </a:lvl6pPr>
-            <a:lvl7pPr indent="-323850" lvl="6" marL="3200400">
-              <a:spcBef>
-                <a:spcPts val="2000"/>
-              </a:spcBef>
-              <a:spcAft>
-                <a:spcPts val="0"/>
-              </a:spcAft>
-              <a:buSzPts val="1500"/>
-              <a:buChar char="●"/>
-              <a:defRPr sz="1500"/>
-            </a:lvl7pPr>
-            <a:lvl8pPr indent="-323850" lvl="7" marL="3657600">
-              <a:spcBef>
-                <a:spcPts val="2000"/>
-              </a:spcBef>
-              <a:spcAft>
-                <a:spcPts val="0"/>
-              </a:spcAft>
-              <a:buSzPts val="1500"/>
-              <a:buChar char="○"/>
-              <a:defRPr sz="1500"/>
-            </a:lvl8pPr>
-            <a:lvl9pPr indent="-323850" lvl="8" marL="4114800">
-              <a:spcBef>
-                <a:spcPts val="2000"/>
-              </a:spcBef>
-              <a:spcAft>
-                <a:spcPts val="2000"/>
-              </a:spcAft>
-              <a:buSzPts val="1500"/>
-              <a:buChar char="■"/>
-              <a:defRPr sz="1500"/>
-            </a:lvl9pPr>
-          </a:lstStyle>
-          <a:p/>
-        </p:txBody>
-      </p:sp>
-      <p:sp>
-        <p:nvSpPr>
-          <p:cNvPr id="23" name="Google Shape;23;p5"/>
-          <p:cNvSpPr txBox="1"/>
-          <p:nvPr>
-            <p:ph idx="2" type="body"/>
-          </p:nvPr>
-        </p:nvSpPr>
-        <p:spPr>
-          <a:xfrm>
-            <a:off x="5650483" y="1693927"/>
-            <a:ext cx="4677000" cy="5021400"/>
-          </a:xfrm>
-          <a:prstGeom prst="rect">
-            <a:avLst/>
-          </a:prstGeom>
-        </p:spPr>
-        <p:txBody>
-          <a:bodyPr anchorCtr="0" anchor="t" bIns="116050" lIns="116050" spcFirstLastPara="1" rIns="116050" wrap="square" tIns="116050">
-            <a:noAutofit/>
-          </a:bodyPr>
-          <a:lstStyle>
-            <a:lvl1pPr indent="-342900" lvl="0" marL="457200">
-              <a:spcBef>
-                <a:spcPts val="0"/>
-              </a:spcBef>
-              <a:spcAft>
-                <a:spcPts val="0"/>
-              </a:spcAft>
-              <a:buSzPts val="1800"/>
-              <a:buChar char="●"/>
-              <a:defRPr sz="1800"/>
-            </a:lvl1pPr>
-            <a:lvl2pPr indent="-323850" lvl="1" marL="914400">
-              <a:spcBef>
-                <a:spcPts val="2000"/>
-              </a:spcBef>
-              <a:spcAft>
-                <a:spcPts val="0"/>
-              </a:spcAft>
-              <a:buSzPts val="1500"/>
-              <a:buChar char="○"/>
-              <a:defRPr sz="1500"/>
-            </a:lvl2pPr>
-            <a:lvl3pPr indent="-323850" lvl="2" marL="1371600">
-              <a:spcBef>
-                <a:spcPts val="2000"/>
-              </a:spcBef>
-              <a:spcAft>
-                <a:spcPts val="0"/>
-              </a:spcAft>
-              <a:buSzPts val="1500"/>
-              <a:buChar char="■"/>
-              <a:defRPr sz="1500"/>
-            </a:lvl3pPr>
-            <a:lvl4pPr indent="-323850" lvl="3" marL="1828800">
-              <a:spcBef>
-                <a:spcPts val="2000"/>
-              </a:spcBef>
-              <a:spcAft>
-                <a:spcPts val="0"/>
-              </a:spcAft>
-              <a:buSzPts val="1500"/>
-              <a:buChar char="●"/>
-              <a:defRPr sz="1500"/>
-            </a:lvl4pPr>
-            <a:lvl5pPr indent="-323850" lvl="4" marL="2286000">
-              <a:spcBef>
-                <a:spcPts val="2000"/>
-              </a:spcBef>
-              <a:spcAft>
-                <a:spcPts val="0"/>
-              </a:spcAft>
-              <a:buSzPts val="1500"/>
-              <a:buChar char="○"/>
-              <a:defRPr sz="1500"/>
-            </a:lvl5pPr>
-            <a:lvl6pPr indent="-323850" lvl="5" marL="2743200">
-              <a:spcBef>
-                <a:spcPts val="2000"/>
-              </a:spcBef>
-              <a:spcAft>
-                <a:spcPts val="0"/>
-              </a:spcAft>
-              <a:buSzPts val="1500"/>
-              <a:buChar char="■"/>
-              <a:defRPr sz="1500"/>
-            </a:lvl6pPr>
-            <a:lvl7pPr indent="-323850" lvl="6" marL="3200400">
-              <a:spcBef>
-                <a:spcPts val="2000"/>
-              </a:spcBef>
-              <a:spcAft>
-                <a:spcPts val="0"/>
-              </a:spcAft>
-              <a:buSzPts val="1500"/>
-              <a:buChar char="●"/>
-              <a:defRPr sz="1500"/>
-            </a:lvl7pPr>
-            <a:lvl8pPr indent="-323850" lvl="7" marL="3657600">
-              <a:spcBef>
-                <a:spcPts val="2000"/>
-              </a:spcBef>
-              <a:spcAft>
-                <a:spcPts val="0"/>
-              </a:spcAft>
-              <a:buSzPts val="1500"/>
-              <a:buChar char="○"/>
-              <a:defRPr sz="1500"/>
-            </a:lvl8pPr>
-            <a:lvl9pPr indent="-323850" lvl="8" marL="4114800">
-              <a:spcBef>
-                <a:spcPts val="2000"/>
-              </a:spcBef>
-              <a:spcAft>
-                <a:spcPts val="2000"/>
-              </a:spcAft>
-              <a:buSzPts val="1500"/>
-              <a:buChar char="■"/>
-              <a:defRPr sz="1500"/>
-            </a:lvl9pPr>
-          </a:lstStyle>
-          <a:p/>
-        </p:txBody>
-      </p:sp>
-      <p:sp>
-        <p:nvSpPr>
-          <p:cNvPr id="24" name="Google Shape;24;p5"/>
-          <p:cNvSpPr txBox="1"/>
-          <p:nvPr>
-            <p:ph idx="12" type="sldNum"/>
-          </p:nvPr>
-        </p:nvSpPr>
-        <p:spPr>
-          <a:xfrm>
-            <a:off x="9906772" y="6854072"/>
-            <a:ext cx="641700" cy="578400"/>
-          </a:xfrm>
-          <a:prstGeom prst="rect">
-            <a:avLst/>
-          </a:prstGeom>
-        </p:spPr>
-        <p:txBody>
-          <a:bodyPr anchorCtr="0" anchor="ctr" bIns="116050" lIns="116050" spcFirstLastPara="1" rIns="116050" wrap="square" tIns="116050">
-            <a:noAutofit/>
-          </a:bodyPr>
-          <a:lstStyle>
-            <a:lvl1pPr lvl="0">
-              <a:buNone/>
-              <a:defRPr/>
-            </a:lvl1pPr>
-            <a:lvl2pPr lvl="1">
-              <a:buNone/>
-              <a:defRPr/>
-            </a:lvl2pPr>
-            <a:lvl3pPr lvl="2">
-              <a:buNone/>
-              <a:defRPr/>
-            </a:lvl3pPr>
-            <a:lvl4pPr lvl="3">
-              <a:buNone/>
-              <a:defRPr/>
-            </a:lvl4pPr>
-            <a:lvl5pPr lvl="4">
-              <a:buNone/>
-              <a:defRPr/>
-            </a:lvl5pPr>
-            <a:lvl6pPr lvl="5">
-              <a:buNone/>
-              <a:defRPr/>
-            </a:lvl6pPr>
-            <a:lvl7pPr lvl="6">
-              <a:buNone/>
-              <a:defRPr/>
-            </a:lvl7pPr>
-            <a:lvl8pPr lvl="7">
-              <a:buNone/>
-              <a:defRPr/>
-            </a:lvl8pPr>
-            <a:lvl9pPr lvl="8">
-              <a:buNone/>
-              <a:defRPr/>
-            </a:lvl9pPr>
-          </a:lstStyle>
-          <a:p>
-            <a:pPr indent="0" lvl="0" marL="0" rtl="0" algn="r">
-              <a:spcBef>
-                <a:spcPts val="0"/>
-              </a:spcBef>
-              <a:spcAft>
-                <a:spcPts val="0"/>
-              </a:spcAft>
-              <a:buNone/>
-            </a:pPr>
-            <a:fld id="{00000000-1234-1234-1234-123412341234}" type="slidenum">
-              <a:rPr lang="en"/>
-              <a:t>‹#›</a:t>
-            </a:fld>
-            <a:endParaRPr/>
-          </a:p>
-        </p:txBody>
-      </p:sp>
-    </p:spTree>
-  </p:cSld>
-  <p:clrMapOvr>
-    <a:masterClrMapping/>
-  </p:clrMapOvr>
-</p:sldLayout>
-</file>
-
-<file path=ppt/slideLayouts/slideLayout5.xml><?xml version="1.0" encoding="utf-8"?>
-<p:sldLayout xmlns:a="http://schemas.openxmlformats.org/drawingml/2006/main" xmlns:r="http://schemas.openxmlformats.org/officeDocument/2006/relationships" xmlns:mc="http://schemas.openxmlformats.org/markup-compatibility/2006" xmlns:mv="urn:schemas-microsoft-com:mac:vml" xmlns:p="http://schemas.openxmlformats.org/presentationml/2006/main" xmlns:c="http://schemas.openxmlformats.org/drawingml/2006/chart" xmlns:dgm="http://schemas.openxmlformats.org/drawingml/2006/diagram" xmlns:o="urn:schemas-microsoft-com:office:office" xmlns:v="urn:schemas-microsoft-com:vml" xmlns:pvml="urn:schemas-microsoft-com:office:powerpoint" xmlns:com="http://schemas.openxmlformats.org/drawingml/2006/compatibility" xmlns:p14="http://schemas.microsoft.com/office/powerpoint/2010/main" xmlns:p15="http://schemas.microsoft.com/office/powerpoint/2012/main" matchingName="Title only" type="titleOnly">
-  <p:cSld name="TITLE_ONLY">
-    <p:spTree>
-      <p:nvGrpSpPr>
-        <p:cNvPr id="25" name="Shape 25"/>
-        <p:cNvGrpSpPr/>
-        <p:nvPr/>
-      </p:nvGrpSpPr>
-      <p:grpSpPr>
-        <a:xfrm>
-          <a:off x="0" y="0"/>
-          <a:ext cx="0" cy="0"/>
-          <a:chOff x="0" y="0"/>
-          <a:chExt cx="0" cy="0"/>
-        </a:xfrm>
-      </p:grpSpPr>
-      <p:sp>
-        <p:nvSpPr>
-          <p:cNvPr id="26" name="Google Shape;26;p6"/>
-          <p:cNvSpPr txBox="1"/>
-          <p:nvPr>
-            <p:ph type="title"/>
-          </p:nvPr>
-        </p:nvSpPr>
-        <p:spPr>
-          <a:xfrm>
-            <a:off x="364468" y="654105"/>
-            <a:ext cx="9963000" cy="841800"/>
-          </a:xfrm>
-          <a:prstGeom prst="rect">
-            <a:avLst/>
-          </a:prstGeom>
-        </p:spPr>
-        <p:txBody>
-          <a:bodyPr anchorCtr="0" anchor="t" bIns="116050" lIns="116050" spcFirstLastPara="1" rIns="116050" wrap="square" tIns="116050">
-            <a:noAutofit/>
-          </a:bodyPr>
-          <a:lstStyle>
-            <a:lvl1pPr lvl="0">
-              <a:spcBef>
-                <a:spcPts val="0"/>
-              </a:spcBef>
-              <a:spcAft>
-                <a:spcPts val="0"/>
-              </a:spcAft>
-              <a:buSzPts val="3600"/>
-              <a:buNone/>
-              <a:defRPr/>
-            </a:lvl1pPr>
-            <a:lvl2pPr lvl="1">
-              <a:spcBef>
-                <a:spcPts val="0"/>
-              </a:spcBef>
-              <a:spcAft>
-                <a:spcPts val="0"/>
-              </a:spcAft>
-              <a:buSzPts val="3600"/>
-              <a:buNone/>
-              <a:defRPr/>
-            </a:lvl2pPr>
-            <a:lvl3pPr lvl="2">
-              <a:spcBef>
-                <a:spcPts val="0"/>
-              </a:spcBef>
-              <a:spcAft>
-                <a:spcPts val="0"/>
-              </a:spcAft>
-              <a:buSzPts val="3600"/>
-              <a:buNone/>
-              <a:defRPr/>
-            </a:lvl3pPr>
-            <a:lvl4pPr lvl="3">
-              <a:spcBef>
-                <a:spcPts val="0"/>
-              </a:spcBef>
-              <a:spcAft>
-                <a:spcPts val="0"/>
-              </a:spcAft>
-              <a:buSzPts val="3600"/>
-              <a:buNone/>
-              <a:defRPr/>
-            </a:lvl4pPr>
-            <a:lvl5pPr lvl="4">
-              <a:spcBef>
-                <a:spcPts val="0"/>
-              </a:spcBef>
-              <a:spcAft>
-                <a:spcPts val="0"/>
-              </a:spcAft>
-              <a:buSzPts val="3600"/>
-              <a:buNone/>
-              <a:defRPr/>
-            </a:lvl5pPr>
-            <a:lvl6pPr lvl="5">
-              <a:spcBef>
-                <a:spcPts val="0"/>
-              </a:spcBef>
-              <a:spcAft>
-                <a:spcPts val="0"/>
-              </a:spcAft>
-              <a:buSzPts val="3600"/>
-              <a:buNone/>
-              <a:defRPr/>
-            </a:lvl6pPr>
-            <a:lvl7pPr lvl="6">
-              <a:spcBef>
-                <a:spcPts val="0"/>
-              </a:spcBef>
-              <a:spcAft>
-                <a:spcPts val="0"/>
-              </a:spcAft>
-              <a:buSzPts val="3600"/>
-              <a:buNone/>
-              <a:defRPr/>
-            </a:lvl7pPr>
-            <a:lvl8pPr lvl="7">
-              <a:spcBef>
-                <a:spcPts val="0"/>
-              </a:spcBef>
-              <a:spcAft>
-                <a:spcPts val="0"/>
-              </a:spcAft>
-              <a:buSzPts val="3600"/>
-              <a:buNone/>
-              <a:defRPr/>
-            </a:lvl8pPr>
-            <a:lvl9pPr lvl="8">
-              <a:spcBef>
-                <a:spcPts val="0"/>
-              </a:spcBef>
-              <a:spcAft>
-                <a:spcPts val="0"/>
-              </a:spcAft>
-              <a:buSzPts val="3600"/>
-              <a:buNone/>
-              <a:defRPr/>
-            </a:lvl9pPr>
-          </a:lstStyle>
-          <a:p/>
-        </p:txBody>
-      </p:sp>
-      <p:sp>
-        <p:nvSpPr>
-          <p:cNvPr id="27" name="Google Shape;27;p6"/>
-          <p:cNvSpPr txBox="1"/>
-          <p:nvPr>
-            <p:ph idx="12" type="sldNum"/>
-          </p:nvPr>
-        </p:nvSpPr>
-        <p:spPr>
-          <a:xfrm>
-            <a:off x="9906772" y="6854072"/>
-            <a:ext cx="641700" cy="578400"/>
-          </a:xfrm>
-          <a:prstGeom prst="rect">
-            <a:avLst/>
-          </a:prstGeom>
-        </p:spPr>
-        <p:txBody>
-          <a:bodyPr anchorCtr="0" anchor="ctr" bIns="116050" lIns="116050" spcFirstLastPara="1" rIns="116050" wrap="square" tIns="116050">
-            <a:noAutofit/>
-          </a:bodyPr>
-          <a:lstStyle>
-            <a:lvl1pPr lvl="0">
-              <a:buNone/>
-              <a:defRPr/>
-            </a:lvl1pPr>
-            <a:lvl2pPr lvl="1">
-              <a:buNone/>
-              <a:defRPr/>
-            </a:lvl2pPr>
-            <a:lvl3pPr lvl="2">
-              <a:buNone/>
-              <a:defRPr/>
-            </a:lvl3pPr>
-            <a:lvl4pPr lvl="3">
-              <a:buNone/>
-              <a:defRPr/>
-            </a:lvl4pPr>
-            <a:lvl5pPr lvl="4">
-              <a:buNone/>
-              <a:defRPr/>
-            </a:lvl5pPr>
-            <a:lvl6pPr lvl="5">
-              <a:buNone/>
-              <a:defRPr/>
-            </a:lvl6pPr>
-            <a:lvl7pPr lvl="6">
-              <a:buNone/>
-              <a:defRPr/>
-            </a:lvl7pPr>
-            <a:lvl8pPr lvl="7">
-              <a:buNone/>
-              <a:defRPr/>
-            </a:lvl8pPr>
-            <a:lvl9pPr lvl="8">
-              <a:buNone/>
-              <a:defRPr/>
-            </a:lvl9pPr>
-          </a:lstStyle>
-          <a:p>
-            <a:pPr indent="0" lvl="0" marL="0" rtl="0" algn="r">
-              <a:spcBef>
-                <a:spcPts val="0"/>
-              </a:spcBef>
-              <a:spcAft>
-                <a:spcPts val="0"/>
-              </a:spcAft>
-              <a:buNone/>
-            </a:pPr>
-            <a:fld id="{00000000-1234-1234-1234-123412341234}" type="slidenum">
-              <a:rPr lang="en"/>
-              <a:t>‹#›</a:t>
-            </a:fld>
-            <a:endParaRPr/>
-          </a:p>
-        </p:txBody>
-      </p:sp>
-    </p:spTree>
-  </p:cSld>
-  <p:clrMapOvr>
-    <a:masterClrMapping/>
-  </p:clrMapOvr>
-</p:sldLayout>
-</file>
-
-<file path=ppt/slideLayouts/slideLayout6.xml><?xml version="1.0" encoding="utf-8"?>
-<p:sldLayout xmlns:a="http://schemas.openxmlformats.org/drawingml/2006/main" xmlns:r="http://schemas.openxmlformats.org/officeDocument/2006/relationships" xmlns:mc="http://schemas.openxmlformats.org/markup-compatibility/2006" xmlns:mv="urn:schemas-microsoft-com:mac:vml" xmlns:p="http://schemas.openxmlformats.org/presentationml/2006/main" xmlns:c="http://schemas.openxmlformats.org/drawingml/2006/chart" xmlns:dgm="http://schemas.openxmlformats.org/drawingml/2006/diagram" xmlns:o="urn:schemas-microsoft-com:office:office" xmlns:v="urn:schemas-microsoft-com:vml" xmlns:pvml="urn:schemas-microsoft-com:office:powerpoint" xmlns:com="http://schemas.openxmlformats.org/drawingml/2006/compatibility" xmlns:p14="http://schemas.microsoft.com/office/powerpoint/2010/main" xmlns:p15="http://schemas.microsoft.com/office/powerpoint/2012/main" matchingName="One column text">
-  <p:cSld name="ONE_COLUMN_TEXT">
-    <p:spTree>
-      <p:nvGrpSpPr>
-        <p:cNvPr id="28" name="Shape 28"/>
-        <p:cNvGrpSpPr/>
-        <p:nvPr/>
-      </p:nvGrpSpPr>
-      <p:grpSpPr>
-        <a:xfrm>
-          <a:off x="0" y="0"/>
-          <a:ext cx="0" cy="0"/>
-          <a:chOff x="0" y="0"/>
-          <a:chExt cx="0" cy="0"/>
-        </a:xfrm>
-      </p:grpSpPr>
-      <p:sp>
-        <p:nvSpPr>
-          <p:cNvPr id="29" name="Google Shape;29;p7"/>
+          <p:cNvPr id="9" name="Google Shape;9;p2"/>
           <p:cNvSpPr txBox="1"/>
           <p:nvPr>
             <p:ph type="title"/>
@@ -3405,7 +1285,7 @@
             <a:noAutofit/>
           </a:bodyPr>
           <a:lstStyle>
-            <a:lvl1pPr lvl="0">
+            <a:lvl1pPr lvl="0" rtl="0">
               <a:spcBef>
                 <a:spcPts val="0"/>
               </a:spcBef>
@@ -3416,7 +1296,7 @@
               <a:buNone/>
               <a:defRPr sz="3000"/>
             </a:lvl1pPr>
-            <a:lvl2pPr lvl="1">
+            <a:lvl2pPr lvl="1" rtl="0">
               <a:spcBef>
                 <a:spcPts val="0"/>
               </a:spcBef>
@@ -3427,7 +1307,7 @@
               <a:buNone/>
               <a:defRPr sz="3000"/>
             </a:lvl2pPr>
-            <a:lvl3pPr lvl="2">
+            <a:lvl3pPr lvl="2" rtl="0">
               <a:spcBef>
                 <a:spcPts val="0"/>
               </a:spcBef>
@@ -3438,7 +1318,7 @@
               <a:buNone/>
               <a:defRPr sz="3000"/>
             </a:lvl3pPr>
-            <a:lvl4pPr lvl="3">
+            <a:lvl4pPr lvl="3" rtl="0">
               <a:spcBef>
                 <a:spcPts val="0"/>
               </a:spcBef>
@@ -3449,7 +1329,7 @@
               <a:buNone/>
               <a:defRPr sz="3000"/>
             </a:lvl4pPr>
-            <a:lvl5pPr lvl="4">
+            <a:lvl5pPr lvl="4" rtl="0">
               <a:spcBef>
                 <a:spcPts val="0"/>
               </a:spcBef>
@@ -3460,7 +1340,7 @@
               <a:buNone/>
               <a:defRPr sz="3000"/>
             </a:lvl5pPr>
-            <a:lvl6pPr lvl="5">
+            <a:lvl6pPr lvl="5" rtl="0">
               <a:spcBef>
                 <a:spcPts val="0"/>
               </a:spcBef>
@@ -3471,7 +1351,7 @@
               <a:buNone/>
               <a:defRPr sz="3000"/>
             </a:lvl6pPr>
-            <a:lvl7pPr lvl="6">
+            <a:lvl7pPr lvl="6" rtl="0">
               <a:spcBef>
                 <a:spcPts val="0"/>
               </a:spcBef>
@@ -3482,7 +1362,7 @@
               <a:buNone/>
               <a:defRPr sz="3000"/>
             </a:lvl7pPr>
-            <a:lvl8pPr lvl="7">
+            <a:lvl8pPr lvl="7" rtl="0">
               <a:spcBef>
                 <a:spcPts val="0"/>
               </a:spcBef>
@@ -3493,7 +1373,7 @@
               <a:buNone/>
               <a:defRPr sz="3000"/>
             </a:lvl8pPr>
-            <a:lvl9pPr lvl="8">
+            <a:lvl9pPr lvl="8" rtl="0">
               <a:spcBef>
                 <a:spcPts val="0"/>
               </a:spcBef>
@@ -3506,1124 +1386,6 @@
             </a:lvl9pPr>
           </a:lstStyle>
           <a:p/>
-        </p:txBody>
-      </p:sp>
-      <p:sp>
-        <p:nvSpPr>
-          <p:cNvPr id="30" name="Google Shape;30;p7"/>
-          <p:cNvSpPr txBox="1"/>
-          <p:nvPr>
-            <p:ph idx="1" type="body"/>
-          </p:nvPr>
-        </p:nvSpPr>
-        <p:spPr>
-          <a:xfrm>
-            <a:off x="364468" y="2042457"/>
-            <a:ext cx="3283500" cy="4673100"/>
-          </a:xfrm>
-          <a:prstGeom prst="rect">
-            <a:avLst/>
-          </a:prstGeom>
-        </p:spPr>
-        <p:txBody>
-          <a:bodyPr anchorCtr="0" anchor="t" bIns="116050" lIns="116050" spcFirstLastPara="1" rIns="116050" wrap="square" tIns="116050">
-            <a:noAutofit/>
-          </a:bodyPr>
-          <a:lstStyle>
-            <a:lvl1pPr indent="-323850" lvl="0" marL="457200">
-              <a:spcBef>
-                <a:spcPts val="0"/>
-              </a:spcBef>
-              <a:spcAft>
-                <a:spcPts val="0"/>
-              </a:spcAft>
-              <a:buSzPts val="1500"/>
-              <a:buChar char="●"/>
-              <a:defRPr sz="1500"/>
-            </a:lvl1pPr>
-            <a:lvl2pPr indent="-323850" lvl="1" marL="914400">
-              <a:spcBef>
-                <a:spcPts val="2000"/>
-              </a:spcBef>
-              <a:spcAft>
-                <a:spcPts val="0"/>
-              </a:spcAft>
-              <a:buSzPts val="1500"/>
-              <a:buChar char="○"/>
-              <a:defRPr sz="1500"/>
-            </a:lvl2pPr>
-            <a:lvl3pPr indent="-323850" lvl="2" marL="1371600">
-              <a:spcBef>
-                <a:spcPts val="2000"/>
-              </a:spcBef>
-              <a:spcAft>
-                <a:spcPts val="0"/>
-              </a:spcAft>
-              <a:buSzPts val="1500"/>
-              <a:buChar char="■"/>
-              <a:defRPr sz="1500"/>
-            </a:lvl3pPr>
-            <a:lvl4pPr indent="-323850" lvl="3" marL="1828800">
-              <a:spcBef>
-                <a:spcPts val="2000"/>
-              </a:spcBef>
-              <a:spcAft>
-                <a:spcPts val="0"/>
-              </a:spcAft>
-              <a:buSzPts val="1500"/>
-              <a:buChar char="●"/>
-              <a:defRPr sz="1500"/>
-            </a:lvl4pPr>
-            <a:lvl5pPr indent="-323850" lvl="4" marL="2286000">
-              <a:spcBef>
-                <a:spcPts val="2000"/>
-              </a:spcBef>
-              <a:spcAft>
-                <a:spcPts val="0"/>
-              </a:spcAft>
-              <a:buSzPts val="1500"/>
-              <a:buChar char="○"/>
-              <a:defRPr sz="1500"/>
-            </a:lvl5pPr>
-            <a:lvl6pPr indent="-323850" lvl="5" marL="2743200">
-              <a:spcBef>
-                <a:spcPts val="2000"/>
-              </a:spcBef>
-              <a:spcAft>
-                <a:spcPts val="0"/>
-              </a:spcAft>
-              <a:buSzPts val="1500"/>
-              <a:buChar char="■"/>
-              <a:defRPr sz="1500"/>
-            </a:lvl6pPr>
-            <a:lvl7pPr indent="-323850" lvl="6" marL="3200400">
-              <a:spcBef>
-                <a:spcPts val="2000"/>
-              </a:spcBef>
-              <a:spcAft>
-                <a:spcPts val="0"/>
-              </a:spcAft>
-              <a:buSzPts val="1500"/>
-              <a:buChar char="●"/>
-              <a:defRPr sz="1500"/>
-            </a:lvl7pPr>
-            <a:lvl8pPr indent="-323850" lvl="7" marL="3657600">
-              <a:spcBef>
-                <a:spcPts val="2000"/>
-              </a:spcBef>
-              <a:spcAft>
-                <a:spcPts val="0"/>
-              </a:spcAft>
-              <a:buSzPts val="1500"/>
-              <a:buChar char="○"/>
-              <a:defRPr sz="1500"/>
-            </a:lvl8pPr>
-            <a:lvl9pPr indent="-323850" lvl="8" marL="4114800">
-              <a:spcBef>
-                <a:spcPts val="2000"/>
-              </a:spcBef>
-              <a:spcAft>
-                <a:spcPts val="2000"/>
-              </a:spcAft>
-              <a:buSzPts val="1500"/>
-              <a:buChar char="■"/>
-              <a:defRPr sz="1500"/>
-            </a:lvl9pPr>
-          </a:lstStyle>
-          <a:p/>
-        </p:txBody>
-      </p:sp>
-      <p:sp>
-        <p:nvSpPr>
-          <p:cNvPr id="31" name="Google Shape;31;p7"/>
-          <p:cNvSpPr txBox="1"/>
-          <p:nvPr>
-            <p:ph idx="12" type="sldNum"/>
-          </p:nvPr>
-        </p:nvSpPr>
-        <p:spPr>
-          <a:xfrm>
-            <a:off x="9906772" y="6854072"/>
-            <a:ext cx="641700" cy="578400"/>
-          </a:xfrm>
-          <a:prstGeom prst="rect">
-            <a:avLst/>
-          </a:prstGeom>
-        </p:spPr>
-        <p:txBody>
-          <a:bodyPr anchorCtr="0" anchor="ctr" bIns="116050" lIns="116050" spcFirstLastPara="1" rIns="116050" wrap="square" tIns="116050">
-            <a:noAutofit/>
-          </a:bodyPr>
-          <a:lstStyle>
-            <a:lvl1pPr lvl="0">
-              <a:buNone/>
-              <a:defRPr/>
-            </a:lvl1pPr>
-            <a:lvl2pPr lvl="1">
-              <a:buNone/>
-              <a:defRPr/>
-            </a:lvl2pPr>
-            <a:lvl3pPr lvl="2">
-              <a:buNone/>
-              <a:defRPr/>
-            </a:lvl3pPr>
-            <a:lvl4pPr lvl="3">
-              <a:buNone/>
-              <a:defRPr/>
-            </a:lvl4pPr>
-            <a:lvl5pPr lvl="4">
-              <a:buNone/>
-              <a:defRPr/>
-            </a:lvl5pPr>
-            <a:lvl6pPr lvl="5">
-              <a:buNone/>
-              <a:defRPr/>
-            </a:lvl6pPr>
-            <a:lvl7pPr lvl="6">
-              <a:buNone/>
-              <a:defRPr/>
-            </a:lvl7pPr>
-            <a:lvl8pPr lvl="7">
-              <a:buNone/>
-              <a:defRPr/>
-            </a:lvl8pPr>
-            <a:lvl9pPr lvl="8">
-              <a:buNone/>
-              <a:defRPr/>
-            </a:lvl9pPr>
-          </a:lstStyle>
-          <a:p>
-            <a:pPr indent="0" lvl="0" marL="0" rtl="0" algn="r">
-              <a:spcBef>
-                <a:spcPts val="0"/>
-              </a:spcBef>
-              <a:spcAft>
-                <a:spcPts val="0"/>
-              </a:spcAft>
-              <a:buNone/>
-            </a:pPr>
-            <a:fld id="{00000000-1234-1234-1234-123412341234}" type="slidenum">
-              <a:rPr lang="en"/>
-              <a:t>‹#›</a:t>
-            </a:fld>
-            <a:endParaRPr/>
-          </a:p>
-        </p:txBody>
-      </p:sp>
-    </p:spTree>
-  </p:cSld>
-  <p:clrMapOvr>
-    <a:masterClrMapping/>
-  </p:clrMapOvr>
-</p:sldLayout>
-</file>
-
-<file path=ppt/slideLayouts/slideLayout7.xml><?xml version="1.0" encoding="utf-8"?>
-<p:sldLayout xmlns:a="http://schemas.openxmlformats.org/drawingml/2006/main" xmlns:r="http://schemas.openxmlformats.org/officeDocument/2006/relationships" xmlns:mc="http://schemas.openxmlformats.org/markup-compatibility/2006" xmlns:mv="urn:schemas-microsoft-com:mac:vml" xmlns:p="http://schemas.openxmlformats.org/presentationml/2006/main" xmlns:c="http://schemas.openxmlformats.org/drawingml/2006/chart" xmlns:dgm="http://schemas.openxmlformats.org/drawingml/2006/diagram" xmlns:o="urn:schemas-microsoft-com:office:office" xmlns:v="urn:schemas-microsoft-com:vml" xmlns:pvml="urn:schemas-microsoft-com:office:powerpoint" xmlns:com="http://schemas.openxmlformats.org/drawingml/2006/compatibility" xmlns:p14="http://schemas.microsoft.com/office/powerpoint/2010/main" xmlns:p15="http://schemas.microsoft.com/office/powerpoint/2012/main" matchingName="Main point">
-  <p:cSld name="MAIN_POINT">
-    <p:spTree>
-      <p:nvGrpSpPr>
-        <p:cNvPr id="32" name="Shape 32"/>
-        <p:cNvGrpSpPr/>
-        <p:nvPr/>
-      </p:nvGrpSpPr>
-      <p:grpSpPr>
-        <a:xfrm>
-          <a:off x="0" y="0"/>
-          <a:ext cx="0" cy="0"/>
-          <a:chOff x="0" y="0"/>
-          <a:chExt cx="0" cy="0"/>
-        </a:xfrm>
-      </p:grpSpPr>
-      <p:sp>
-        <p:nvSpPr>
-          <p:cNvPr id="33" name="Google Shape;33;p8"/>
-          <p:cNvSpPr txBox="1"/>
-          <p:nvPr>
-            <p:ph type="title"/>
-          </p:nvPr>
-        </p:nvSpPr>
-        <p:spPr>
-          <a:xfrm>
-            <a:off x="573245" y="661638"/>
-            <a:ext cx="7445700" cy="6012600"/>
-          </a:xfrm>
-          <a:prstGeom prst="rect">
-            <a:avLst/>
-          </a:prstGeom>
-        </p:spPr>
-        <p:txBody>
-          <a:bodyPr anchorCtr="0" anchor="ctr" bIns="116050" lIns="116050" spcFirstLastPara="1" rIns="116050" wrap="square" tIns="116050">
-            <a:noAutofit/>
-          </a:bodyPr>
-          <a:lstStyle>
-            <a:lvl1pPr lvl="0">
-              <a:spcBef>
-                <a:spcPts val="0"/>
-              </a:spcBef>
-              <a:spcAft>
-                <a:spcPts val="0"/>
-              </a:spcAft>
-              <a:buSzPts val="6100"/>
-              <a:buNone/>
-              <a:defRPr sz="6100"/>
-            </a:lvl1pPr>
-            <a:lvl2pPr lvl="1">
-              <a:spcBef>
-                <a:spcPts val="0"/>
-              </a:spcBef>
-              <a:spcAft>
-                <a:spcPts val="0"/>
-              </a:spcAft>
-              <a:buSzPts val="6100"/>
-              <a:buNone/>
-              <a:defRPr sz="6100"/>
-            </a:lvl2pPr>
-            <a:lvl3pPr lvl="2">
-              <a:spcBef>
-                <a:spcPts val="0"/>
-              </a:spcBef>
-              <a:spcAft>
-                <a:spcPts val="0"/>
-              </a:spcAft>
-              <a:buSzPts val="6100"/>
-              <a:buNone/>
-              <a:defRPr sz="6100"/>
-            </a:lvl3pPr>
-            <a:lvl4pPr lvl="3">
-              <a:spcBef>
-                <a:spcPts val="0"/>
-              </a:spcBef>
-              <a:spcAft>
-                <a:spcPts val="0"/>
-              </a:spcAft>
-              <a:buSzPts val="6100"/>
-              <a:buNone/>
-              <a:defRPr sz="6100"/>
-            </a:lvl4pPr>
-            <a:lvl5pPr lvl="4">
-              <a:spcBef>
-                <a:spcPts val="0"/>
-              </a:spcBef>
-              <a:spcAft>
-                <a:spcPts val="0"/>
-              </a:spcAft>
-              <a:buSzPts val="6100"/>
-              <a:buNone/>
-              <a:defRPr sz="6100"/>
-            </a:lvl5pPr>
-            <a:lvl6pPr lvl="5">
-              <a:spcBef>
-                <a:spcPts val="0"/>
-              </a:spcBef>
-              <a:spcAft>
-                <a:spcPts val="0"/>
-              </a:spcAft>
-              <a:buSzPts val="6100"/>
-              <a:buNone/>
-              <a:defRPr sz="6100"/>
-            </a:lvl6pPr>
-            <a:lvl7pPr lvl="6">
-              <a:spcBef>
-                <a:spcPts val="0"/>
-              </a:spcBef>
-              <a:spcAft>
-                <a:spcPts val="0"/>
-              </a:spcAft>
-              <a:buSzPts val="6100"/>
-              <a:buNone/>
-              <a:defRPr sz="6100"/>
-            </a:lvl7pPr>
-            <a:lvl8pPr lvl="7">
-              <a:spcBef>
-                <a:spcPts val="0"/>
-              </a:spcBef>
-              <a:spcAft>
-                <a:spcPts val="0"/>
-              </a:spcAft>
-              <a:buSzPts val="6100"/>
-              <a:buNone/>
-              <a:defRPr sz="6100"/>
-            </a:lvl8pPr>
-            <a:lvl9pPr lvl="8">
-              <a:spcBef>
-                <a:spcPts val="0"/>
-              </a:spcBef>
-              <a:spcAft>
-                <a:spcPts val="0"/>
-              </a:spcAft>
-              <a:buSzPts val="6100"/>
-              <a:buNone/>
-              <a:defRPr sz="6100"/>
-            </a:lvl9pPr>
-          </a:lstStyle>
-          <a:p/>
-        </p:txBody>
-      </p:sp>
-      <p:sp>
-        <p:nvSpPr>
-          <p:cNvPr id="34" name="Google Shape;34;p8"/>
-          <p:cNvSpPr txBox="1"/>
-          <p:nvPr>
-            <p:ph idx="12" type="sldNum"/>
-          </p:nvPr>
-        </p:nvSpPr>
-        <p:spPr>
-          <a:xfrm>
-            <a:off x="9906772" y="6854072"/>
-            <a:ext cx="641700" cy="578400"/>
-          </a:xfrm>
-          <a:prstGeom prst="rect">
-            <a:avLst/>
-          </a:prstGeom>
-        </p:spPr>
-        <p:txBody>
-          <a:bodyPr anchorCtr="0" anchor="ctr" bIns="116050" lIns="116050" spcFirstLastPara="1" rIns="116050" wrap="square" tIns="116050">
-            <a:noAutofit/>
-          </a:bodyPr>
-          <a:lstStyle>
-            <a:lvl1pPr lvl="0">
-              <a:buNone/>
-              <a:defRPr/>
-            </a:lvl1pPr>
-            <a:lvl2pPr lvl="1">
-              <a:buNone/>
-              <a:defRPr/>
-            </a:lvl2pPr>
-            <a:lvl3pPr lvl="2">
-              <a:buNone/>
-              <a:defRPr/>
-            </a:lvl3pPr>
-            <a:lvl4pPr lvl="3">
-              <a:buNone/>
-              <a:defRPr/>
-            </a:lvl4pPr>
-            <a:lvl5pPr lvl="4">
-              <a:buNone/>
-              <a:defRPr/>
-            </a:lvl5pPr>
-            <a:lvl6pPr lvl="5">
-              <a:buNone/>
-              <a:defRPr/>
-            </a:lvl6pPr>
-            <a:lvl7pPr lvl="6">
-              <a:buNone/>
-              <a:defRPr/>
-            </a:lvl7pPr>
-            <a:lvl8pPr lvl="7">
-              <a:buNone/>
-              <a:defRPr/>
-            </a:lvl8pPr>
-            <a:lvl9pPr lvl="8">
-              <a:buNone/>
-              <a:defRPr/>
-            </a:lvl9pPr>
-          </a:lstStyle>
-          <a:p>
-            <a:pPr indent="0" lvl="0" marL="0" rtl="0" algn="r">
-              <a:spcBef>
-                <a:spcPts val="0"/>
-              </a:spcBef>
-              <a:spcAft>
-                <a:spcPts val="0"/>
-              </a:spcAft>
-              <a:buNone/>
-            </a:pPr>
-            <a:fld id="{00000000-1234-1234-1234-123412341234}" type="slidenum">
-              <a:rPr lang="en"/>
-              <a:t>‹#›</a:t>
-            </a:fld>
-            <a:endParaRPr/>
-          </a:p>
-        </p:txBody>
-      </p:sp>
-    </p:spTree>
-  </p:cSld>
-  <p:clrMapOvr>
-    <a:masterClrMapping/>
-  </p:clrMapOvr>
-</p:sldLayout>
-</file>
-
-<file path=ppt/slideLayouts/slideLayout8.xml><?xml version="1.0" encoding="utf-8"?>
-<p:sldLayout xmlns:a="http://schemas.openxmlformats.org/drawingml/2006/main" xmlns:r="http://schemas.openxmlformats.org/officeDocument/2006/relationships" xmlns:mc="http://schemas.openxmlformats.org/markup-compatibility/2006" xmlns:mv="urn:schemas-microsoft-com:mac:vml" xmlns:p="http://schemas.openxmlformats.org/presentationml/2006/main" xmlns:c="http://schemas.openxmlformats.org/drawingml/2006/chart" xmlns:dgm="http://schemas.openxmlformats.org/drawingml/2006/diagram" xmlns:o="urn:schemas-microsoft-com:office:office" xmlns:v="urn:schemas-microsoft-com:vml" xmlns:pvml="urn:schemas-microsoft-com:office:powerpoint" xmlns:com="http://schemas.openxmlformats.org/drawingml/2006/compatibility" xmlns:p14="http://schemas.microsoft.com/office/powerpoint/2010/main" xmlns:p15="http://schemas.microsoft.com/office/powerpoint/2012/main" matchingName="Section title and description">
-  <p:cSld name="SECTION_TITLE_AND_DESCRIPTION">
-    <p:spTree>
-      <p:nvGrpSpPr>
-        <p:cNvPr id="35" name="Shape 35"/>
-        <p:cNvGrpSpPr/>
-        <p:nvPr/>
-      </p:nvGrpSpPr>
-      <p:grpSpPr>
-        <a:xfrm>
-          <a:off x="0" y="0"/>
-          <a:ext cx="0" cy="0"/>
-          <a:chOff x="0" y="0"/>
-          <a:chExt cx="0" cy="0"/>
-        </a:xfrm>
-      </p:grpSpPr>
-      <p:sp>
-        <p:nvSpPr>
-          <p:cNvPr id="36" name="Google Shape;36;p9"/>
-          <p:cNvSpPr/>
-          <p:nvPr/>
-        </p:nvSpPr>
-        <p:spPr>
-          <a:xfrm>
-            <a:off x="5346000" y="-184"/>
-            <a:ext cx="5346000" cy="7560000"/>
-          </a:xfrm>
-          <a:prstGeom prst="rect">
-            <a:avLst/>
-          </a:prstGeom>
-          <a:solidFill>
-            <a:schemeClr val="lt2"/>
-          </a:solidFill>
-          <a:ln>
-            <a:noFill/>
-          </a:ln>
-        </p:spPr>
-        <p:txBody>
-          <a:bodyPr anchorCtr="0" anchor="ctr" bIns="116050" lIns="116050" spcFirstLastPara="1" rIns="116050" wrap="square" tIns="116050">
-            <a:noAutofit/>
-          </a:bodyPr>
-          <a:lstStyle/>
-          <a:p>
-            <a:pPr indent="0" lvl="0" marL="0" rtl="0" algn="l">
-              <a:spcBef>
-                <a:spcPts val="0"/>
-              </a:spcBef>
-              <a:spcAft>
-                <a:spcPts val="0"/>
-              </a:spcAft>
-              <a:buNone/>
-            </a:pPr>
-            <a:r>
-              <a:t/>
-            </a:r>
-            <a:endParaRPr/>
-          </a:p>
-        </p:txBody>
-      </p:sp>
-      <p:sp>
-        <p:nvSpPr>
-          <p:cNvPr id="37" name="Google Shape;37;p9"/>
-          <p:cNvSpPr txBox="1"/>
-          <p:nvPr>
-            <p:ph type="title"/>
-          </p:nvPr>
-        </p:nvSpPr>
-        <p:spPr>
-          <a:xfrm>
-            <a:off x="310447" y="1812541"/>
-            <a:ext cx="4730100" cy="2178600"/>
-          </a:xfrm>
-          <a:prstGeom prst="rect">
-            <a:avLst/>
-          </a:prstGeom>
-        </p:spPr>
-        <p:txBody>
-          <a:bodyPr anchorCtr="0" anchor="b" bIns="116050" lIns="116050" spcFirstLastPara="1" rIns="116050" wrap="square" tIns="116050">
-            <a:noAutofit/>
-          </a:bodyPr>
-          <a:lstStyle>
-            <a:lvl1pPr lvl="0" algn="ctr">
-              <a:spcBef>
-                <a:spcPts val="0"/>
-              </a:spcBef>
-              <a:spcAft>
-                <a:spcPts val="0"/>
-              </a:spcAft>
-              <a:buSzPts val="5300"/>
-              <a:buNone/>
-              <a:defRPr sz="5300"/>
-            </a:lvl1pPr>
-            <a:lvl2pPr lvl="1" algn="ctr">
-              <a:spcBef>
-                <a:spcPts val="0"/>
-              </a:spcBef>
-              <a:spcAft>
-                <a:spcPts val="0"/>
-              </a:spcAft>
-              <a:buSzPts val="5300"/>
-              <a:buNone/>
-              <a:defRPr sz="5300"/>
-            </a:lvl2pPr>
-            <a:lvl3pPr lvl="2" algn="ctr">
-              <a:spcBef>
-                <a:spcPts val="0"/>
-              </a:spcBef>
-              <a:spcAft>
-                <a:spcPts val="0"/>
-              </a:spcAft>
-              <a:buSzPts val="5300"/>
-              <a:buNone/>
-              <a:defRPr sz="5300"/>
-            </a:lvl3pPr>
-            <a:lvl4pPr lvl="3" algn="ctr">
-              <a:spcBef>
-                <a:spcPts val="0"/>
-              </a:spcBef>
-              <a:spcAft>
-                <a:spcPts val="0"/>
-              </a:spcAft>
-              <a:buSzPts val="5300"/>
-              <a:buNone/>
-              <a:defRPr sz="5300"/>
-            </a:lvl4pPr>
-            <a:lvl5pPr lvl="4" algn="ctr">
-              <a:spcBef>
-                <a:spcPts val="0"/>
-              </a:spcBef>
-              <a:spcAft>
-                <a:spcPts val="0"/>
-              </a:spcAft>
-              <a:buSzPts val="5300"/>
-              <a:buNone/>
-              <a:defRPr sz="5300"/>
-            </a:lvl5pPr>
-            <a:lvl6pPr lvl="5" algn="ctr">
-              <a:spcBef>
-                <a:spcPts val="0"/>
-              </a:spcBef>
-              <a:spcAft>
-                <a:spcPts val="0"/>
-              </a:spcAft>
-              <a:buSzPts val="5300"/>
-              <a:buNone/>
-              <a:defRPr sz="5300"/>
-            </a:lvl6pPr>
-            <a:lvl7pPr lvl="6" algn="ctr">
-              <a:spcBef>
-                <a:spcPts val="0"/>
-              </a:spcBef>
-              <a:spcAft>
-                <a:spcPts val="0"/>
-              </a:spcAft>
-              <a:buSzPts val="5300"/>
-              <a:buNone/>
-              <a:defRPr sz="5300"/>
-            </a:lvl7pPr>
-            <a:lvl8pPr lvl="7" algn="ctr">
-              <a:spcBef>
-                <a:spcPts val="0"/>
-              </a:spcBef>
-              <a:spcAft>
-                <a:spcPts val="0"/>
-              </a:spcAft>
-              <a:buSzPts val="5300"/>
-              <a:buNone/>
-              <a:defRPr sz="5300"/>
-            </a:lvl8pPr>
-            <a:lvl9pPr lvl="8" algn="ctr">
-              <a:spcBef>
-                <a:spcPts val="0"/>
-              </a:spcBef>
-              <a:spcAft>
-                <a:spcPts val="0"/>
-              </a:spcAft>
-              <a:buSzPts val="5300"/>
-              <a:buNone/>
-              <a:defRPr sz="5300"/>
-            </a:lvl9pPr>
-          </a:lstStyle>
-          <a:p/>
-        </p:txBody>
-      </p:sp>
-      <p:sp>
-        <p:nvSpPr>
-          <p:cNvPr id="38" name="Google Shape;38;p9"/>
-          <p:cNvSpPr txBox="1"/>
-          <p:nvPr>
-            <p:ph idx="1" type="subTitle"/>
-          </p:nvPr>
-        </p:nvSpPr>
-        <p:spPr>
-          <a:xfrm>
-            <a:off x="310447" y="4120005"/>
-            <a:ext cx="4730100" cy="1815300"/>
-          </a:xfrm>
-          <a:prstGeom prst="rect">
-            <a:avLst/>
-          </a:prstGeom>
-        </p:spPr>
-        <p:txBody>
-          <a:bodyPr anchorCtr="0" anchor="t" bIns="116050" lIns="116050" spcFirstLastPara="1" rIns="116050" wrap="square" tIns="116050">
-            <a:noAutofit/>
-          </a:bodyPr>
-          <a:lstStyle>
-            <a:lvl1pPr lvl="0" algn="ctr">
-              <a:lnSpc>
-                <a:spcPct val="100000"/>
-              </a:lnSpc>
-              <a:spcBef>
-                <a:spcPts val="0"/>
-              </a:spcBef>
-              <a:spcAft>
-                <a:spcPts val="0"/>
-              </a:spcAft>
-              <a:buSzPts val="2700"/>
-              <a:buNone/>
-              <a:defRPr sz="2700"/>
-            </a:lvl1pPr>
-            <a:lvl2pPr lvl="1" algn="ctr">
-              <a:lnSpc>
-                <a:spcPct val="100000"/>
-              </a:lnSpc>
-              <a:spcBef>
-                <a:spcPts val="0"/>
-              </a:spcBef>
-              <a:spcAft>
-                <a:spcPts val="0"/>
-              </a:spcAft>
-              <a:buSzPts val="2700"/>
-              <a:buNone/>
-              <a:defRPr sz="2700"/>
-            </a:lvl2pPr>
-            <a:lvl3pPr lvl="2" algn="ctr">
-              <a:lnSpc>
-                <a:spcPct val="100000"/>
-              </a:lnSpc>
-              <a:spcBef>
-                <a:spcPts val="0"/>
-              </a:spcBef>
-              <a:spcAft>
-                <a:spcPts val="0"/>
-              </a:spcAft>
-              <a:buSzPts val="2700"/>
-              <a:buNone/>
-              <a:defRPr sz="2700"/>
-            </a:lvl3pPr>
-            <a:lvl4pPr lvl="3" algn="ctr">
-              <a:lnSpc>
-                <a:spcPct val="100000"/>
-              </a:lnSpc>
-              <a:spcBef>
-                <a:spcPts val="0"/>
-              </a:spcBef>
-              <a:spcAft>
-                <a:spcPts val="0"/>
-              </a:spcAft>
-              <a:buSzPts val="2700"/>
-              <a:buNone/>
-              <a:defRPr sz="2700"/>
-            </a:lvl4pPr>
-            <a:lvl5pPr lvl="4" algn="ctr">
-              <a:lnSpc>
-                <a:spcPct val="100000"/>
-              </a:lnSpc>
-              <a:spcBef>
-                <a:spcPts val="0"/>
-              </a:spcBef>
-              <a:spcAft>
-                <a:spcPts val="0"/>
-              </a:spcAft>
-              <a:buSzPts val="2700"/>
-              <a:buNone/>
-              <a:defRPr sz="2700"/>
-            </a:lvl5pPr>
-            <a:lvl6pPr lvl="5" algn="ctr">
-              <a:lnSpc>
-                <a:spcPct val="100000"/>
-              </a:lnSpc>
-              <a:spcBef>
-                <a:spcPts val="0"/>
-              </a:spcBef>
-              <a:spcAft>
-                <a:spcPts val="0"/>
-              </a:spcAft>
-              <a:buSzPts val="2700"/>
-              <a:buNone/>
-              <a:defRPr sz="2700"/>
-            </a:lvl6pPr>
-            <a:lvl7pPr lvl="6" algn="ctr">
-              <a:lnSpc>
-                <a:spcPct val="100000"/>
-              </a:lnSpc>
-              <a:spcBef>
-                <a:spcPts val="0"/>
-              </a:spcBef>
-              <a:spcAft>
-                <a:spcPts val="0"/>
-              </a:spcAft>
-              <a:buSzPts val="2700"/>
-              <a:buNone/>
-              <a:defRPr sz="2700"/>
-            </a:lvl7pPr>
-            <a:lvl8pPr lvl="7" algn="ctr">
-              <a:lnSpc>
-                <a:spcPct val="100000"/>
-              </a:lnSpc>
-              <a:spcBef>
-                <a:spcPts val="0"/>
-              </a:spcBef>
-              <a:spcAft>
-                <a:spcPts val="0"/>
-              </a:spcAft>
-              <a:buSzPts val="2700"/>
-              <a:buNone/>
-              <a:defRPr sz="2700"/>
-            </a:lvl8pPr>
-            <a:lvl9pPr lvl="8" algn="ctr">
-              <a:lnSpc>
-                <a:spcPct val="100000"/>
-              </a:lnSpc>
-              <a:spcBef>
-                <a:spcPts val="0"/>
-              </a:spcBef>
-              <a:spcAft>
-                <a:spcPts val="0"/>
-              </a:spcAft>
-              <a:buSzPts val="2700"/>
-              <a:buNone/>
-              <a:defRPr sz="2700"/>
-            </a:lvl9pPr>
-          </a:lstStyle>
-          <a:p/>
-        </p:txBody>
-      </p:sp>
-      <p:sp>
-        <p:nvSpPr>
-          <p:cNvPr id="39" name="Google Shape;39;p9"/>
-          <p:cNvSpPr txBox="1"/>
-          <p:nvPr>
-            <p:ph idx="2" type="body"/>
-          </p:nvPr>
-        </p:nvSpPr>
-        <p:spPr>
-          <a:xfrm>
-            <a:off x="5775715" y="1064257"/>
-            <a:ext cx="4486500" cy="5431200"/>
-          </a:xfrm>
-          <a:prstGeom prst="rect">
-            <a:avLst/>
-          </a:prstGeom>
-        </p:spPr>
-        <p:txBody>
-          <a:bodyPr anchorCtr="0" anchor="ctr" bIns="116050" lIns="116050" spcFirstLastPara="1" rIns="116050" wrap="square" tIns="116050">
-            <a:noAutofit/>
-          </a:bodyPr>
-          <a:lstStyle>
-            <a:lvl1pPr indent="-374650" lvl="0" marL="457200">
-              <a:spcBef>
-                <a:spcPts val="0"/>
-              </a:spcBef>
-              <a:spcAft>
-                <a:spcPts val="0"/>
-              </a:spcAft>
-              <a:buSzPts val="2300"/>
-              <a:buChar char="●"/>
-              <a:defRPr/>
-            </a:lvl1pPr>
-            <a:lvl2pPr indent="-342900" lvl="1" marL="914400">
-              <a:spcBef>
-                <a:spcPts val="2000"/>
-              </a:spcBef>
-              <a:spcAft>
-                <a:spcPts val="0"/>
-              </a:spcAft>
-              <a:buSzPts val="1800"/>
-              <a:buChar char="○"/>
-              <a:defRPr/>
-            </a:lvl2pPr>
-            <a:lvl3pPr indent="-342900" lvl="2" marL="1371600">
-              <a:spcBef>
-                <a:spcPts val="2000"/>
-              </a:spcBef>
-              <a:spcAft>
-                <a:spcPts val="0"/>
-              </a:spcAft>
-              <a:buSzPts val="1800"/>
-              <a:buChar char="■"/>
-              <a:defRPr/>
-            </a:lvl3pPr>
-            <a:lvl4pPr indent="-342900" lvl="3" marL="1828800">
-              <a:spcBef>
-                <a:spcPts val="2000"/>
-              </a:spcBef>
-              <a:spcAft>
-                <a:spcPts val="0"/>
-              </a:spcAft>
-              <a:buSzPts val="1800"/>
-              <a:buChar char="●"/>
-              <a:defRPr/>
-            </a:lvl4pPr>
-            <a:lvl5pPr indent="-342900" lvl="4" marL="2286000">
-              <a:spcBef>
-                <a:spcPts val="2000"/>
-              </a:spcBef>
-              <a:spcAft>
-                <a:spcPts val="0"/>
-              </a:spcAft>
-              <a:buSzPts val="1800"/>
-              <a:buChar char="○"/>
-              <a:defRPr/>
-            </a:lvl5pPr>
-            <a:lvl6pPr indent="-342900" lvl="5" marL="2743200">
-              <a:spcBef>
-                <a:spcPts val="2000"/>
-              </a:spcBef>
-              <a:spcAft>
-                <a:spcPts val="0"/>
-              </a:spcAft>
-              <a:buSzPts val="1800"/>
-              <a:buChar char="■"/>
-              <a:defRPr/>
-            </a:lvl6pPr>
-            <a:lvl7pPr indent="-342900" lvl="6" marL="3200400">
-              <a:spcBef>
-                <a:spcPts val="2000"/>
-              </a:spcBef>
-              <a:spcAft>
-                <a:spcPts val="0"/>
-              </a:spcAft>
-              <a:buSzPts val="1800"/>
-              <a:buChar char="●"/>
-              <a:defRPr/>
-            </a:lvl7pPr>
-            <a:lvl8pPr indent="-342900" lvl="7" marL="3657600">
-              <a:spcBef>
-                <a:spcPts val="2000"/>
-              </a:spcBef>
-              <a:spcAft>
-                <a:spcPts val="0"/>
-              </a:spcAft>
-              <a:buSzPts val="1800"/>
-              <a:buChar char="○"/>
-              <a:defRPr/>
-            </a:lvl8pPr>
-            <a:lvl9pPr indent="-342900" lvl="8" marL="4114800">
-              <a:spcBef>
-                <a:spcPts val="2000"/>
-              </a:spcBef>
-              <a:spcAft>
-                <a:spcPts val="2000"/>
-              </a:spcAft>
-              <a:buSzPts val="1800"/>
-              <a:buChar char="■"/>
-              <a:defRPr/>
-            </a:lvl9pPr>
-          </a:lstStyle>
-          <a:p/>
-        </p:txBody>
-      </p:sp>
-      <p:sp>
-        <p:nvSpPr>
-          <p:cNvPr id="40" name="Google Shape;40;p9"/>
-          <p:cNvSpPr txBox="1"/>
-          <p:nvPr>
-            <p:ph idx="12" type="sldNum"/>
-          </p:nvPr>
-        </p:nvSpPr>
-        <p:spPr>
-          <a:xfrm>
-            <a:off x="9906772" y="6854072"/>
-            <a:ext cx="641700" cy="578400"/>
-          </a:xfrm>
-          <a:prstGeom prst="rect">
-            <a:avLst/>
-          </a:prstGeom>
-        </p:spPr>
-        <p:txBody>
-          <a:bodyPr anchorCtr="0" anchor="ctr" bIns="116050" lIns="116050" spcFirstLastPara="1" rIns="116050" wrap="square" tIns="116050">
-            <a:noAutofit/>
-          </a:bodyPr>
-          <a:lstStyle>
-            <a:lvl1pPr lvl="0">
-              <a:buNone/>
-              <a:defRPr/>
-            </a:lvl1pPr>
-            <a:lvl2pPr lvl="1">
-              <a:buNone/>
-              <a:defRPr/>
-            </a:lvl2pPr>
-            <a:lvl3pPr lvl="2">
-              <a:buNone/>
-              <a:defRPr/>
-            </a:lvl3pPr>
-            <a:lvl4pPr lvl="3">
-              <a:buNone/>
-              <a:defRPr/>
-            </a:lvl4pPr>
-            <a:lvl5pPr lvl="4">
-              <a:buNone/>
-              <a:defRPr/>
-            </a:lvl5pPr>
-            <a:lvl6pPr lvl="5">
-              <a:buNone/>
-              <a:defRPr/>
-            </a:lvl6pPr>
-            <a:lvl7pPr lvl="6">
-              <a:buNone/>
-              <a:defRPr/>
-            </a:lvl7pPr>
-            <a:lvl8pPr lvl="7">
-              <a:buNone/>
-              <a:defRPr/>
-            </a:lvl8pPr>
-            <a:lvl9pPr lvl="8">
-              <a:buNone/>
-              <a:defRPr/>
-            </a:lvl9pPr>
-          </a:lstStyle>
-          <a:p>
-            <a:pPr indent="0" lvl="0" marL="0" rtl="0" algn="r">
-              <a:spcBef>
-                <a:spcPts val="0"/>
-              </a:spcBef>
-              <a:spcAft>
-                <a:spcPts val="0"/>
-              </a:spcAft>
-              <a:buNone/>
-            </a:pPr>
-            <a:fld id="{00000000-1234-1234-1234-123412341234}" type="slidenum">
-              <a:rPr lang="en"/>
-              <a:t>‹#›</a:t>
-            </a:fld>
-            <a:endParaRPr/>
-          </a:p>
-        </p:txBody>
-      </p:sp>
-    </p:spTree>
-  </p:cSld>
-  <p:clrMapOvr>
-    <a:masterClrMapping/>
-  </p:clrMapOvr>
-</p:sldLayout>
-</file>
-
-<file path=ppt/slideLayouts/slideLayout9.xml><?xml version="1.0" encoding="utf-8"?>
-<p:sldLayout xmlns:a="http://schemas.openxmlformats.org/drawingml/2006/main" xmlns:r="http://schemas.openxmlformats.org/officeDocument/2006/relationships" xmlns:mc="http://schemas.openxmlformats.org/markup-compatibility/2006" xmlns:mv="urn:schemas-microsoft-com:mac:vml" xmlns:p="http://schemas.openxmlformats.org/presentationml/2006/main" xmlns:c="http://schemas.openxmlformats.org/drawingml/2006/chart" xmlns:dgm="http://schemas.openxmlformats.org/drawingml/2006/diagram" xmlns:o="urn:schemas-microsoft-com:office:office" xmlns:v="urn:schemas-microsoft-com:vml" xmlns:pvml="urn:schemas-microsoft-com:office:powerpoint" xmlns:com="http://schemas.openxmlformats.org/drawingml/2006/compatibility" xmlns:p14="http://schemas.microsoft.com/office/powerpoint/2010/main" xmlns:p15="http://schemas.microsoft.com/office/powerpoint/2012/main" matchingName="Caption">
-  <p:cSld name="CAPTION_ONLY">
-    <p:spTree>
-      <p:nvGrpSpPr>
-        <p:cNvPr id="41" name="Shape 41"/>
-        <p:cNvGrpSpPr/>
-        <p:nvPr/>
-      </p:nvGrpSpPr>
-      <p:grpSpPr>
-        <a:xfrm>
-          <a:off x="0" y="0"/>
-          <a:ext cx="0" cy="0"/>
-          <a:chOff x="0" y="0"/>
-          <a:chExt cx="0" cy="0"/>
-        </a:xfrm>
-      </p:grpSpPr>
-      <p:sp>
-        <p:nvSpPr>
-          <p:cNvPr id="42" name="Google Shape;42;p10"/>
-          <p:cNvSpPr txBox="1"/>
-          <p:nvPr>
-            <p:ph idx="1" type="body"/>
-          </p:nvPr>
-        </p:nvSpPr>
-        <p:spPr>
-          <a:xfrm>
-            <a:off x="364468" y="6218168"/>
-            <a:ext cx="7014300" cy="889500"/>
-          </a:xfrm>
-          <a:prstGeom prst="rect">
-            <a:avLst/>
-          </a:prstGeom>
-        </p:spPr>
-        <p:txBody>
-          <a:bodyPr anchorCtr="0" anchor="ctr" bIns="116050" lIns="116050" spcFirstLastPara="1" rIns="116050" wrap="square" tIns="116050">
-            <a:noAutofit/>
-          </a:bodyPr>
-          <a:lstStyle>
-            <a:lvl1pPr indent="-228600" lvl="0" marL="457200">
-              <a:lnSpc>
-                <a:spcPct val="100000"/>
-              </a:lnSpc>
-              <a:spcBef>
-                <a:spcPts val="0"/>
-              </a:spcBef>
-              <a:spcAft>
-                <a:spcPts val="0"/>
-              </a:spcAft>
-              <a:buSzPts val="2300"/>
-              <a:buNone/>
-              <a:defRPr/>
-            </a:lvl1pPr>
-          </a:lstStyle>
-          <a:p/>
-        </p:txBody>
-      </p:sp>
-      <p:sp>
-        <p:nvSpPr>
-          <p:cNvPr id="43" name="Google Shape;43;p10"/>
-          <p:cNvSpPr txBox="1"/>
-          <p:nvPr>
-            <p:ph idx="12" type="sldNum"/>
-          </p:nvPr>
-        </p:nvSpPr>
-        <p:spPr>
-          <a:xfrm>
-            <a:off x="9906772" y="6854072"/>
-            <a:ext cx="641700" cy="578400"/>
-          </a:xfrm>
-          <a:prstGeom prst="rect">
-            <a:avLst/>
-          </a:prstGeom>
-        </p:spPr>
-        <p:txBody>
-          <a:bodyPr anchorCtr="0" anchor="ctr" bIns="116050" lIns="116050" spcFirstLastPara="1" rIns="116050" wrap="square" tIns="116050">
-            <a:noAutofit/>
-          </a:bodyPr>
-          <a:lstStyle>
-            <a:lvl1pPr lvl="0">
-              <a:buNone/>
-              <a:defRPr/>
-            </a:lvl1pPr>
-            <a:lvl2pPr lvl="1">
-              <a:buNone/>
-              <a:defRPr/>
-            </a:lvl2pPr>
-            <a:lvl3pPr lvl="2">
-              <a:buNone/>
-              <a:defRPr/>
-            </a:lvl3pPr>
-            <a:lvl4pPr lvl="3">
-              <a:buNone/>
-              <a:defRPr/>
-            </a:lvl4pPr>
-            <a:lvl5pPr lvl="4">
-              <a:buNone/>
-              <a:defRPr/>
-            </a:lvl5pPr>
-            <a:lvl6pPr lvl="5">
-              <a:buNone/>
-              <a:defRPr/>
-            </a:lvl6pPr>
-            <a:lvl7pPr lvl="6">
-              <a:buNone/>
-              <a:defRPr/>
-            </a:lvl7pPr>
-            <a:lvl8pPr lvl="7">
-              <a:buNone/>
-              <a:defRPr/>
-            </a:lvl8pPr>
-            <a:lvl9pPr lvl="8">
-              <a:buNone/>
-              <a:defRPr/>
-            </a:lvl9pPr>
-          </a:lstStyle>
-          <a:p>
-            <a:pPr indent="0" lvl="0" marL="0" rtl="0" algn="r">
-              <a:spcBef>
-                <a:spcPts val="0"/>
-              </a:spcBef>
-              <a:spcAft>
-                <a:spcPts val="0"/>
-              </a:spcAft>
-              <a:buNone/>
-            </a:pPr>
-            <a:fld id="{00000000-1234-1234-1234-123412341234}" type="slidenum">
-              <a:rPr lang="en"/>
-              <a:t>‹#›</a:t>
-            </a:fld>
-            <a:endParaRPr/>
-          </a:p>
         </p:txBody>
       </p:sp>
     </p:spTree>
@@ -5069,138 +1831,11 @@
           <a:p/>
         </p:txBody>
       </p:sp>
-      <p:sp>
-        <p:nvSpPr>
-          <p:cNvPr id="8" name="Google Shape;8;p1"/>
-          <p:cNvSpPr txBox="1"/>
-          <p:nvPr>
-            <p:ph idx="12" type="sldNum"/>
-          </p:nvPr>
-        </p:nvSpPr>
-        <p:spPr>
-          <a:xfrm>
-            <a:off x="9906772" y="6854072"/>
-            <a:ext cx="641700" cy="578400"/>
-          </a:xfrm>
-          <a:prstGeom prst="rect">
-            <a:avLst/>
-          </a:prstGeom>
-          <a:noFill/>
-          <a:ln>
-            <a:noFill/>
-          </a:ln>
-        </p:spPr>
-        <p:txBody>
-          <a:bodyPr anchorCtr="0" anchor="ctr" bIns="116050" lIns="116050" spcFirstLastPara="1" rIns="116050" wrap="square" tIns="116050">
-            <a:noAutofit/>
-          </a:bodyPr>
-          <a:lstStyle>
-            <a:lvl1pPr lvl="0" algn="r">
-              <a:buNone/>
-              <a:defRPr sz="1300">
-                <a:solidFill>
-                  <a:schemeClr val="dk2"/>
-                </a:solidFill>
-              </a:defRPr>
-            </a:lvl1pPr>
-            <a:lvl2pPr lvl="1" algn="r">
-              <a:buNone/>
-              <a:defRPr sz="1300">
-                <a:solidFill>
-                  <a:schemeClr val="dk2"/>
-                </a:solidFill>
-              </a:defRPr>
-            </a:lvl2pPr>
-            <a:lvl3pPr lvl="2" algn="r">
-              <a:buNone/>
-              <a:defRPr sz="1300">
-                <a:solidFill>
-                  <a:schemeClr val="dk2"/>
-                </a:solidFill>
-              </a:defRPr>
-            </a:lvl3pPr>
-            <a:lvl4pPr lvl="3" algn="r">
-              <a:buNone/>
-              <a:defRPr sz="1300">
-                <a:solidFill>
-                  <a:schemeClr val="dk2"/>
-                </a:solidFill>
-              </a:defRPr>
-            </a:lvl4pPr>
-            <a:lvl5pPr lvl="4" algn="r">
-              <a:buNone/>
-              <a:defRPr sz="1300">
-                <a:solidFill>
-                  <a:schemeClr val="dk2"/>
-                </a:solidFill>
-              </a:defRPr>
-            </a:lvl5pPr>
-            <a:lvl6pPr lvl="5" algn="r">
-              <a:buNone/>
-              <a:defRPr sz="1300">
-                <a:solidFill>
-                  <a:schemeClr val="dk2"/>
-                </a:solidFill>
-              </a:defRPr>
-            </a:lvl6pPr>
-            <a:lvl7pPr lvl="6" algn="r">
-              <a:buNone/>
-              <a:defRPr sz="1300">
-                <a:solidFill>
-                  <a:schemeClr val="dk2"/>
-                </a:solidFill>
-              </a:defRPr>
-            </a:lvl7pPr>
-            <a:lvl8pPr lvl="7" algn="r">
-              <a:buNone/>
-              <a:defRPr sz="1300">
-                <a:solidFill>
-                  <a:schemeClr val="dk2"/>
-                </a:solidFill>
-              </a:defRPr>
-            </a:lvl8pPr>
-            <a:lvl9pPr lvl="8" algn="r">
-              <a:buNone/>
-              <a:defRPr sz="1300">
-                <a:solidFill>
-                  <a:schemeClr val="dk2"/>
-                </a:solidFill>
-              </a:defRPr>
-            </a:lvl9pPr>
-          </a:lstStyle>
-          <a:p>
-            <a:pPr indent="0" lvl="0" marL="0" rtl="0" algn="r">
-              <a:spcBef>
-                <a:spcPts val="0"/>
-              </a:spcBef>
-              <a:spcAft>
-                <a:spcPts val="0"/>
-              </a:spcAft>
-              <a:buNone/>
-            </a:pPr>
-            <a:fld id="{00000000-1234-1234-1234-123412341234}" type="slidenum">
-              <a:rPr lang="en"/>
-              <a:t>‹#›</a:t>
-            </a:fld>
-            <a:endParaRPr/>
-          </a:p>
-        </p:txBody>
-      </p:sp>
     </p:spTree>
   </p:cSld>
   <p:clrMap accent1="accent1" accent2="accent2" accent3="accent3" accent4="accent4" accent5="accent5" accent6="accent6" bg1="lt1" bg2="dk2" tx1="dk1" tx2="lt2" folHlink="folHlink" hlink="hlink"/>
   <p:sldLayoutIdLst>
     <p:sldLayoutId id="2147483648" r:id="rId1"/>
-    <p:sldLayoutId id="2147483649" r:id="rId2"/>
-    <p:sldLayoutId id="2147483650" r:id="rId3"/>
-    <p:sldLayoutId id="2147483651" r:id="rId4"/>
-    <p:sldLayoutId id="2147483652" r:id="rId5"/>
-    <p:sldLayoutId id="2147483653" r:id="rId6"/>
-    <p:sldLayoutId id="2147483654" r:id="rId7"/>
-    <p:sldLayoutId id="2147483655" r:id="rId8"/>
-    <p:sldLayoutId id="2147483656" r:id="rId9"/>
-    <p:sldLayoutId id="2147483657" r:id="rId10"/>
-    <p:sldLayoutId id="2147483658" r:id="rId11"/>
   </p:sldLayoutIdLst>
   <p:hf dt="0" ftr="0" hdr="0" sldNum="0"/>
   <p:txStyles>
@@ -5900,7 +2535,7 @@
   <p:cSld>
     <p:spTree>
       <p:nvGrpSpPr>
-        <p:cNvPr id="53" name="Shape 53"/>
+        <p:cNvPr id="13" name="Shape 13"/>
         <p:cNvGrpSpPr/>
         <p:nvPr/>
       </p:nvGrpSpPr>
@@ -5914,7 +2549,7 @@
       </p:grpSpPr>
       <p:sp>
         <p:nvSpPr>
-          <p:cNvPr id="54" name="Google Shape;54;p13"/>
+          <p:cNvPr id="14" name="Google Shape;14;p3"/>
           <p:cNvSpPr/>
           <p:nvPr/>
         </p:nvSpPr>
@@ -5965,7 +2600,7 @@
       </p:sp>
       <p:sp>
         <p:nvSpPr>
-          <p:cNvPr id="55" name="Google Shape;55;p13"/>
+          <p:cNvPr id="15" name="Google Shape;15;p3"/>
           <p:cNvSpPr txBox="1"/>
           <p:nvPr>
             <p:ph type="title"/>
@@ -6135,10 +2770,10 @@
       </p:sp>
       <p:sp>
         <p:nvSpPr>
-          <p:cNvPr id="56" name="Google Shape;56;p13"/>
+          <p:cNvPr id="16" name="Google Shape;16;p3"/>
           <p:cNvSpPr txBox="1"/>
           <p:nvPr>
-            <p:ph idx="1" type="body"/>
+            <p:ph idx="4294967295" type="body"/>
           </p:nvPr>
         </p:nvSpPr>
         <p:spPr>
@@ -6421,7 +3056,7 @@
       </p:sp>
       <p:sp>
         <p:nvSpPr>
-          <p:cNvPr id="57" name="Google Shape;57;p13"/>
+          <p:cNvPr id="17" name="Google Shape;17;p3"/>
           <p:cNvSpPr txBox="1"/>
           <p:nvPr>
             <p:ph type="title"/>
@@ -6570,7 +3205,7 @@
       </p:sp>
       <p:sp>
         <p:nvSpPr>
-          <p:cNvPr id="58" name="Google Shape;58;p13"/>
+          <p:cNvPr id="18" name="Google Shape;18;p3"/>
           <p:cNvSpPr/>
           <p:nvPr/>
         </p:nvSpPr>
@@ -6630,7 +3265,7 @@
       </p:sp>
       <p:sp>
         <p:nvSpPr>
-          <p:cNvPr id="59" name="Google Shape;59;p13"/>
+          <p:cNvPr id="19" name="Google Shape;19;p3"/>
           <p:cNvSpPr txBox="1"/>
           <p:nvPr/>
         </p:nvSpPr>
@@ -6735,7 +3370,7 @@
       </p:sp>
       <p:sp>
         <p:nvSpPr>
-          <p:cNvPr id="60" name="Google Shape;60;p13"/>
+          <p:cNvPr id="20" name="Google Shape;20;p3"/>
           <p:cNvSpPr/>
           <p:nvPr/>
         </p:nvSpPr>
@@ -6795,7 +3430,7 @@
       </p:sp>
       <p:sp>
         <p:nvSpPr>
-          <p:cNvPr id="61" name="Google Shape;61;p13"/>
+          <p:cNvPr id="21" name="Google Shape;21;p3"/>
           <p:cNvSpPr txBox="1"/>
           <p:nvPr/>
         </p:nvSpPr>
@@ -6900,7 +3535,7 @@
       </p:sp>
       <p:sp>
         <p:nvSpPr>
-          <p:cNvPr id="62" name="Google Shape;62;p13"/>
+          <p:cNvPr id="22" name="Google Shape;22;p3"/>
           <p:cNvSpPr/>
           <p:nvPr/>
         </p:nvSpPr>
@@ -6960,7 +3595,7 @@
       </p:sp>
       <p:sp>
         <p:nvSpPr>
-          <p:cNvPr id="63" name="Google Shape;63;p13"/>
+          <p:cNvPr id="23" name="Google Shape;23;p3"/>
           <p:cNvSpPr txBox="1"/>
           <p:nvPr/>
         </p:nvSpPr>
@@ -7065,7 +3700,7 @@
       </p:sp>
       <p:sp>
         <p:nvSpPr>
-          <p:cNvPr id="64" name="Google Shape;64;p13"/>
+          <p:cNvPr id="24" name="Google Shape;24;p3"/>
           <p:cNvSpPr/>
           <p:nvPr/>
         </p:nvSpPr>
@@ -7125,7 +3760,7 @@
       </p:sp>
       <p:sp>
         <p:nvSpPr>
-          <p:cNvPr id="65" name="Google Shape;65;p13"/>
+          <p:cNvPr id="25" name="Google Shape;25;p3"/>
           <p:cNvSpPr txBox="1"/>
           <p:nvPr/>
         </p:nvSpPr>
@@ -7230,7 +3865,7 @@
       </p:sp>
       <p:sp>
         <p:nvSpPr>
-          <p:cNvPr id="66" name="Google Shape;66;p13"/>
+          <p:cNvPr id="26" name="Google Shape;26;p3"/>
           <p:cNvSpPr/>
           <p:nvPr/>
         </p:nvSpPr>
@@ -7290,7 +3925,7 @@
       </p:sp>
       <p:sp>
         <p:nvSpPr>
-          <p:cNvPr id="67" name="Google Shape;67;p13"/>
+          <p:cNvPr id="27" name="Google Shape;27;p3"/>
           <p:cNvSpPr txBox="1"/>
           <p:nvPr/>
         </p:nvSpPr>
@@ -7395,7 +4030,7 @@
       </p:sp>
       <p:sp>
         <p:nvSpPr>
-          <p:cNvPr id="68" name="Google Shape;68;p13"/>
+          <p:cNvPr id="28" name="Google Shape;28;p3"/>
           <p:cNvSpPr/>
           <p:nvPr/>
         </p:nvSpPr>
@@ -7461,7 +4096,7 @@
       </p:sp>
       <p:sp>
         <p:nvSpPr>
-          <p:cNvPr id="69" name="Google Shape;69;p13"/>
+          <p:cNvPr id="29" name="Google Shape;29;p3"/>
           <p:cNvSpPr txBox="1"/>
           <p:nvPr/>
         </p:nvSpPr>
@@ -7672,7 +4307,7 @@
       </p:sp>
       <p:graphicFrame>
         <p:nvGraphicFramePr>
-          <p:cNvPr id="70" name="Google Shape;70;p13"/>
+          <p:cNvPr id="30" name="Google Shape;30;p3"/>
           <p:cNvGraphicFramePr/>
           <p:nvPr/>
         </p:nvGraphicFramePr>
@@ -7685,7 +4320,7 @@
             <a:tbl>
               <a:tblPr>
                 <a:noFill/>
-                <a:tableStyleId>{A1C9A3DD-49EA-4D14-B645-E81157C544DA}</a:tableStyleId>
+                <a:tableStyleId>{7A87DDAE-5AD1-4B94-A92F-872672630F34}</a:tableStyleId>
               </a:tblPr>
               <a:tblGrid>
                 <a:gridCol w="2144000"/>
@@ -10221,301 +6856,9 @@
           </a:graphicData>
         </a:graphic>
       </p:graphicFrame>
-      <p:grpSp>
-        <p:nvGrpSpPr>
-          <p:cNvPr id="71" name="Google Shape;71;p13"/>
-          <p:cNvGrpSpPr/>
-          <p:nvPr/>
-        </p:nvGrpSpPr>
-        <p:grpSpPr>
-          <a:xfrm>
-            <a:off x="0" y="7094781"/>
-            <a:ext cx="10692000" cy="465069"/>
-            <a:chOff x="0" y="7094781"/>
-            <a:chExt cx="10692000" cy="465069"/>
-          </a:xfrm>
-        </p:grpSpPr>
-        <p:sp>
-          <p:nvSpPr>
-            <p:cNvPr id="72" name="Google Shape;72;p13"/>
-            <p:cNvSpPr/>
-            <p:nvPr/>
-          </p:nvSpPr>
-          <p:spPr>
-            <a:xfrm>
-              <a:off x="0" y="7094850"/>
-              <a:ext cx="10692000" cy="465000"/>
-            </a:xfrm>
-            <a:prstGeom prst="rect">
-              <a:avLst/>
-            </a:prstGeom>
-            <a:solidFill>
-              <a:srgbClr val="FFFFFF"/>
-            </a:solidFill>
-            <a:ln>
-              <a:noFill/>
-            </a:ln>
-          </p:spPr>
-          <p:txBody>
-            <a:bodyPr anchorCtr="0" anchor="ctr" bIns="91425" lIns="91425" spcFirstLastPara="1" rIns="91425" wrap="square" tIns="91425">
-              <a:noAutofit/>
-            </a:bodyPr>
-            <a:lstStyle/>
-            <a:p>
-              <a:pPr indent="0" lvl="0" marL="0" rtl="0" algn="l">
-                <a:spcBef>
-                  <a:spcPts val="0"/>
-                </a:spcBef>
-                <a:spcAft>
-                  <a:spcPts val="0"/>
-                </a:spcAft>
-                <a:buNone/>
-              </a:pPr>
-              <a:r>
-                <a:t/>
-              </a:r>
-              <a:endParaRPr/>
-            </a:p>
-          </p:txBody>
-        </p:sp>
-        <p:sp>
-          <p:nvSpPr>
-            <p:cNvPr id="73" name="Google Shape;73;p13"/>
-            <p:cNvSpPr txBox="1"/>
-            <p:nvPr/>
-          </p:nvSpPr>
-          <p:spPr>
-            <a:xfrm>
-              <a:off x="514889" y="7198197"/>
-              <a:ext cx="4216500" cy="266400"/>
-            </a:xfrm>
-            <a:prstGeom prst="rect">
-              <a:avLst/>
-            </a:prstGeom>
-            <a:noFill/>
-            <a:ln>
-              <a:noFill/>
-            </a:ln>
-          </p:spPr>
-          <p:txBody>
-            <a:bodyPr anchorCtr="0" anchor="b" bIns="92475" lIns="92475" spcFirstLastPara="1" rIns="92475" wrap="square" tIns="92475">
-              <a:noAutofit/>
-            </a:bodyPr>
-            <a:lstStyle/>
-            <a:p>
-              <a:pPr indent="0" lvl="0" marL="0" rtl="0" algn="l">
-                <a:spcBef>
-                  <a:spcPts val="0"/>
-                </a:spcBef>
-                <a:spcAft>
-                  <a:spcPts val="0"/>
-                </a:spcAft>
-                <a:buNone/>
-              </a:pPr>
-              <a:r>
-                <a:t/>
-              </a:r>
-              <a:endParaRPr b="1" sz="600">
-                <a:solidFill>
-                  <a:srgbClr val="000000"/>
-                </a:solidFill>
-                <a:latin typeface="IBM Plex Sans"/>
-                <a:ea typeface="IBM Plex Sans"/>
-                <a:cs typeface="IBM Plex Sans"/>
-                <a:sym typeface="IBM Plex Sans"/>
-              </a:endParaRPr>
-            </a:p>
-            <a:p>
-              <a:pPr indent="0" lvl="0" marL="0" rtl="0" algn="l">
-                <a:spcBef>
-                  <a:spcPts val="0"/>
-                </a:spcBef>
-                <a:spcAft>
-                  <a:spcPts val="0"/>
-                </a:spcAft>
-                <a:buNone/>
-              </a:pPr>
-              <a:r>
-                <a:t/>
-              </a:r>
-              <a:endParaRPr b="1" sz="600">
-                <a:solidFill>
-                  <a:srgbClr val="000000"/>
-                </a:solidFill>
-                <a:latin typeface="IBM Plex Sans"/>
-                <a:ea typeface="IBM Plex Sans"/>
-                <a:cs typeface="IBM Plex Sans"/>
-                <a:sym typeface="IBM Plex Sans"/>
-              </a:endParaRPr>
-            </a:p>
-            <a:p>
-              <a:pPr indent="0" lvl="0" marL="0" rtl="0" algn="l">
-                <a:spcBef>
-                  <a:spcPts val="0"/>
-                </a:spcBef>
-                <a:spcAft>
-                  <a:spcPts val="0"/>
-                </a:spcAft>
-                <a:buNone/>
-              </a:pPr>
-              <a:r>
-                <a:t/>
-              </a:r>
-              <a:endParaRPr b="1" sz="600">
-                <a:solidFill>
-                  <a:srgbClr val="000000"/>
-                </a:solidFill>
-                <a:latin typeface="IBM Plex Sans"/>
-                <a:ea typeface="IBM Plex Sans"/>
-                <a:cs typeface="IBM Plex Sans"/>
-                <a:sym typeface="IBM Plex Sans"/>
-              </a:endParaRPr>
-            </a:p>
-            <a:p>
-              <a:pPr indent="0" lvl="0" marL="0" rtl="0" algn="l">
-                <a:spcBef>
-                  <a:spcPts val="0"/>
-                </a:spcBef>
-                <a:spcAft>
-                  <a:spcPts val="0"/>
-                </a:spcAft>
-                <a:buNone/>
-              </a:pPr>
-              <a:r>
-                <a:rPr b="1" lang="en" sz="600">
-                  <a:latin typeface="IBM Plex Sans"/>
-                  <a:ea typeface="IBM Plex Sans"/>
-                  <a:cs typeface="IBM Plex Sans"/>
-                  <a:sym typeface="IBM Plex Sans"/>
-                </a:rPr>
-                <a:t>FINANCIAL INNOVATION LAB</a:t>
-              </a:r>
-              <a:r>
-                <a:rPr b="1" lang="en" sz="600">
-                  <a:solidFill>
-                    <a:srgbClr val="3C78D8"/>
-                  </a:solidFill>
-                  <a:latin typeface="IBM Plex Sans"/>
-                  <a:ea typeface="IBM Plex Sans"/>
-                  <a:cs typeface="IBM Plex Sans"/>
-                  <a:sym typeface="IBM Plex Sans"/>
-                </a:rPr>
-                <a:t> | BOOTCAMP ONE </a:t>
-              </a:r>
-              <a:endParaRPr b="1" sz="600">
-                <a:solidFill>
-                  <a:srgbClr val="3C78D8"/>
-                </a:solidFill>
-                <a:latin typeface="IBM Plex Sans"/>
-                <a:ea typeface="IBM Plex Sans"/>
-                <a:cs typeface="IBM Plex Sans"/>
-                <a:sym typeface="IBM Plex Sans"/>
-              </a:endParaRPr>
-            </a:p>
-          </p:txBody>
-        </p:sp>
-        <p:grpSp>
-          <p:nvGrpSpPr>
-            <p:cNvPr id="74" name="Google Shape;74;p13"/>
-            <p:cNvGrpSpPr/>
-            <p:nvPr/>
-          </p:nvGrpSpPr>
-          <p:grpSpPr>
-            <a:xfrm>
-              <a:off x="7712143" y="7094781"/>
-              <a:ext cx="2412328" cy="430321"/>
-              <a:chOff x="5831433" y="6857683"/>
-              <a:chExt cx="4631966" cy="815774"/>
-            </a:xfrm>
-          </p:grpSpPr>
-          <p:pic>
-            <p:nvPicPr>
-              <p:cNvPr id="75" name="Google Shape;75;p13"/>
-              <p:cNvPicPr preferRelativeResize="0"/>
-              <p:nvPr/>
-            </p:nvPicPr>
-            <p:blipFill>
-              <a:blip r:embed="rId3">
-                <a:alphaModFix/>
-              </a:blip>
-              <a:stretch>
-                <a:fillRect/>
-              </a:stretch>
-            </p:blipFill>
-            <p:spPr>
-              <a:xfrm>
-                <a:off x="9513825" y="6857683"/>
-                <a:ext cx="949574" cy="815774"/>
-              </a:xfrm>
-              <a:prstGeom prst="rect">
-                <a:avLst/>
-              </a:prstGeom>
-              <a:noFill/>
-              <a:ln>
-                <a:noFill/>
-              </a:ln>
-            </p:spPr>
-          </p:pic>
-          <p:pic>
-            <p:nvPicPr>
-              <p:cNvPr id="76" name="Google Shape;76;p13"/>
-              <p:cNvPicPr preferRelativeResize="0"/>
-              <p:nvPr/>
-            </p:nvPicPr>
-            <p:blipFill>
-              <a:blip r:embed="rId4">
-                <a:alphaModFix/>
-              </a:blip>
-              <a:stretch>
-                <a:fillRect/>
-              </a:stretch>
-            </p:blipFill>
-            <p:spPr>
-              <a:xfrm>
-                <a:off x="5831433" y="7117645"/>
-                <a:ext cx="1933325" cy="446407"/>
-              </a:xfrm>
-              <a:prstGeom prst="rect">
-                <a:avLst/>
-              </a:prstGeom>
-              <a:noFill/>
-              <a:ln>
-                <a:noFill/>
-              </a:ln>
-            </p:spPr>
-          </p:pic>
-          <p:pic>
-            <p:nvPicPr>
-              <p:cNvPr id="77" name="Google Shape;77;p13"/>
-              <p:cNvPicPr preferRelativeResize="0"/>
-              <p:nvPr/>
-            </p:nvPicPr>
-            <p:blipFill rotWithShape="1">
-              <a:blip r:embed="rId5">
-                <a:alphaModFix/>
-              </a:blip>
-              <a:srcRect b="23935" l="18913" r="10250" t="28704"/>
-              <a:stretch/>
-            </p:blipFill>
-            <p:spPr>
-              <a:xfrm>
-                <a:off x="8144179" y="7097827"/>
-                <a:ext cx="990224" cy="393901"/>
-              </a:xfrm>
-              <a:prstGeom prst="rect">
-                <a:avLst/>
-              </a:prstGeom>
-              <a:noFill/>
-              <a:ln>
-                <a:noFill/>
-              </a:ln>
-            </p:spPr>
-          </p:pic>
-        </p:grpSp>
-      </p:grpSp>
       <p:sp>
         <p:nvSpPr>
-          <p:cNvPr id="78" name="Google Shape;78;p13"/>
+          <p:cNvPr id="31" name="Google Shape;31;p3"/>
           <p:cNvSpPr/>
           <p:nvPr/>
         </p:nvSpPr>
@@ -10556,6 +6899,259 @@
           </a:p>
         </p:txBody>
       </p:sp>
+      <p:grpSp>
+        <p:nvGrpSpPr>
+          <p:cNvPr id="32" name="Google Shape;32;p3"/>
+          <p:cNvGrpSpPr/>
+          <p:nvPr/>
+        </p:nvGrpSpPr>
+        <p:grpSpPr>
+          <a:xfrm>
+            <a:off x="0" y="7094781"/>
+            <a:ext cx="10692000" cy="465069"/>
+            <a:chOff x="0" y="7094781"/>
+            <a:chExt cx="10692000" cy="465069"/>
+          </a:xfrm>
+        </p:grpSpPr>
+        <p:grpSp>
+          <p:nvGrpSpPr>
+            <p:cNvPr id="33" name="Google Shape;33;p3"/>
+            <p:cNvGrpSpPr/>
+            <p:nvPr/>
+          </p:nvGrpSpPr>
+          <p:grpSpPr>
+            <a:xfrm>
+              <a:off x="0" y="7094781"/>
+              <a:ext cx="10692000" cy="465069"/>
+              <a:chOff x="0" y="7094781"/>
+              <a:chExt cx="10692000" cy="465069"/>
+            </a:xfrm>
+          </p:grpSpPr>
+          <p:sp>
+            <p:nvSpPr>
+              <p:cNvPr id="34" name="Google Shape;34;p3"/>
+              <p:cNvSpPr/>
+              <p:nvPr/>
+            </p:nvSpPr>
+            <p:spPr>
+              <a:xfrm>
+                <a:off x="0" y="7094850"/>
+                <a:ext cx="10692000" cy="465000"/>
+              </a:xfrm>
+              <a:prstGeom prst="rect">
+                <a:avLst/>
+              </a:prstGeom>
+              <a:solidFill>
+                <a:srgbClr val="FFFFFF"/>
+              </a:solidFill>
+              <a:ln>
+                <a:noFill/>
+              </a:ln>
+            </p:spPr>
+            <p:txBody>
+              <a:bodyPr anchorCtr="0" anchor="ctr" bIns="91425" lIns="91425" spcFirstLastPara="1" rIns="91425" wrap="square" tIns="91425">
+                <a:noAutofit/>
+              </a:bodyPr>
+              <a:lstStyle/>
+              <a:p>
+                <a:pPr indent="0" lvl="0" marL="0" rtl="0" algn="l">
+                  <a:spcBef>
+                    <a:spcPts val="0"/>
+                  </a:spcBef>
+                  <a:spcAft>
+                    <a:spcPts val="0"/>
+                  </a:spcAft>
+                  <a:buNone/>
+                </a:pPr>
+                <a:r>
+                  <a:t/>
+                </a:r>
+                <a:endParaRPr/>
+              </a:p>
+            </p:txBody>
+          </p:sp>
+          <p:sp>
+            <p:nvSpPr>
+              <p:cNvPr id="35" name="Google Shape;35;p3"/>
+              <p:cNvSpPr txBox="1"/>
+              <p:nvPr/>
+            </p:nvSpPr>
+            <p:spPr>
+              <a:xfrm>
+                <a:off x="514889" y="7198197"/>
+                <a:ext cx="4216500" cy="266400"/>
+              </a:xfrm>
+              <a:prstGeom prst="rect">
+                <a:avLst/>
+              </a:prstGeom>
+              <a:noFill/>
+              <a:ln>
+                <a:noFill/>
+              </a:ln>
+            </p:spPr>
+            <p:txBody>
+              <a:bodyPr anchorCtr="0" anchor="b" bIns="92475" lIns="92475" spcFirstLastPara="1" rIns="92475" wrap="square" tIns="92475">
+                <a:noAutofit/>
+              </a:bodyPr>
+              <a:lstStyle/>
+              <a:p>
+                <a:pPr indent="0" lvl="0" marL="0" rtl="0" algn="l">
+                  <a:spcBef>
+                    <a:spcPts val="0"/>
+                  </a:spcBef>
+                  <a:spcAft>
+                    <a:spcPts val="0"/>
+                  </a:spcAft>
+                  <a:buNone/>
+                </a:pPr>
+                <a:r>
+                  <a:t/>
+                </a:r>
+                <a:endParaRPr b="1" sz="600">
+                  <a:solidFill>
+                    <a:srgbClr val="000000"/>
+                  </a:solidFill>
+                  <a:latin typeface="IBM Plex Sans"/>
+                  <a:ea typeface="IBM Plex Sans"/>
+                  <a:cs typeface="IBM Plex Sans"/>
+                  <a:sym typeface="IBM Plex Sans"/>
+                </a:endParaRPr>
+              </a:p>
+              <a:p>
+                <a:pPr indent="0" lvl="0" marL="0" rtl="0" algn="l">
+                  <a:spcBef>
+                    <a:spcPts val="0"/>
+                  </a:spcBef>
+                  <a:spcAft>
+                    <a:spcPts val="0"/>
+                  </a:spcAft>
+                  <a:buNone/>
+                </a:pPr>
+                <a:r>
+                  <a:t/>
+                </a:r>
+                <a:endParaRPr b="1" sz="600">
+                  <a:solidFill>
+                    <a:srgbClr val="000000"/>
+                  </a:solidFill>
+                  <a:latin typeface="IBM Plex Sans"/>
+                  <a:ea typeface="IBM Plex Sans"/>
+                  <a:cs typeface="IBM Plex Sans"/>
+                  <a:sym typeface="IBM Plex Sans"/>
+                </a:endParaRPr>
+              </a:p>
+              <a:p>
+                <a:pPr indent="0" lvl="0" marL="0" rtl="0" algn="l">
+                  <a:spcBef>
+                    <a:spcPts val="0"/>
+                  </a:spcBef>
+                  <a:spcAft>
+                    <a:spcPts val="0"/>
+                  </a:spcAft>
+                  <a:buNone/>
+                </a:pPr>
+                <a:r>
+                  <a:t/>
+                </a:r>
+                <a:endParaRPr b="1" sz="600">
+                  <a:solidFill>
+                    <a:srgbClr val="000000"/>
+                  </a:solidFill>
+                  <a:latin typeface="IBM Plex Sans"/>
+                  <a:ea typeface="IBM Plex Sans"/>
+                  <a:cs typeface="IBM Plex Sans"/>
+                  <a:sym typeface="IBM Plex Sans"/>
+                </a:endParaRPr>
+              </a:p>
+              <a:p>
+                <a:pPr indent="0" lvl="0" marL="0" rtl="0" algn="l">
+                  <a:spcBef>
+                    <a:spcPts val="0"/>
+                  </a:spcBef>
+                  <a:spcAft>
+                    <a:spcPts val="0"/>
+                  </a:spcAft>
+                  <a:buNone/>
+                </a:pPr>
+                <a:r>
+                  <a:rPr b="1" lang="en" sz="600">
+                    <a:latin typeface="IBM Plex Sans"/>
+                    <a:ea typeface="IBM Plex Sans"/>
+                    <a:cs typeface="IBM Plex Sans"/>
+                    <a:sym typeface="IBM Plex Sans"/>
+                  </a:rPr>
+                  <a:t>THE FINLAB TOOLKIT</a:t>
+                </a:r>
+                <a:endParaRPr b="1" sz="600">
+                  <a:solidFill>
+                    <a:srgbClr val="3C78D8"/>
+                  </a:solidFill>
+                  <a:latin typeface="IBM Plex Sans"/>
+                  <a:ea typeface="IBM Plex Sans"/>
+                  <a:cs typeface="IBM Plex Sans"/>
+                  <a:sym typeface="IBM Plex Sans"/>
+                </a:endParaRPr>
+              </a:p>
+            </p:txBody>
+          </p:sp>
+          <p:pic>
+            <p:nvPicPr>
+              <p:cNvPr id="36" name="Google Shape;36;p3"/>
+              <p:cNvPicPr preferRelativeResize="0"/>
+              <p:nvPr/>
+            </p:nvPicPr>
+            <p:blipFill>
+              <a:blip r:embed="rId3">
+                <a:alphaModFix/>
+              </a:blip>
+              <a:stretch>
+                <a:fillRect/>
+              </a:stretch>
+            </p:blipFill>
+            <p:spPr>
+              <a:xfrm>
+                <a:off x="9629932" y="7094781"/>
+                <a:ext cx="494539" cy="430321"/>
+              </a:xfrm>
+              <a:prstGeom prst="rect">
+                <a:avLst/>
+              </a:prstGeom>
+              <a:noFill/>
+              <a:ln>
+                <a:noFill/>
+              </a:ln>
+            </p:spPr>
+          </p:pic>
+        </p:grpSp>
+        <p:pic>
+          <p:nvPicPr>
+            <p:cNvPr id="37" name="Google Shape;37;p3"/>
+            <p:cNvPicPr preferRelativeResize="0"/>
+            <p:nvPr/>
+          </p:nvPicPr>
+          <p:blipFill>
+            <a:blip r:embed="rId4">
+              <a:alphaModFix/>
+            </a:blip>
+            <a:stretch>
+              <a:fillRect/>
+            </a:stretch>
+          </p:blipFill>
+          <p:spPr>
+            <a:xfrm>
+              <a:off x="8553150" y="7165073"/>
+              <a:ext cx="1013800" cy="354000"/>
+            </a:xfrm>
+            <a:prstGeom prst="rect">
+              <a:avLst/>
+            </a:prstGeom>
+            <a:noFill/>
+            <a:ln>
+              <a:noFill/>
+            </a:ln>
+          </p:spPr>
+        </p:pic>
+      </p:grpSp>
     </p:spTree>
   </p:cSld>
   <p:clrMapOvr>
@@ -10569,7 +7165,7 @@
   <p:cSld>
     <p:spTree>
       <p:nvGrpSpPr>
-        <p:cNvPr id="82" name="Shape 82"/>
+        <p:cNvPr id="41" name="Shape 41"/>
         <p:cNvGrpSpPr/>
         <p:nvPr/>
       </p:nvGrpSpPr>
@@ -10583,7 +7179,7 @@
       </p:grpSpPr>
       <p:sp>
         <p:nvSpPr>
-          <p:cNvPr id="83" name="Google Shape;83;p14"/>
+          <p:cNvPr id="42" name="Google Shape;42;p4"/>
           <p:cNvSpPr/>
           <p:nvPr/>
         </p:nvSpPr>
@@ -10634,10 +7230,10 @@
       </p:sp>
       <p:sp>
         <p:nvSpPr>
-          <p:cNvPr id="84" name="Google Shape;84;p14"/>
+          <p:cNvPr id="43" name="Google Shape;43;p4"/>
           <p:cNvSpPr txBox="1"/>
           <p:nvPr>
-            <p:ph idx="1" type="body"/>
+            <p:ph idx="4294967295" type="body"/>
           </p:nvPr>
         </p:nvSpPr>
         <p:spPr>
@@ -11462,7 +8058,7 @@
       </p:sp>
       <p:sp>
         <p:nvSpPr>
-          <p:cNvPr id="85" name="Google Shape;85;p14"/>
+          <p:cNvPr id="44" name="Google Shape;44;p4"/>
           <p:cNvSpPr txBox="1"/>
           <p:nvPr/>
         </p:nvSpPr>
@@ -11520,7 +8116,7 @@
       </p:sp>
       <p:sp>
         <p:nvSpPr>
-          <p:cNvPr id="86" name="Google Shape;86;p14"/>
+          <p:cNvPr id="45" name="Google Shape;45;p4"/>
           <p:cNvSpPr txBox="1"/>
           <p:nvPr/>
         </p:nvSpPr>
@@ -11784,10 +8380,10 @@
       </p:sp>
       <p:sp>
         <p:nvSpPr>
-          <p:cNvPr id="87" name="Google Shape;87;p14"/>
+          <p:cNvPr id="46" name="Google Shape;46;p4"/>
           <p:cNvSpPr txBox="1"/>
           <p:nvPr>
-            <p:ph idx="1" type="body"/>
+            <p:ph idx="4294967295" type="body"/>
           </p:nvPr>
         </p:nvSpPr>
         <p:spPr>
@@ -12282,7 +8878,7 @@
       </p:sp>
       <p:sp>
         <p:nvSpPr>
-          <p:cNvPr id="88" name="Google Shape;88;p14"/>
+          <p:cNvPr id="47" name="Google Shape;47;p4"/>
           <p:cNvSpPr txBox="1"/>
           <p:nvPr>
             <p:ph type="title"/>
@@ -12440,301 +9036,9 @@
           </a:p>
         </p:txBody>
       </p:sp>
-      <p:grpSp>
-        <p:nvGrpSpPr>
-          <p:cNvPr id="89" name="Google Shape;89;p14"/>
-          <p:cNvGrpSpPr/>
-          <p:nvPr/>
-        </p:nvGrpSpPr>
-        <p:grpSpPr>
-          <a:xfrm>
-            <a:off x="0" y="7094781"/>
-            <a:ext cx="10692000" cy="465069"/>
-            <a:chOff x="0" y="7094781"/>
-            <a:chExt cx="10692000" cy="465069"/>
-          </a:xfrm>
-        </p:grpSpPr>
-        <p:sp>
-          <p:nvSpPr>
-            <p:cNvPr id="90" name="Google Shape;90;p14"/>
-            <p:cNvSpPr/>
-            <p:nvPr/>
-          </p:nvSpPr>
-          <p:spPr>
-            <a:xfrm>
-              <a:off x="0" y="7094850"/>
-              <a:ext cx="10692000" cy="465000"/>
-            </a:xfrm>
-            <a:prstGeom prst="rect">
-              <a:avLst/>
-            </a:prstGeom>
-            <a:solidFill>
-              <a:srgbClr val="FFFFFF"/>
-            </a:solidFill>
-            <a:ln>
-              <a:noFill/>
-            </a:ln>
-          </p:spPr>
-          <p:txBody>
-            <a:bodyPr anchorCtr="0" anchor="ctr" bIns="91425" lIns="91425" spcFirstLastPara="1" rIns="91425" wrap="square" tIns="91425">
-              <a:noAutofit/>
-            </a:bodyPr>
-            <a:lstStyle/>
-            <a:p>
-              <a:pPr indent="0" lvl="0" marL="0" rtl="0" algn="l">
-                <a:spcBef>
-                  <a:spcPts val="0"/>
-                </a:spcBef>
-                <a:spcAft>
-                  <a:spcPts val="0"/>
-                </a:spcAft>
-                <a:buNone/>
-              </a:pPr>
-              <a:r>
-                <a:t/>
-              </a:r>
-              <a:endParaRPr/>
-            </a:p>
-          </p:txBody>
-        </p:sp>
-        <p:sp>
-          <p:nvSpPr>
-            <p:cNvPr id="91" name="Google Shape;91;p14"/>
-            <p:cNvSpPr txBox="1"/>
-            <p:nvPr/>
-          </p:nvSpPr>
-          <p:spPr>
-            <a:xfrm>
-              <a:off x="514889" y="7198197"/>
-              <a:ext cx="4216500" cy="266400"/>
-            </a:xfrm>
-            <a:prstGeom prst="rect">
-              <a:avLst/>
-            </a:prstGeom>
-            <a:noFill/>
-            <a:ln>
-              <a:noFill/>
-            </a:ln>
-          </p:spPr>
-          <p:txBody>
-            <a:bodyPr anchorCtr="0" anchor="b" bIns="92475" lIns="92475" spcFirstLastPara="1" rIns="92475" wrap="square" tIns="92475">
-              <a:noAutofit/>
-            </a:bodyPr>
-            <a:lstStyle/>
-            <a:p>
-              <a:pPr indent="0" lvl="0" marL="0" rtl="0" algn="l">
-                <a:spcBef>
-                  <a:spcPts val="0"/>
-                </a:spcBef>
-                <a:spcAft>
-                  <a:spcPts val="0"/>
-                </a:spcAft>
-                <a:buNone/>
-              </a:pPr>
-              <a:r>
-                <a:t/>
-              </a:r>
-              <a:endParaRPr b="1" sz="600">
-                <a:solidFill>
-                  <a:srgbClr val="000000"/>
-                </a:solidFill>
-                <a:latin typeface="IBM Plex Sans"/>
-                <a:ea typeface="IBM Plex Sans"/>
-                <a:cs typeface="IBM Plex Sans"/>
-                <a:sym typeface="IBM Plex Sans"/>
-              </a:endParaRPr>
-            </a:p>
-            <a:p>
-              <a:pPr indent="0" lvl="0" marL="0" rtl="0" algn="l">
-                <a:spcBef>
-                  <a:spcPts val="0"/>
-                </a:spcBef>
-                <a:spcAft>
-                  <a:spcPts val="0"/>
-                </a:spcAft>
-                <a:buNone/>
-              </a:pPr>
-              <a:r>
-                <a:t/>
-              </a:r>
-              <a:endParaRPr b="1" sz="600">
-                <a:solidFill>
-                  <a:srgbClr val="000000"/>
-                </a:solidFill>
-                <a:latin typeface="IBM Plex Sans"/>
-                <a:ea typeface="IBM Plex Sans"/>
-                <a:cs typeface="IBM Plex Sans"/>
-                <a:sym typeface="IBM Plex Sans"/>
-              </a:endParaRPr>
-            </a:p>
-            <a:p>
-              <a:pPr indent="0" lvl="0" marL="0" rtl="0" algn="l">
-                <a:spcBef>
-                  <a:spcPts val="0"/>
-                </a:spcBef>
-                <a:spcAft>
-                  <a:spcPts val="0"/>
-                </a:spcAft>
-                <a:buNone/>
-              </a:pPr>
-              <a:r>
-                <a:t/>
-              </a:r>
-              <a:endParaRPr b="1" sz="600">
-                <a:solidFill>
-                  <a:srgbClr val="000000"/>
-                </a:solidFill>
-                <a:latin typeface="IBM Plex Sans"/>
-                <a:ea typeface="IBM Plex Sans"/>
-                <a:cs typeface="IBM Plex Sans"/>
-                <a:sym typeface="IBM Plex Sans"/>
-              </a:endParaRPr>
-            </a:p>
-            <a:p>
-              <a:pPr indent="0" lvl="0" marL="0" rtl="0" algn="l">
-                <a:spcBef>
-                  <a:spcPts val="0"/>
-                </a:spcBef>
-                <a:spcAft>
-                  <a:spcPts val="0"/>
-                </a:spcAft>
-                <a:buNone/>
-              </a:pPr>
-              <a:r>
-                <a:rPr b="1" lang="en" sz="600">
-                  <a:latin typeface="IBM Plex Sans"/>
-                  <a:ea typeface="IBM Plex Sans"/>
-                  <a:cs typeface="IBM Plex Sans"/>
-                  <a:sym typeface="IBM Plex Sans"/>
-                </a:rPr>
-                <a:t>FINANCIAL INNOVATION LAB</a:t>
-              </a:r>
-              <a:r>
-                <a:rPr b="1" lang="en" sz="600">
-                  <a:solidFill>
-                    <a:srgbClr val="3C78D8"/>
-                  </a:solidFill>
-                  <a:latin typeface="IBM Plex Sans"/>
-                  <a:ea typeface="IBM Plex Sans"/>
-                  <a:cs typeface="IBM Plex Sans"/>
-                  <a:sym typeface="IBM Plex Sans"/>
-                </a:rPr>
-                <a:t> | BOOTCAMP ONE </a:t>
-              </a:r>
-              <a:endParaRPr b="1" sz="600">
-                <a:solidFill>
-                  <a:srgbClr val="3C78D8"/>
-                </a:solidFill>
-                <a:latin typeface="IBM Plex Sans"/>
-                <a:ea typeface="IBM Plex Sans"/>
-                <a:cs typeface="IBM Plex Sans"/>
-                <a:sym typeface="IBM Plex Sans"/>
-              </a:endParaRPr>
-            </a:p>
-          </p:txBody>
-        </p:sp>
-        <p:grpSp>
-          <p:nvGrpSpPr>
-            <p:cNvPr id="92" name="Google Shape;92;p14"/>
-            <p:cNvGrpSpPr/>
-            <p:nvPr/>
-          </p:nvGrpSpPr>
-          <p:grpSpPr>
-            <a:xfrm>
-              <a:off x="7712143" y="7094781"/>
-              <a:ext cx="2412328" cy="430321"/>
-              <a:chOff x="5831433" y="6857683"/>
-              <a:chExt cx="4631966" cy="815774"/>
-            </a:xfrm>
-          </p:grpSpPr>
-          <p:pic>
-            <p:nvPicPr>
-              <p:cNvPr id="93" name="Google Shape;93;p14"/>
-              <p:cNvPicPr preferRelativeResize="0"/>
-              <p:nvPr/>
-            </p:nvPicPr>
-            <p:blipFill>
-              <a:blip r:embed="rId3">
-                <a:alphaModFix/>
-              </a:blip>
-              <a:stretch>
-                <a:fillRect/>
-              </a:stretch>
-            </p:blipFill>
-            <p:spPr>
-              <a:xfrm>
-                <a:off x="9513825" y="6857683"/>
-                <a:ext cx="949574" cy="815774"/>
-              </a:xfrm>
-              <a:prstGeom prst="rect">
-                <a:avLst/>
-              </a:prstGeom>
-              <a:noFill/>
-              <a:ln>
-                <a:noFill/>
-              </a:ln>
-            </p:spPr>
-          </p:pic>
-          <p:pic>
-            <p:nvPicPr>
-              <p:cNvPr id="94" name="Google Shape;94;p14"/>
-              <p:cNvPicPr preferRelativeResize="0"/>
-              <p:nvPr/>
-            </p:nvPicPr>
-            <p:blipFill>
-              <a:blip r:embed="rId4">
-                <a:alphaModFix/>
-              </a:blip>
-              <a:stretch>
-                <a:fillRect/>
-              </a:stretch>
-            </p:blipFill>
-            <p:spPr>
-              <a:xfrm>
-                <a:off x="5831433" y="7117645"/>
-                <a:ext cx="1933325" cy="446407"/>
-              </a:xfrm>
-              <a:prstGeom prst="rect">
-                <a:avLst/>
-              </a:prstGeom>
-              <a:noFill/>
-              <a:ln>
-                <a:noFill/>
-              </a:ln>
-            </p:spPr>
-          </p:pic>
-          <p:pic>
-            <p:nvPicPr>
-              <p:cNvPr id="95" name="Google Shape;95;p14"/>
-              <p:cNvPicPr preferRelativeResize="0"/>
-              <p:nvPr/>
-            </p:nvPicPr>
-            <p:blipFill rotWithShape="1">
-              <a:blip r:embed="rId5">
-                <a:alphaModFix/>
-              </a:blip>
-              <a:srcRect b="23935" l="18913" r="10250" t="28704"/>
-              <a:stretch/>
-            </p:blipFill>
-            <p:spPr>
-              <a:xfrm>
-                <a:off x="8144179" y="7097827"/>
-                <a:ext cx="990224" cy="393901"/>
-              </a:xfrm>
-              <a:prstGeom prst="rect">
-                <a:avLst/>
-              </a:prstGeom>
-              <a:noFill/>
-              <a:ln>
-                <a:noFill/>
-              </a:ln>
-            </p:spPr>
-          </p:pic>
-        </p:grpSp>
-      </p:grpSp>
       <p:sp>
         <p:nvSpPr>
-          <p:cNvPr id="96" name="Google Shape;96;p14"/>
+          <p:cNvPr id="48" name="Google Shape;48;p4"/>
           <p:cNvSpPr/>
           <p:nvPr/>
         </p:nvSpPr>
@@ -12779,6 +9083,259 @@
           </a:p>
         </p:txBody>
       </p:sp>
+      <p:grpSp>
+        <p:nvGrpSpPr>
+          <p:cNvPr id="49" name="Google Shape;49;p4"/>
+          <p:cNvGrpSpPr/>
+          <p:nvPr/>
+        </p:nvGrpSpPr>
+        <p:grpSpPr>
+          <a:xfrm>
+            <a:off x="0" y="7094781"/>
+            <a:ext cx="10692000" cy="465069"/>
+            <a:chOff x="0" y="7094781"/>
+            <a:chExt cx="10692000" cy="465069"/>
+          </a:xfrm>
+        </p:grpSpPr>
+        <p:grpSp>
+          <p:nvGrpSpPr>
+            <p:cNvPr id="50" name="Google Shape;50;p4"/>
+            <p:cNvGrpSpPr/>
+            <p:nvPr/>
+          </p:nvGrpSpPr>
+          <p:grpSpPr>
+            <a:xfrm>
+              <a:off x="0" y="7094781"/>
+              <a:ext cx="10692000" cy="465069"/>
+              <a:chOff x="0" y="7094781"/>
+              <a:chExt cx="10692000" cy="465069"/>
+            </a:xfrm>
+          </p:grpSpPr>
+          <p:sp>
+            <p:nvSpPr>
+              <p:cNvPr id="51" name="Google Shape;51;p4"/>
+              <p:cNvSpPr/>
+              <p:nvPr/>
+            </p:nvSpPr>
+            <p:spPr>
+              <a:xfrm>
+                <a:off x="0" y="7094850"/>
+                <a:ext cx="10692000" cy="465000"/>
+              </a:xfrm>
+              <a:prstGeom prst="rect">
+                <a:avLst/>
+              </a:prstGeom>
+              <a:solidFill>
+                <a:srgbClr val="FFFFFF"/>
+              </a:solidFill>
+              <a:ln>
+                <a:noFill/>
+              </a:ln>
+            </p:spPr>
+            <p:txBody>
+              <a:bodyPr anchorCtr="0" anchor="ctr" bIns="91425" lIns="91425" spcFirstLastPara="1" rIns="91425" wrap="square" tIns="91425">
+                <a:noAutofit/>
+              </a:bodyPr>
+              <a:lstStyle/>
+              <a:p>
+                <a:pPr indent="0" lvl="0" marL="0" rtl="0" algn="l">
+                  <a:spcBef>
+                    <a:spcPts val="0"/>
+                  </a:spcBef>
+                  <a:spcAft>
+                    <a:spcPts val="0"/>
+                  </a:spcAft>
+                  <a:buNone/>
+                </a:pPr>
+                <a:r>
+                  <a:t/>
+                </a:r>
+                <a:endParaRPr/>
+              </a:p>
+            </p:txBody>
+          </p:sp>
+          <p:sp>
+            <p:nvSpPr>
+              <p:cNvPr id="52" name="Google Shape;52;p4"/>
+              <p:cNvSpPr txBox="1"/>
+              <p:nvPr/>
+            </p:nvSpPr>
+            <p:spPr>
+              <a:xfrm>
+                <a:off x="514889" y="7198197"/>
+                <a:ext cx="4216500" cy="266400"/>
+              </a:xfrm>
+              <a:prstGeom prst="rect">
+                <a:avLst/>
+              </a:prstGeom>
+              <a:noFill/>
+              <a:ln>
+                <a:noFill/>
+              </a:ln>
+            </p:spPr>
+            <p:txBody>
+              <a:bodyPr anchorCtr="0" anchor="b" bIns="92475" lIns="92475" spcFirstLastPara="1" rIns="92475" wrap="square" tIns="92475">
+                <a:noAutofit/>
+              </a:bodyPr>
+              <a:lstStyle/>
+              <a:p>
+                <a:pPr indent="0" lvl="0" marL="0" rtl="0" algn="l">
+                  <a:spcBef>
+                    <a:spcPts val="0"/>
+                  </a:spcBef>
+                  <a:spcAft>
+                    <a:spcPts val="0"/>
+                  </a:spcAft>
+                  <a:buNone/>
+                </a:pPr>
+                <a:r>
+                  <a:t/>
+                </a:r>
+                <a:endParaRPr b="1" sz="600">
+                  <a:solidFill>
+                    <a:srgbClr val="000000"/>
+                  </a:solidFill>
+                  <a:latin typeface="IBM Plex Sans"/>
+                  <a:ea typeface="IBM Plex Sans"/>
+                  <a:cs typeface="IBM Plex Sans"/>
+                  <a:sym typeface="IBM Plex Sans"/>
+                </a:endParaRPr>
+              </a:p>
+              <a:p>
+                <a:pPr indent="0" lvl="0" marL="0" rtl="0" algn="l">
+                  <a:spcBef>
+                    <a:spcPts val="0"/>
+                  </a:spcBef>
+                  <a:spcAft>
+                    <a:spcPts val="0"/>
+                  </a:spcAft>
+                  <a:buNone/>
+                </a:pPr>
+                <a:r>
+                  <a:t/>
+                </a:r>
+                <a:endParaRPr b="1" sz="600">
+                  <a:solidFill>
+                    <a:srgbClr val="000000"/>
+                  </a:solidFill>
+                  <a:latin typeface="IBM Plex Sans"/>
+                  <a:ea typeface="IBM Plex Sans"/>
+                  <a:cs typeface="IBM Plex Sans"/>
+                  <a:sym typeface="IBM Plex Sans"/>
+                </a:endParaRPr>
+              </a:p>
+              <a:p>
+                <a:pPr indent="0" lvl="0" marL="0" rtl="0" algn="l">
+                  <a:spcBef>
+                    <a:spcPts val="0"/>
+                  </a:spcBef>
+                  <a:spcAft>
+                    <a:spcPts val="0"/>
+                  </a:spcAft>
+                  <a:buNone/>
+                </a:pPr>
+                <a:r>
+                  <a:t/>
+                </a:r>
+                <a:endParaRPr b="1" sz="600">
+                  <a:solidFill>
+                    <a:srgbClr val="000000"/>
+                  </a:solidFill>
+                  <a:latin typeface="IBM Plex Sans"/>
+                  <a:ea typeface="IBM Plex Sans"/>
+                  <a:cs typeface="IBM Plex Sans"/>
+                  <a:sym typeface="IBM Plex Sans"/>
+                </a:endParaRPr>
+              </a:p>
+              <a:p>
+                <a:pPr indent="0" lvl="0" marL="0" rtl="0" algn="l">
+                  <a:spcBef>
+                    <a:spcPts val="0"/>
+                  </a:spcBef>
+                  <a:spcAft>
+                    <a:spcPts val="0"/>
+                  </a:spcAft>
+                  <a:buNone/>
+                </a:pPr>
+                <a:r>
+                  <a:rPr b="1" lang="en" sz="600">
+                    <a:latin typeface="IBM Plex Sans"/>
+                    <a:ea typeface="IBM Plex Sans"/>
+                    <a:cs typeface="IBM Plex Sans"/>
+                    <a:sym typeface="IBM Plex Sans"/>
+                  </a:rPr>
+                  <a:t>THE FINLAB TOOLKIT</a:t>
+                </a:r>
+                <a:endParaRPr b="1" sz="600">
+                  <a:solidFill>
+                    <a:srgbClr val="3C78D8"/>
+                  </a:solidFill>
+                  <a:latin typeface="IBM Plex Sans"/>
+                  <a:ea typeface="IBM Plex Sans"/>
+                  <a:cs typeface="IBM Plex Sans"/>
+                  <a:sym typeface="IBM Plex Sans"/>
+                </a:endParaRPr>
+              </a:p>
+            </p:txBody>
+          </p:sp>
+          <p:pic>
+            <p:nvPicPr>
+              <p:cNvPr id="53" name="Google Shape;53;p4"/>
+              <p:cNvPicPr preferRelativeResize="0"/>
+              <p:nvPr/>
+            </p:nvPicPr>
+            <p:blipFill>
+              <a:blip r:embed="rId3">
+                <a:alphaModFix/>
+              </a:blip>
+              <a:stretch>
+                <a:fillRect/>
+              </a:stretch>
+            </p:blipFill>
+            <p:spPr>
+              <a:xfrm>
+                <a:off x="9629932" y="7094781"/>
+                <a:ext cx="494539" cy="430321"/>
+              </a:xfrm>
+              <a:prstGeom prst="rect">
+                <a:avLst/>
+              </a:prstGeom>
+              <a:noFill/>
+              <a:ln>
+                <a:noFill/>
+              </a:ln>
+            </p:spPr>
+          </p:pic>
+        </p:grpSp>
+        <p:pic>
+          <p:nvPicPr>
+            <p:cNvPr id="54" name="Google Shape;54;p4"/>
+            <p:cNvPicPr preferRelativeResize="0"/>
+            <p:nvPr/>
+          </p:nvPicPr>
+          <p:blipFill>
+            <a:blip r:embed="rId4">
+              <a:alphaModFix/>
+            </a:blip>
+            <a:stretch>
+              <a:fillRect/>
+            </a:stretch>
+          </p:blipFill>
+          <p:spPr>
+            <a:xfrm>
+              <a:off x="8553150" y="7165073"/>
+              <a:ext cx="1013800" cy="354000"/>
+            </a:xfrm>
+            <a:prstGeom prst="rect">
+              <a:avLst/>
+            </a:prstGeom>
+            <a:noFill/>
+            <a:ln>
+              <a:noFill/>
+            </a:ln>
+          </p:spPr>
+        </p:pic>
+      </p:grpSp>
     </p:spTree>
   </p:cSld>
   <p:clrMapOvr>
@@ -12792,7 +9349,7 @@
   <p:cSld>
     <p:spTree>
       <p:nvGrpSpPr>
-        <p:cNvPr id="100" name="Shape 100"/>
+        <p:cNvPr id="58" name="Shape 58"/>
         <p:cNvGrpSpPr/>
         <p:nvPr/>
       </p:nvGrpSpPr>
@@ -12806,7 +9363,7 @@
       </p:grpSpPr>
       <p:sp>
         <p:nvSpPr>
-          <p:cNvPr id="101" name="Google Shape;101;p15"/>
+          <p:cNvPr id="59" name="Google Shape;59;p5"/>
           <p:cNvSpPr txBox="1"/>
           <p:nvPr>
             <p:ph type="title"/>
@@ -12968,7 +9525,7 @@
       </p:sp>
       <p:graphicFrame>
         <p:nvGraphicFramePr>
-          <p:cNvPr id="102" name="Google Shape;102;p15"/>
+          <p:cNvPr id="60" name="Google Shape;60;p5"/>
           <p:cNvGraphicFramePr/>
           <p:nvPr/>
         </p:nvGraphicFramePr>
@@ -12981,7 +9538,7 @@
             <a:tbl>
               <a:tblPr>
                 <a:noFill/>
-                <a:tableStyleId>{A1C9A3DD-49EA-4D14-B645-E81157C544DA}</a:tableStyleId>
+                <a:tableStyleId>{7A87DDAE-5AD1-4B94-A92F-872672630F34}</a:tableStyleId>
               </a:tblPr>
               <a:tblGrid>
                 <a:gridCol w="2178100"/>
@@ -15524,7 +12081,7 @@
       </p:graphicFrame>
       <p:grpSp>
         <p:nvGrpSpPr>
-          <p:cNvPr id="103" name="Google Shape;103;p15"/>
+          <p:cNvPr id="61" name="Google Shape;61;p5"/>
           <p:cNvGrpSpPr/>
           <p:nvPr/>
         </p:nvGrpSpPr>
@@ -15536,163 +12093,176 @@
             <a:chExt cx="10692000" cy="465069"/>
           </a:xfrm>
         </p:grpSpPr>
-        <p:sp>
-          <p:nvSpPr>
-            <p:cNvPr id="104" name="Google Shape;104;p15"/>
-            <p:cNvSpPr/>
+        <p:grpSp>
+          <p:nvGrpSpPr>
+            <p:cNvPr id="62" name="Google Shape;62;p5"/>
+            <p:cNvGrpSpPr/>
             <p:nvPr/>
-          </p:nvSpPr>
-          <p:spPr>
+          </p:nvGrpSpPr>
+          <p:grpSpPr>
             <a:xfrm>
-              <a:off x="0" y="7094850"/>
-              <a:ext cx="10692000" cy="465000"/>
+              <a:off x="0" y="7094781"/>
+              <a:ext cx="10692000" cy="465069"/>
+              <a:chOff x="0" y="7094781"/>
+              <a:chExt cx="10692000" cy="465069"/>
             </a:xfrm>
-            <a:prstGeom prst="rect">
-              <a:avLst/>
-            </a:prstGeom>
-            <a:solidFill>
-              <a:srgbClr val="FFFFFF"/>
-            </a:solidFill>
-            <a:ln>
+          </p:grpSpPr>
+          <p:sp>
+            <p:nvSpPr>
+              <p:cNvPr id="63" name="Google Shape;63;p5"/>
+              <p:cNvSpPr/>
+              <p:nvPr/>
+            </p:nvSpPr>
+            <p:spPr>
+              <a:xfrm>
+                <a:off x="0" y="7094850"/>
+                <a:ext cx="10692000" cy="465000"/>
+              </a:xfrm>
+              <a:prstGeom prst="rect">
+                <a:avLst/>
+              </a:prstGeom>
+              <a:solidFill>
+                <a:srgbClr val="FFFFFF"/>
+              </a:solidFill>
+              <a:ln>
+                <a:noFill/>
+              </a:ln>
+            </p:spPr>
+            <p:txBody>
+              <a:bodyPr anchorCtr="0" anchor="ctr" bIns="91425" lIns="91425" spcFirstLastPara="1" rIns="91425" wrap="square" tIns="91425">
+                <a:noAutofit/>
+              </a:bodyPr>
+              <a:lstStyle/>
+              <a:p>
+                <a:pPr indent="0" lvl="0" marL="0" rtl="0" algn="l">
+                  <a:spcBef>
+                    <a:spcPts val="0"/>
+                  </a:spcBef>
+                  <a:spcAft>
+                    <a:spcPts val="0"/>
+                  </a:spcAft>
+                  <a:buNone/>
+                </a:pPr>
+                <a:r>
+                  <a:t/>
+                </a:r>
+                <a:endParaRPr/>
+              </a:p>
+            </p:txBody>
+          </p:sp>
+          <p:sp>
+            <p:nvSpPr>
+              <p:cNvPr id="64" name="Google Shape;64;p5"/>
+              <p:cNvSpPr txBox="1"/>
+              <p:nvPr/>
+            </p:nvSpPr>
+            <p:spPr>
+              <a:xfrm>
+                <a:off x="514889" y="7198197"/>
+                <a:ext cx="4216500" cy="266400"/>
+              </a:xfrm>
+              <a:prstGeom prst="rect">
+                <a:avLst/>
+              </a:prstGeom>
               <a:noFill/>
-            </a:ln>
-          </p:spPr>
-          <p:txBody>
-            <a:bodyPr anchorCtr="0" anchor="ctr" bIns="91425" lIns="91425" spcFirstLastPara="1" rIns="91425" wrap="square" tIns="91425">
-              <a:noAutofit/>
-            </a:bodyPr>
-            <a:lstStyle/>
-            <a:p>
-              <a:pPr indent="0" lvl="0" marL="0" rtl="0" algn="l">
-                <a:spcBef>
-                  <a:spcPts val="0"/>
-                </a:spcBef>
-                <a:spcAft>
-                  <a:spcPts val="0"/>
-                </a:spcAft>
-                <a:buNone/>
-              </a:pPr>
-              <a:r>
-                <a:t/>
-              </a:r>
-              <a:endParaRPr/>
-            </a:p>
-          </p:txBody>
-        </p:sp>
-        <p:sp>
-          <p:nvSpPr>
-            <p:cNvPr id="105" name="Google Shape;105;p15"/>
-            <p:cNvSpPr txBox="1"/>
-            <p:nvPr/>
-          </p:nvSpPr>
-          <p:spPr>
-            <a:xfrm>
-              <a:off x="514889" y="7198197"/>
-              <a:ext cx="4216500" cy="266400"/>
-            </a:xfrm>
-            <a:prstGeom prst="rect">
-              <a:avLst/>
-            </a:prstGeom>
-            <a:noFill/>
-            <a:ln>
-              <a:noFill/>
-            </a:ln>
-          </p:spPr>
-          <p:txBody>
-            <a:bodyPr anchorCtr="0" anchor="b" bIns="92475" lIns="92475" spcFirstLastPara="1" rIns="92475" wrap="square" tIns="92475">
-              <a:noAutofit/>
-            </a:bodyPr>
-            <a:lstStyle/>
-            <a:p>
-              <a:pPr indent="0" lvl="0" marL="0" rtl="0" algn="l">
-                <a:spcBef>
-                  <a:spcPts val="0"/>
-                </a:spcBef>
-                <a:spcAft>
-                  <a:spcPts val="0"/>
-                </a:spcAft>
-                <a:buNone/>
-              </a:pPr>
-              <a:r>
-                <a:t/>
-              </a:r>
-              <a:endParaRPr b="1" sz="600">
-                <a:solidFill>
-                  <a:srgbClr val="000000"/>
-                </a:solidFill>
-                <a:latin typeface="IBM Plex Sans"/>
-                <a:ea typeface="IBM Plex Sans"/>
-                <a:cs typeface="IBM Plex Sans"/>
-                <a:sym typeface="IBM Plex Sans"/>
-              </a:endParaRPr>
-            </a:p>
-            <a:p>
-              <a:pPr indent="0" lvl="0" marL="0" rtl="0" algn="l">
-                <a:spcBef>
-                  <a:spcPts val="0"/>
-                </a:spcBef>
-                <a:spcAft>
-                  <a:spcPts val="0"/>
-                </a:spcAft>
-                <a:buNone/>
-              </a:pPr>
-              <a:r>
-                <a:t/>
-              </a:r>
-              <a:endParaRPr b="1" sz="600">
-                <a:solidFill>
-                  <a:srgbClr val="000000"/>
-                </a:solidFill>
-                <a:latin typeface="IBM Plex Sans"/>
-                <a:ea typeface="IBM Plex Sans"/>
-                <a:cs typeface="IBM Plex Sans"/>
-                <a:sym typeface="IBM Plex Sans"/>
-              </a:endParaRPr>
-            </a:p>
-            <a:p>
-              <a:pPr indent="0" lvl="0" marL="0" rtl="0" algn="l">
-                <a:spcBef>
-                  <a:spcPts val="0"/>
-                </a:spcBef>
-                <a:spcAft>
-                  <a:spcPts val="0"/>
-                </a:spcAft>
-                <a:buNone/>
-              </a:pPr>
-              <a:r>
-                <a:t/>
-              </a:r>
-              <a:endParaRPr b="1" sz="600">
-                <a:solidFill>
-                  <a:srgbClr val="000000"/>
-                </a:solidFill>
-                <a:latin typeface="IBM Plex Sans"/>
-                <a:ea typeface="IBM Plex Sans"/>
-                <a:cs typeface="IBM Plex Sans"/>
-                <a:sym typeface="IBM Plex Sans"/>
-              </a:endParaRPr>
-            </a:p>
-            <a:p>
-              <a:pPr indent="0" lvl="0" marL="0" rtl="0" algn="l">
-                <a:spcBef>
-                  <a:spcPts val="0"/>
-                </a:spcBef>
-                <a:spcAft>
-                  <a:spcPts val="0"/>
-                </a:spcAft>
-                <a:buNone/>
-              </a:pPr>
-              <a:r>
-                <a:rPr b="1" lang="en" sz="600">
+              <a:ln>
+                <a:noFill/>
+              </a:ln>
+            </p:spPr>
+            <p:txBody>
+              <a:bodyPr anchorCtr="0" anchor="b" bIns="92475" lIns="92475" spcFirstLastPara="1" rIns="92475" wrap="square" tIns="92475">
+                <a:noAutofit/>
+              </a:bodyPr>
+              <a:lstStyle/>
+              <a:p>
+                <a:pPr indent="0" lvl="0" marL="0" rtl="0" algn="l">
+                  <a:spcBef>
+                    <a:spcPts val="0"/>
+                  </a:spcBef>
+                  <a:spcAft>
+                    <a:spcPts val="0"/>
+                  </a:spcAft>
+                  <a:buNone/>
+                </a:pPr>
+                <a:r>
+                  <a:t/>
+                </a:r>
+                <a:endParaRPr b="1" sz="600">
+                  <a:solidFill>
+                    <a:srgbClr val="000000"/>
+                  </a:solidFill>
                   <a:latin typeface="IBM Plex Sans"/>
                   <a:ea typeface="IBM Plex Sans"/>
                   <a:cs typeface="IBM Plex Sans"/>
                   <a:sym typeface="IBM Plex Sans"/>
-                </a:rPr>
-                <a:t>FINANCIAL INNOVATION LAB</a:t>
-              </a:r>
-              <a:r>
-                <a:rPr b="1" lang="en" sz="600">
+                </a:endParaRPr>
+              </a:p>
+              <a:p>
+                <a:pPr indent="0" lvl="0" marL="0" rtl="0" algn="l">
+                  <a:spcBef>
+                    <a:spcPts val="0"/>
+                  </a:spcBef>
+                  <a:spcAft>
+                    <a:spcPts val="0"/>
+                  </a:spcAft>
+                  <a:buNone/>
+                </a:pPr>
+                <a:r>
+                  <a:t/>
+                </a:r>
+                <a:endParaRPr b="1" sz="600">
+                  <a:solidFill>
+                    <a:srgbClr val="000000"/>
+                  </a:solidFill>
+                  <a:latin typeface="IBM Plex Sans"/>
+                  <a:ea typeface="IBM Plex Sans"/>
+                  <a:cs typeface="IBM Plex Sans"/>
+                  <a:sym typeface="IBM Plex Sans"/>
+                </a:endParaRPr>
+              </a:p>
+              <a:p>
+                <a:pPr indent="0" lvl="0" marL="0" rtl="0" algn="l">
+                  <a:spcBef>
+                    <a:spcPts val="0"/>
+                  </a:spcBef>
+                  <a:spcAft>
+                    <a:spcPts val="0"/>
+                  </a:spcAft>
+                  <a:buNone/>
+                </a:pPr>
+                <a:r>
+                  <a:t/>
+                </a:r>
+                <a:endParaRPr b="1" sz="600">
+                  <a:solidFill>
+                    <a:srgbClr val="000000"/>
+                  </a:solidFill>
+                  <a:latin typeface="IBM Plex Sans"/>
+                  <a:ea typeface="IBM Plex Sans"/>
+                  <a:cs typeface="IBM Plex Sans"/>
+                  <a:sym typeface="IBM Plex Sans"/>
+                </a:endParaRPr>
+              </a:p>
+              <a:p>
+                <a:pPr indent="0" lvl="0" marL="0" rtl="0" algn="l">
+                  <a:spcBef>
+                    <a:spcPts val="0"/>
+                  </a:spcBef>
+                  <a:spcAft>
+                    <a:spcPts val="0"/>
+                  </a:spcAft>
+                  <a:buNone/>
+                </a:pPr>
+                <a:r>
+                  <a:rPr b="1" lang="en" sz="600">
+                    <a:latin typeface="IBM Plex Sans"/>
+                    <a:ea typeface="IBM Plex Sans"/>
+                    <a:cs typeface="IBM Plex Sans"/>
+                    <a:sym typeface="IBM Plex Sans"/>
+                  </a:rPr>
+                  <a:t>THE FINLAB TOOLKIT</a:t>
+                </a:r>
+                <a:endParaRPr b="1" sz="600">
                   <a:solidFill>
                     <a:srgbClr val="3C78D8"/>
                   </a:solidFill>
@@ -15700,38 +12270,13 @@
                   <a:ea typeface="IBM Plex Sans"/>
                   <a:cs typeface="IBM Plex Sans"/>
                   <a:sym typeface="IBM Plex Sans"/>
-                </a:rPr>
-                <a:t> | BOOTCAMP ONE </a:t>
-              </a:r>
-              <a:endParaRPr b="1" sz="600">
-                <a:solidFill>
-                  <a:srgbClr val="3C78D8"/>
-                </a:solidFill>
-                <a:latin typeface="IBM Plex Sans"/>
-                <a:ea typeface="IBM Plex Sans"/>
-                <a:cs typeface="IBM Plex Sans"/>
-                <a:sym typeface="IBM Plex Sans"/>
-              </a:endParaRPr>
-            </a:p>
-          </p:txBody>
-        </p:sp>
-        <p:grpSp>
-          <p:nvGrpSpPr>
-            <p:cNvPr id="106" name="Google Shape;106;p15"/>
-            <p:cNvGrpSpPr/>
-            <p:nvPr/>
-          </p:nvGrpSpPr>
-          <p:grpSpPr>
-            <a:xfrm>
-              <a:off x="7712143" y="7094781"/>
-              <a:ext cx="2412328" cy="430321"/>
-              <a:chOff x="5831433" y="6857683"/>
-              <a:chExt cx="4631966" cy="815774"/>
-            </a:xfrm>
-          </p:grpSpPr>
+                </a:endParaRPr>
+              </a:p>
+            </p:txBody>
+          </p:sp>
           <p:pic>
             <p:nvPicPr>
-              <p:cNvPr id="107" name="Google Shape;107;p15"/>
+              <p:cNvPr id="65" name="Google Shape;65;p5"/>
               <p:cNvPicPr preferRelativeResize="0"/>
               <p:nvPr/>
             </p:nvPicPr>
@@ -15745,63 +12290,8 @@
             </p:blipFill>
             <p:spPr>
               <a:xfrm>
-                <a:off x="9513825" y="6857683"/>
-                <a:ext cx="949574" cy="815774"/>
-              </a:xfrm>
-              <a:prstGeom prst="rect">
-                <a:avLst/>
-              </a:prstGeom>
-              <a:noFill/>
-              <a:ln>
-                <a:noFill/>
-              </a:ln>
-            </p:spPr>
-          </p:pic>
-          <p:pic>
-            <p:nvPicPr>
-              <p:cNvPr id="108" name="Google Shape;108;p15"/>
-              <p:cNvPicPr preferRelativeResize="0"/>
-              <p:nvPr/>
-            </p:nvPicPr>
-            <p:blipFill>
-              <a:blip r:embed="rId4">
-                <a:alphaModFix/>
-              </a:blip>
-              <a:stretch>
-                <a:fillRect/>
-              </a:stretch>
-            </p:blipFill>
-            <p:spPr>
-              <a:xfrm>
-                <a:off x="5831433" y="7117645"/>
-                <a:ext cx="1933325" cy="446407"/>
-              </a:xfrm>
-              <a:prstGeom prst="rect">
-                <a:avLst/>
-              </a:prstGeom>
-              <a:noFill/>
-              <a:ln>
-                <a:noFill/>
-              </a:ln>
-            </p:spPr>
-          </p:pic>
-          <p:pic>
-            <p:nvPicPr>
-              <p:cNvPr id="109" name="Google Shape;109;p15"/>
-              <p:cNvPicPr preferRelativeResize="0"/>
-              <p:nvPr/>
-            </p:nvPicPr>
-            <p:blipFill rotWithShape="1">
-              <a:blip r:embed="rId5">
-                <a:alphaModFix/>
-              </a:blip>
-              <a:srcRect b="23935" l="18913" r="10250" t="28704"/>
-              <a:stretch/>
-            </p:blipFill>
-            <p:spPr>
-              <a:xfrm>
-                <a:off x="8144179" y="7097827"/>
-                <a:ext cx="990224" cy="393901"/>
+                <a:off x="9629932" y="7094781"/>
+                <a:ext cx="494539" cy="430321"/>
               </a:xfrm>
               <a:prstGeom prst="rect">
                 <a:avLst/>
@@ -15813,6 +12303,34 @@
             </p:spPr>
           </p:pic>
         </p:grpSp>
+        <p:pic>
+          <p:nvPicPr>
+            <p:cNvPr id="66" name="Google Shape;66;p5"/>
+            <p:cNvPicPr preferRelativeResize="0"/>
+            <p:nvPr/>
+          </p:nvPicPr>
+          <p:blipFill>
+            <a:blip r:embed="rId4">
+              <a:alphaModFix/>
+            </a:blip>
+            <a:stretch>
+              <a:fillRect/>
+            </a:stretch>
+          </p:blipFill>
+          <p:spPr>
+            <a:xfrm>
+              <a:off x="8553150" y="7165073"/>
+              <a:ext cx="1013800" cy="354000"/>
+            </a:xfrm>
+            <a:prstGeom prst="rect">
+              <a:avLst/>
+            </a:prstGeom>
+            <a:noFill/>
+            <a:ln>
+              <a:noFill/>
+            </a:ln>
+          </p:spPr>
+        </p:pic>
       </p:grpSp>
     </p:spTree>
   </p:cSld>
@@ -15827,7 +12345,7 @@
   <p:cSld>
     <p:spTree>
       <p:nvGrpSpPr>
-        <p:cNvPr id="113" name="Shape 113"/>
+        <p:cNvPr id="70" name="Shape 70"/>
         <p:cNvGrpSpPr/>
         <p:nvPr/>
       </p:nvGrpSpPr>
@@ -15841,7 +12359,7 @@
       </p:grpSpPr>
       <p:sp>
         <p:nvSpPr>
-          <p:cNvPr id="114" name="Google Shape;114;p16"/>
+          <p:cNvPr id="71" name="Google Shape;71;p6"/>
           <p:cNvSpPr txBox="1"/>
           <p:nvPr>
             <p:ph type="title"/>
@@ -16001,306 +12519,14 @@
           </a:p>
         </p:txBody>
       </p:sp>
-      <p:grpSp>
-        <p:nvGrpSpPr>
-          <p:cNvPr id="115" name="Google Shape;115;p16"/>
-          <p:cNvGrpSpPr/>
-          <p:nvPr/>
-        </p:nvGrpSpPr>
-        <p:grpSpPr>
-          <a:xfrm>
-            <a:off x="0" y="7094781"/>
-            <a:ext cx="10692000" cy="465069"/>
-            <a:chOff x="0" y="7094781"/>
-            <a:chExt cx="10692000" cy="465069"/>
-          </a:xfrm>
-        </p:grpSpPr>
-        <p:sp>
-          <p:nvSpPr>
-            <p:cNvPr id="116" name="Google Shape;116;p16"/>
-            <p:cNvSpPr/>
-            <p:nvPr/>
-          </p:nvSpPr>
-          <p:spPr>
-            <a:xfrm>
-              <a:off x="0" y="7094850"/>
-              <a:ext cx="10692000" cy="465000"/>
-            </a:xfrm>
-            <a:prstGeom prst="rect">
-              <a:avLst/>
-            </a:prstGeom>
-            <a:solidFill>
-              <a:srgbClr val="FFFFFF"/>
-            </a:solidFill>
-            <a:ln>
-              <a:noFill/>
-            </a:ln>
-          </p:spPr>
-          <p:txBody>
-            <a:bodyPr anchorCtr="0" anchor="ctr" bIns="91425" lIns="91425" spcFirstLastPara="1" rIns="91425" wrap="square" tIns="91425">
-              <a:noAutofit/>
-            </a:bodyPr>
-            <a:lstStyle/>
-            <a:p>
-              <a:pPr indent="0" lvl="0" marL="0" rtl="0" algn="l">
-                <a:spcBef>
-                  <a:spcPts val="0"/>
-                </a:spcBef>
-                <a:spcAft>
-                  <a:spcPts val="0"/>
-                </a:spcAft>
-                <a:buNone/>
-              </a:pPr>
-              <a:r>
-                <a:t/>
-              </a:r>
-              <a:endParaRPr/>
-            </a:p>
-          </p:txBody>
-        </p:sp>
-        <p:sp>
-          <p:nvSpPr>
-            <p:cNvPr id="117" name="Google Shape;117;p16"/>
-            <p:cNvSpPr txBox="1"/>
-            <p:nvPr/>
-          </p:nvSpPr>
-          <p:spPr>
-            <a:xfrm>
-              <a:off x="514889" y="7198197"/>
-              <a:ext cx="4216500" cy="266400"/>
-            </a:xfrm>
-            <a:prstGeom prst="rect">
-              <a:avLst/>
-            </a:prstGeom>
-            <a:noFill/>
-            <a:ln>
-              <a:noFill/>
-            </a:ln>
-          </p:spPr>
-          <p:txBody>
-            <a:bodyPr anchorCtr="0" anchor="b" bIns="92475" lIns="92475" spcFirstLastPara="1" rIns="92475" wrap="square" tIns="92475">
-              <a:noAutofit/>
-            </a:bodyPr>
-            <a:lstStyle/>
-            <a:p>
-              <a:pPr indent="0" lvl="0" marL="0" rtl="0" algn="l">
-                <a:spcBef>
-                  <a:spcPts val="0"/>
-                </a:spcBef>
-                <a:spcAft>
-                  <a:spcPts val="0"/>
-                </a:spcAft>
-                <a:buNone/>
-              </a:pPr>
-              <a:r>
-                <a:t/>
-              </a:r>
-              <a:endParaRPr b="1" sz="600">
-                <a:solidFill>
-                  <a:srgbClr val="000000"/>
-                </a:solidFill>
-                <a:latin typeface="IBM Plex Sans"/>
-                <a:ea typeface="IBM Plex Sans"/>
-                <a:cs typeface="IBM Plex Sans"/>
-                <a:sym typeface="IBM Plex Sans"/>
-              </a:endParaRPr>
-            </a:p>
-            <a:p>
-              <a:pPr indent="0" lvl="0" marL="0" rtl="0" algn="l">
-                <a:spcBef>
-                  <a:spcPts val="0"/>
-                </a:spcBef>
-                <a:spcAft>
-                  <a:spcPts val="0"/>
-                </a:spcAft>
-                <a:buNone/>
-              </a:pPr>
-              <a:r>
-                <a:t/>
-              </a:r>
-              <a:endParaRPr b="1" sz="600">
-                <a:solidFill>
-                  <a:srgbClr val="000000"/>
-                </a:solidFill>
-                <a:latin typeface="IBM Plex Sans"/>
-                <a:ea typeface="IBM Plex Sans"/>
-                <a:cs typeface="IBM Plex Sans"/>
-                <a:sym typeface="IBM Plex Sans"/>
-              </a:endParaRPr>
-            </a:p>
-            <a:p>
-              <a:pPr indent="0" lvl="0" marL="0" rtl="0" algn="l">
-                <a:spcBef>
-                  <a:spcPts val="0"/>
-                </a:spcBef>
-                <a:spcAft>
-                  <a:spcPts val="0"/>
-                </a:spcAft>
-                <a:buNone/>
-              </a:pPr>
-              <a:r>
-                <a:t/>
-              </a:r>
-              <a:endParaRPr b="1" sz="600">
-                <a:solidFill>
-                  <a:srgbClr val="000000"/>
-                </a:solidFill>
-                <a:latin typeface="IBM Plex Sans"/>
-                <a:ea typeface="IBM Plex Sans"/>
-                <a:cs typeface="IBM Plex Sans"/>
-                <a:sym typeface="IBM Plex Sans"/>
-              </a:endParaRPr>
-            </a:p>
-            <a:p>
-              <a:pPr indent="0" lvl="0" marL="0" rtl="0" algn="l">
-                <a:spcBef>
-                  <a:spcPts val="0"/>
-                </a:spcBef>
-                <a:spcAft>
-                  <a:spcPts val="0"/>
-                </a:spcAft>
-                <a:buNone/>
-              </a:pPr>
-              <a:r>
-                <a:rPr b="1" lang="en" sz="600">
-                  <a:latin typeface="IBM Plex Sans"/>
-                  <a:ea typeface="IBM Plex Sans"/>
-                  <a:cs typeface="IBM Plex Sans"/>
-                  <a:sym typeface="IBM Plex Sans"/>
-                </a:rPr>
-                <a:t>FINANCIAL INNOVATION LAB</a:t>
-              </a:r>
-              <a:r>
-                <a:rPr b="1" lang="en" sz="600">
-                  <a:solidFill>
-                    <a:srgbClr val="3C78D8"/>
-                  </a:solidFill>
-                  <a:latin typeface="IBM Plex Sans"/>
-                  <a:ea typeface="IBM Plex Sans"/>
-                  <a:cs typeface="IBM Plex Sans"/>
-                  <a:sym typeface="IBM Plex Sans"/>
-                </a:rPr>
-                <a:t> | BOOTCAMP ONE </a:t>
-              </a:r>
-              <a:endParaRPr b="1" sz="600">
-                <a:solidFill>
-                  <a:srgbClr val="3C78D8"/>
-                </a:solidFill>
-                <a:latin typeface="IBM Plex Sans"/>
-                <a:ea typeface="IBM Plex Sans"/>
-                <a:cs typeface="IBM Plex Sans"/>
-                <a:sym typeface="IBM Plex Sans"/>
-              </a:endParaRPr>
-            </a:p>
-          </p:txBody>
-        </p:sp>
-        <p:grpSp>
-          <p:nvGrpSpPr>
-            <p:cNvPr id="118" name="Google Shape;118;p16"/>
-            <p:cNvGrpSpPr/>
-            <p:nvPr/>
-          </p:nvGrpSpPr>
-          <p:grpSpPr>
-            <a:xfrm>
-              <a:off x="7712143" y="7094781"/>
-              <a:ext cx="2412328" cy="430321"/>
-              <a:chOff x="5831433" y="6857683"/>
-              <a:chExt cx="4631966" cy="815774"/>
-            </a:xfrm>
-          </p:grpSpPr>
-          <p:pic>
-            <p:nvPicPr>
-              <p:cNvPr id="119" name="Google Shape;119;p16"/>
-              <p:cNvPicPr preferRelativeResize="0"/>
-              <p:nvPr/>
-            </p:nvPicPr>
-            <p:blipFill>
-              <a:blip r:embed="rId3">
-                <a:alphaModFix/>
-              </a:blip>
-              <a:stretch>
-                <a:fillRect/>
-              </a:stretch>
-            </p:blipFill>
-            <p:spPr>
-              <a:xfrm>
-                <a:off x="9513825" y="6857683"/>
-                <a:ext cx="949574" cy="815774"/>
-              </a:xfrm>
-              <a:prstGeom prst="rect">
-                <a:avLst/>
-              </a:prstGeom>
-              <a:noFill/>
-              <a:ln>
-                <a:noFill/>
-              </a:ln>
-            </p:spPr>
-          </p:pic>
-          <p:pic>
-            <p:nvPicPr>
-              <p:cNvPr id="120" name="Google Shape;120;p16"/>
-              <p:cNvPicPr preferRelativeResize="0"/>
-              <p:nvPr/>
-            </p:nvPicPr>
-            <p:blipFill>
-              <a:blip r:embed="rId4">
-                <a:alphaModFix/>
-              </a:blip>
-              <a:stretch>
-                <a:fillRect/>
-              </a:stretch>
-            </p:blipFill>
-            <p:spPr>
-              <a:xfrm>
-                <a:off x="5831433" y="7117645"/>
-                <a:ext cx="1933325" cy="446407"/>
-              </a:xfrm>
-              <a:prstGeom prst="rect">
-                <a:avLst/>
-              </a:prstGeom>
-              <a:noFill/>
-              <a:ln>
-                <a:noFill/>
-              </a:ln>
-            </p:spPr>
-          </p:pic>
-          <p:pic>
-            <p:nvPicPr>
-              <p:cNvPr id="121" name="Google Shape;121;p16"/>
-              <p:cNvPicPr preferRelativeResize="0"/>
-              <p:nvPr/>
-            </p:nvPicPr>
-            <p:blipFill rotWithShape="1">
-              <a:blip r:embed="rId5">
-                <a:alphaModFix/>
-              </a:blip>
-              <a:srcRect b="23935" l="18913" r="10250" t="28704"/>
-              <a:stretch/>
-            </p:blipFill>
-            <p:spPr>
-              <a:xfrm>
-                <a:off x="8144179" y="7097827"/>
-                <a:ext cx="990224" cy="393901"/>
-              </a:xfrm>
-              <a:prstGeom prst="rect">
-                <a:avLst/>
-              </a:prstGeom>
-              <a:noFill/>
-              <a:ln>
-                <a:noFill/>
-              </a:ln>
-            </p:spPr>
-          </p:pic>
-        </p:grpSp>
-      </p:grpSp>
       <p:pic>
         <p:nvPicPr>
-          <p:cNvPr id="122" name="Google Shape;122;p16"/>
+          <p:cNvPr id="72" name="Google Shape;72;p6"/>
           <p:cNvPicPr preferRelativeResize="0"/>
           <p:nvPr/>
         </p:nvPicPr>
         <p:blipFill>
-          <a:blip r:embed="rId6">
+          <a:blip r:embed="rId3">
             <a:alphaModFix/>
           </a:blip>
           <a:stretch>
@@ -16321,6 +12547,259 @@
           </a:ln>
         </p:spPr>
       </p:pic>
+      <p:grpSp>
+        <p:nvGrpSpPr>
+          <p:cNvPr id="73" name="Google Shape;73;p6"/>
+          <p:cNvGrpSpPr/>
+          <p:nvPr/>
+        </p:nvGrpSpPr>
+        <p:grpSpPr>
+          <a:xfrm>
+            <a:off x="0" y="7094781"/>
+            <a:ext cx="10692000" cy="465069"/>
+            <a:chOff x="0" y="7094781"/>
+            <a:chExt cx="10692000" cy="465069"/>
+          </a:xfrm>
+        </p:grpSpPr>
+        <p:grpSp>
+          <p:nvGrpSpPr>
+            <p:cNvPr id="74" name="Google Shape;74;p6"/>
+            <p:cNvGrpSpPr/>
+            <p:nvPr/>
+          </p:nvGrpSpPr>
+          <p:grpSpPr>
+            <a:xfrm>
+              <a:off x="0" y="7094781"/>
+              <a:ext cx="10692000" cy="465069"/>
+              <a:chOff x="0" y="7094781"/>
+              <a:chExt cx="10692000" cy="465069"/>
+            </a:xfrm>
+          </p:grpSpPr>
+          <p:sp>
+            <p:nvSpPr>
+              <p:cNvPr id="75" name="Google Shape;75;p6"/>
+              <p:cNvSpPr/>
+              <p:nvPr/>
+            </p:nvSpPr>
+            <p:spPr>
+              <a:xfrm>
+                <a:off x="0" y="7094850"/>
+                <a:ext cx="10692000" cy="465000"/>
+              </a:xfrm>
+              <a:prstGeom prst="rect">
+                <a:avLst/>
+              </a:prstGeom>
+              <a:solidFill>
+                <a:srgbClr val="FFFFFF"/>
+              </a:solidFill>
+              <a:ln>
+                <a:noFill/>
+              </a:ln>
+            </p:spPr>
+            <p:txBody>
+              <a:bodyPr anchorCtr="0" anchor="ctr" bIns="91425" lIns="91425" spcFirstLastPara="1" rIns="91425" wrap="square" tIns="91425">
+                <a:noAutofit/>
+              </a:bodyPr>
+              <a:lstStyle/>
+              <a:p>
+                <a:pPr indent="0" lvl="0" marL="0" rtl="0" algn="l">
+                  <a:spcBef>
+                    <a:spcPts val="0"/>
+                  </a:spcBef>
+                  <a:spcAft>
+                    <a:spcPts val="0"/>
+                  </a:spcAft>
+                  <a:buNone/>
+                </a:pPr>
+                <a:r>
+                  <a:t/>
+                </a:r>
+                <a:endParaRPr/>
+              </a:p>
+            </p:txBody>
+          </p:sp>
+          <p:sp>
+            <p:nvSpPr>
+              <p:cNvPr id="76" name="Google Shape;76;p6"/>
+              <p:cNvSpPr txBox="1"/>
+              <p:nvPr/>
+            </p:nvSpPr>
+            <p:spPr>
+              <a:xfrm>
+                <a:off x="514889" y="7198197"/>
+                <a:ext cx="4216500" cy="266400"/>
+              </a:xfrm>
+              <a:prstGeom prst="rect">
+                <a:avLst/>
+              </a:prstGeom>
+              <a:noFill/>
+              <a:ln>
+                <a:noFill/>
+              </a:ln>
+            </p:spPr>
+            <p:txBody>
+              <a:bodyPr anchorCtr="0" anchor="b" bIns="92475" lIns="92475" spcFirstLastPara="1" rIns="92475" wrap="square" tIns="92475">
+                <a:noAutofit/>
+              </a:bodyPr>
+              <a:lstStyle/>
+              <a:p>
+                <a:pPr indent="0" lvl="0" marL="0" rtl="0" algn="l">
+                  <a:spcBef>
+                    <a:spcPts val="0"/>
+                  </a:spcBef>
+                  <a:spcAft>
+                    <a:spcPts val="0"/>
+                  </a:spcAft>
+                  <a:buNone/>
+                </a:pPr>
+                <a:r>
+                  <a:t/>
+                </a:r>
+                <a:endParaRPr b="1" sz="600">
+                  <a:solidFill>
+                    <a:srgbClr val="000000"/>
+                  </a:solidFill>
+                  <a:latin typeface="IBM Plex Sans"/>
+                  <a:ea typeface="IBM Plex Sans"/>
+                  <a:cs typeface="IBM Plex Sans"/>
+                  <a:sym typeface="IBM Plex Sans"/>
+                </a:endParaRPr>
+              </a:p>
+              <a:p>
+                <a:pPr indent="0" lvl="0" marL="0" rtl="0" algn="l">
+                  <a:spcBef>
+                    <a:spcPts val="0"/>
+                  </a:spcBef>
+                  <a:spcAft>
+                    <a:spcPts val="0"/>
+                  </a:spcAft>
+                  <a:buNone/>
+                </a:pPr>
+                <a:r>
+                  <a:t/>
+                </a:r>
+                <a:endParaRPr b="1" sz="600">
+                  <a:solidFill>
+                    <a:srgbClr val="000000"/>
+                  </a:solidFill>
+                  <a:latin typeface="IBM Plex Sans"/>
+                  <a:ea typeface="IBM Plex Sans"/>
+                  <a:cs typeface="IBM Plex Sans"/>
+                  <a:sym typeface="IBM Plex Sans"/>
+                </a:endParaRPr>
+              </a:p>
+              <a:p>
+                <a:pPr indent="0" lvl="0" marL="0" rtl="0" algn="l">
+                  <a:spcBef>
+                    <a:spcPts val="0"/>
+                  </a:spcBef>
+                  <a:spcAft>
+                    <a:spcPts val="0"/>
+                  </a:spcAft>
+                  <a:buNone/>
+                </a:pPr>
+                <a:r>
+                  <a:t/>
+                </a:r>
+                <a:endParaRPr b="1" sz="600">
+                  <a:solidFill>
+                    <a:srgbClr val="000000"/>
+                  </a:solidFill>
+                  <a:latin typeface="IBM Plex Sans"/>
+                  <a:ea typeface="IBM Plex Sans"/>
+                  <a:cs typeface="IBM Plex Sans"/>
+                  <a:sym typeface="IBM Plex Sans"/>
+                </a:endParaRPr>
+              </a:p>
+              <a:p>
+                <a:pPr indent="0" lvl="0" marL="0" rtl="0" algn="l">
+                  <a:spcBef>
+                    <a:spcPts val="0"/>
+                  </a:spcBef>
+                  <a:spcAft>
+                    <a:spcPts val="0"/>
+                  </a:spcAft>
+                  <a:buNone/>
+                </a:pPr>
+                <a:r>
+                  <a:rPr b="1" lang="en" sz="600">
+                    <a:latin typeface="IBM Plex Sans"/>
+                    <a:ea typeface="IBM Plex Sans"/>
+                    <a:cs typeface="IBM Plex Sans"/>
+                    <a:sym typeface="IBM Plex Sans"/>
+                  </a:rPr>
+                  <a:t>THE FINLAB TOOLKIT</a:t>
+                </a:r>
+                <a:endParaRPr b="1" sz="600">
+                  <a:solidFill>
+                    <a:srgbClr val="3C78D8"/>
+                  </a:solidFill>
+                  <a:latin typeface="IBM Plex Sans"/>
+                  <a:ea typeface="IBM Plex Sans"/>
+                  <a:cs typeface="IBM Plex Sans"/>
+                  <a:sym typeface="IBM Plex Sans"/>
+                </a:endParaRPr>
+              </a:p>
+            </p:txBody>
+          </p:sp>
+          <p:pic>
+            <p:nvPicPr>
+              <p:cNvPr id="77" name="Google Shape;77;p6"/>
+              <p:cNvPicPr preferRelativeResize="0"/>
+              <p:nvPr/>
+            </p:nvPicPr>
+            <p:blipFill>
+              <a:blip r:embed="rId4">
+                <a:alphaModFix/>
+              </a:blip>
+              <a:stretch>
+                <a:fillRect/>
+              </a:stretch>
+            </p:blipFill>
+            <p:spPr>
+              <a:xfrm>
+                <a:off x="9629932" y="7094781"/>
+                <a:ext cx="494539" cy="430321"/>
+              </a:xfrm>
+              <a:prstGeom prst="rect">
+                <a:avLst/>
+              </a:prstGeom>
+              <a:noFill/>
+              <a:ln>
+                <a:noFill/>
+              </a:ln>
+            </p:spPr>
+          </p:pic>
+        </p:grpSp>
+        <p:pic>
+          <p:nvPicPr>
+            <p:cNvPr id="78" name="Google Shape;78;p6"/>
+            <p:cNvPicPr preferRelativeResize="0"/>
+            <p:nvPr/>
+          </p:nvPicPr>
+          <p:blipFill>
+            <a:blip r:embed="rId5">
+              <a:alphaModFix/>
+            </a:blip>
+            <a:stretch>
+              <a:fillRect/>
+            </a:stretch>
+          </p:blipFill>
+          <p:spPr>
+            <a:xfrm>
+              <a:off x="8553150" y="7165073"/>
+              <a:ext cx="1013800" cy="354000"/>
+            </a:xfrm>
+            <a:prstGeom prst="rect">
+              <a:avLst/>
+            </a:prstGeom>
+            <a:noFill/>
+            <a:ln>
+              <a:noFill/>
+            </a:ln>
+          </p:spPr>
+        </p:pic>
+      </p:grpSp>
     </p:spTree>
   </p:cSld>
   <p:clrMapOvr>
@@ -16334,7 +12813,7 @@
   <p:cSld>
     <p:spTree>
       <p:nvGrpSpPr>
-        <p:cNvPr id="126" name="Shape 126"/>
+        <p:cNvPr id="82" name="Shape 82"/>
         <p:cNvGrpSpPr/>
         <p:nvPr/>
       </p:nvGrpSpPr>
@@ -16348,7 +12827,7 @@
       </p:grpSpPr>
       <p:sp>
         <p:nvSpPr>
-          <p:cNvPr id="127" name="Google Shape;127;p17"/>
+          <p:cNvPr id="83" name="Google Shape;83;p7"/>
           <p:cNvSpPr txBox="1"/>
           <p:nvPr>
             <p:ph type="title"/>
@@ -16508,306 +12987,14 @@
           </a:p>
         </p:txBody>
       </p:sp>
-      <p:grpSp>
-        <p:nvGrpSpPr>
-          <p:cNvPr id="128" name="Google Shape;128;p17"/>
-          <p:cNvGrpSpPr/>
-          <p:nvPr/>
-        </p:nvGrpSpPr>
-        <p:grpSpPr>
-          <a:xfrm>
-            <a:off x="0" y="7094781"/>
-            <a:ext cx="10692000" cy="465069"/>
-            <a:chOff x="0" y="7094781"/>
-            <a:chExt cx="10692000" cy="465069"/>
-          </a:xfrm>
-        </p:grpSpPr>
-        <p:sp>
-          <p:nvSpPr>
-            <p:cNvPr id="129" name="Google Shape;129;p17"/>
-            <p:cNvSpPr/>
-            <p:nvPr/>
-          </p:nvSpPr>
-          <p:spPr>
-            <a:xfrm>
-              <a:off x="0" y="7094850"/>
-              <a:ext cx="10692000" cy="465000"/>
-            </a:xfrm>
-            <a:prstGeom prst="rect">
-              <a:avLst/>
-            </a:prstGeom>
-            <a:solidFill>
-              <a:srgbClr val="FFFFFF"/>
-            </a:solidFill>
-            <a:ln>
-              <a:noFill/>
-            </a:ln>
-          </p:spPr>
-          <p:txBody>
-            <a:bodyPr anchorCtr="0" anchor="ctr" bIns="91425" lIns="91425" spcFirstLastPara="1" rIns="91425" wrap="square" tIns="91425">
-              <a:noAutofit/>
-            </a:bodyPr>
-            <a:lstStyle/>
-            <a:p>
-              <a:pPr indent="0" lvl="0" marL="0" rtl="0" algn="l">
-                <a:spcBef>
-                  <a:spcPts val="0"/>
-                </a:spcBef>
-                <a:spcAft>
-                  <a:spcPts val="0"/>
-                </a:spcAft>
-                <a:buNone/>
-              </a:pPr>
-              <a:r>
-                <a:t/>
-              </a:r>
-              <a:endParaRPr/>
-            </a:p>
-          </p:txBody>
-        </p:sp>
-        <p:sp>
-          <p:nvSpPr>
-            <p:cNvPr id="130" name="Google Shape;130;p17"/>
-            <p:cNvSpPr txBox="1"/>
-            <p:nvPr/>
-          </p:nvSpPr>
-          <p:spPr>
-            <a:xfrm>
-              <a:off x="514889" y="7198197"/>
-              <a:ext cx="4216500" cy="266400"/>
-            </a:xfrm>
-            <a:prstGeom prst="rect">
-              <a:avLst/>
-            </a:prstGeom>
-            <a:noFill/>
-            <a:ln>
-              <a:noFill/>
-            </a:ln>
-          </p:spPr>
-          <p:txBody>
-            <a:bodyPr anchorCtr="0" anchor="b" bIns="92475" lIns="92475" spcFirstLastPara="1" rIns="92475" wrap="square" tIns="92475">
-              <a:noAutofit/>
-            </a:bodyPr>
-            <a:lstStyle/>
-            <a:p>
-              <a:pPr indent="0" lvl="0" marL="0" rtl="0" algn="l">
-                <a:spcBef>
-                  <a:spcPts val="0"/>
-                </a:spcBef>
-                <a:spcAft>
-                  <a:spcPts val="0"/>
-                </a:spcAft>
-                <a:buNone/>
-              </a:pPr>
-              <a:r>
-                <a:t/>
-              </a:r>
-              <a:endParaRPr b="1" sz="600">
-                <a:solidFill>
-                  <a:srgbClr val="000000"/>
-                </a:solidFill>
-                <a:latin typeface="IBM Plex Sans"/>
-                <a:ea typeface="IBM Plex Sans"/>
-                <a:cs typeface="IBM Plex Sans"/>
-                <a:sym typeface="IBM Plex Sans"/>
-              </a:endParaRPr>
-            </a:p>
-            <a:p>
-              <a:pPr indent="0" lvl="0" marL="0" rtl="0" algn="l">
-                <a:spcBef>
-                  <a:spcPts val="0"/>
-                </a:spcBef>
-                <a:spcAft>
-                  <a:spcPts val="0"/>
-                </a:spcAft>
-                <a:buNone/>
-              </a:pPr>
-              <a:r>
-                <a:t/>
-              </a:r>
-              <a:endParaRPr b="1" sz="600">
-                <a:solidFill>
-                  <a:srgbClr val="000000"/>
-                </a:solidFill>
-                <a:latin typeface="IBM Plex Sans"/>
-                <a:ea typeface="IBM Plex Sans"/>
-                <a:cs typeface="IBM Plex Sans"/>
-                <a:sym typeface="IBM Plex Sans"/>
-              </a:endParaRPr>
-            </a:p>
-            <a:p>
-              <a:pPr indent="0" lvl="0" marL="0" rtl="0" algn="l">
-                <a:spcBef>
-                  <a:spcPts val="0"/>
-                </a:spcBef>
-                <a:spcAft>
-                  <a:spcPts val="0"/>
-                </a:spcAft>
-                <a:buNone/>
-              </a:pPr>
-              <a:r>
-                <a:t/>
-              </a:r>
-              <a:endParaRPr b="1" sz="600">
-                <a:solidFill>
-                  <a:srgbClr val="000000"/>
-                </a:solidFill>
-                <a:latin typeface="IBM Plex Sans"/>
-                <a:ea typeface="IBM Plex Sans"/>
-                <a:cs typeface="IBM Plex Sans"/>
-                <a:sym typeface="IBM Plex Sans"/>
-              </a:endParaRPr>
-            </a:p>
-            <a:p>
-              <a:pPr indent="0" lvl="0" marL="0" rtl="0" algn="l">
-                <a:spcBef>
-                  <a:spcPts val="0"/>
-                </a:spcBef>
-                <a:spcAft>
-                  <a:spcPts val="0"/>
-                </a:spcAft>
-                <a:buNone/>
-              </a:pPr>
-              <a:r>
-                <a:rPr b="1" lang="en" sz="600">
-                  <a:latin typeface="IBM Plex Sans"/>
-                  <a:ea typeface="IBM Plex Sans"/>
-                  <a:cs typeface="IBM Plex Sans"/>
-                  <a:sym typeface="IBM Plex Sans"/>
-                </a:rPr>
-                <a:t>FINANCIAL INNOVATION LAB</a:t>
-              </a:r>
-              <a:r>
-                <a:rPr b="1" lang="en" sz="600">
-                  <a:solidFill>
-                    <a:srgbClr val="3C78D8"/>
-                  </a:solidFill>
-                  <a:latin typeface="IBM Plex Sans"/>
-                  <a:ea typeface="IBM Plex Sans"/>
-                  <a:cs typeface="IBM Plex Sans"/>
-                  <a:sym typeface="IBM Plex Sans"/>
-                </a:rPr>
-                <a:t> | BOOTCAMP ONE </a:t>
-              </a:r>
-              <a:endParaRPr b="1" sz="600">
-                <a:solidFill>
-                  <a:srgbClr val="3C78D8"/>
-                </a:solidFill>
-                <a:latin typeface="IBM Plex Sans"/>
-                <a:ea typeface="IBM Plex Sans"/>
-                <a:cs typeface="IBM Plex Sans"/>
-                <a:sym typeface="IBM Plex Sans"/>
-              </a:endParaRPr>
-            </a:p>
-          </p:txBody>
-        </p:sp>
-        <p:grpSp>
-          <p:nvGrpSpPr>
-            <p:cNvPr id="131" name="Google Shape;131;p17"/>
-            <p:cNvGrpSpPr/>
-            <p:nvPr/>
-          </p:nvGrpSpPr>
-          <p:grpSpPr>
-            <a:xfrm>
-              <a:off x="7712143" y="7094781"/>
-              <a:ext cx="2412328" cy="430321"/>
-              <a:chOff x="5831433" y="6857683"/>
-              <a:chExt cx="4631966" cy="815774"/>
-            </a:xfrm>
-          </p:grpSpPr>
-          <p:pic>
-            <p:nvPicPr>
-              <p:cNvPr id="132" name="Google Shape;132;p17"/>
-              <p:cNvPicPr preferRelativeResize="0"/>
-              <p:nvPr/>
-            </p:nvPicPr>
-            <p:blipFill>
-              <a:blip r:embed="rId3">
-                <a:alphaModFix/>
-              </a:blip>
-              <a:stretch>
-                <a:fillRect/>
-              </a:stretch>
-            </p:blipFill>
-            <p:spPr>
-              <a:xfrm>
-                <a:off x="9513825" y="6857683"/>
-                <a:ext cx="949574" cy="815774"/>
-              </a:xfrm>
-              <a:prstGeom prst="rect">
-                <a:avLst/>
-              </a:prstGeom>
-              <a:noFill/>
-              <a:ln>
-                <a:noFill/>
-              </a:ln>
-            </p:spPr>
-          </p:pic>
-          <p:pic>
-            <p:nvPicPr>
-              <p:cNvPr id="133" name="Google Shape;133;p17"/>
-              <p:cNvPicPr preferRelativeResize="0"/>
-              <p:nvPr/>
-            </p:nvPicPr>
-            <p:blipFill>
-              <a:blip r:embed="rId4">
-                <a:alphaModFix/>
-              </a:blip>
-              <a:stretch>
-                <a:fillRect/>
-              </a:stretch>
-            </p:blipFill>
-            <p:spPr>
-              <a:xfrm>
-                <a:off x="5831433" y="7117645"/>
-                <a:ext cx="1933325" cy="446407"/>
-              </a:xfrm>
-              <a:prstGeom prst="rect">
-                <a:avLst/>
-              </a:prstGeom>
-              <a:noFill/>
-              <a:ln>
-                <a:noFill/>
-              </a:ln>
-            </p:spPr>
-          </p:pic>
-          <p:pic>
-            <p:nvPicPr>
-              <p:cNvPr id="134" name="Google Shape;134;p17"/>
-              <p:cNvPicPr preferRelativeResize="0"/>
-              <p:nvPr/>
-            </p:nvPicPr>
-            <p:blipFill rotWithShape="1">
-              <a:blip r:embed="rId5">
-                <a:alphaModFix/>
-              </a:blip>
-              <a:srcRect b="23935" l="18913" r="10250" t="28704"/>
-              <a:stretch/>
-            </p:blipFill>
-            <p:spPr>
-              <a:xfrm>
-                <a:off x="8144179" y="7097827"/>
-                <a:ext cx="990224" cy="393901"/>
-              </a:xfrm>
-              <a:prstGeom prst="rect">
-                <a:avLst/>
-              </a:prstGeom>
-              <a:noFill/>
-              <a:ln>
-                <a:noFill/>
-              </a:ln>
-            </p:spPr>
-          </p:pic>
-        </p:grpSp>
-      </p:grpSp>
       <p:pic>
         <p:nvPicPr>
-          <p:cNvPr id="135" name="Google Shape;135;p17"/>
+          <p:cNvPr id="84" name="Google Shape;84;p7"/>
           <p:cNvPicPr preferRelativeResize="0"/>
           <p:nvPr/>
         </p:nvPicPr>
         <p:blipFill rotWithShape="1">
-          <a:blip r:embed="rId6">
+          <a:blip r:embed="rId3">
             <a:alphaModFix/>
           </a:blip>
           <a:srcRect b="0" l="0" r="0" t="5078"/>
@@ -16827,6 +13014,259 @@
           </a:ln>
         </p:spPr>
       </p:pic>
+      <p:grpSp>
+        <p:nvGrpSpPr>
+          <p:cNvPr id="85" name="Google Shape;85;p7"/>
+          <p:cNvGrpSpPr/>
+          <p:nvPr/>
+        </p:nvGrpSpPr>
+        <p:grpSpPr>
+          <a:xfrm>
+            <a:off x="0" y="7094781"/>
+            <a:ext cx="10692000" cy="465069"/>
+            <a:chOff x="0" y="7094781"/>
+            <a:chExt cx="10692000" cy="465069"/>
+          </a:xfrm>
+        </p:grpSpPr>
+        <p:grpSp>
+          <p:nvGrpSpPr>
+            <p:cNvPr id="86" name="Google Shape;86;p7"/>
+            <p:cNvGrpSpPr/>
+            <p:nvPr/>
+          </p:nvGrpSpPr>
+          <p:grpSpPr>
+            <a:xfrm>
+              <a:off x="0" y="7094781"/>
+              <a:ext cx="10692000" cy="465069"/>
+              <a:chOff x="0" y="7094781"/>
+              <a:chExt cx="10692000" cy="465069"/>
+            </a:xfrm>
+          </p:grpSpPr>
+          <p:sp>
+            <p:nvSpPr>
+              <p:cNvPr id="87" name="Google Shape;87;p7"/>
+              <p:cNvSpPr/>
+              <p:nvPr/>
+            </p:nvSpPr>
+            <p:spPr>
+              <a:xfrm>
+                <a:off x="0" y="7094850"/>
+                <a:ext cx="10692000" cy="465000"/>
+              </a:xfrm>
+              <a:prstGeom prst="rect">
+                <a:avLst/>
+              </a:prstGeom>
+              <a:solidFill>
+                <a:srgbClr val="FFFFFF"/>
+              </a:solidFill>
+              <a:ln>
+                <a:noFill/>
+              </a:ln>
+            </p:spPr>
+            <p:txBody>
+              <a:bodyPr anchorCtr="0" anchor="ctr" bIns="91425" lIns="91425" spcFirstLastPara="1" rIns="91425" wrap="square" tIns="91425">
+                <a:noAutofit/>
+              </a:bodyPr>
+              <a:lstStyle/>
+              <a:p>
+                <a:pPr indent="0" lvl="0" marL="0" rtl="0" algn="l">
+                  <a:spcBef>
+                    <a:spcPts val="0"/>
+                  </a:spcBef>
+                  <a:spcAft>
+                    <a:spcPts val="0"/>
+                  </a:spcAft>
+                  <a:buNone/>
+                </a:pPr>
+                <a:r>
+                  <a:t/>
+                </a:r>
+                <a:endParaRPr/>
+              </a:p>
+            </p:txBody>
+          </p:sp>
+          <p:sp>
+            <p:nvSpPr>
+              <p:cNvPr id="88" name="Google Shape;88;p7"/>
+              <p:cNvSpPr txBox="1"/>
+              <p:nvPr/>
+            </p:nvSpPr>
+            <p:spPr>
+              <a:xfrm>
+                <a:off x="514889" y="7198197"/>
+                <a:ext cx="4216500" cy="266400"/>
+              </a:xfrm>
+              <a:prstGeom prst="rect">
+                <a:avLst/>
+              </a:prstGeom>
+              <a:noFill/>
+              <a:ln>
+                <a:noFill/>
+              </a:ln>
+            </p:spPr>
+            <p:txBody>
+              <a:bodyPr anchorCtr="0" anchor="b" bIns="92475" lIns="92475" spcFirstLastPara="1" rIns="92475" wrap="square" tIns="92475">
+                <a:noAutofit/>
+              </a:bodyPr>
+              <a:lstStyle/>
+              <a:p>
+                <a:pPr indent="0" lvl="0" marL="0" rtl="0" algn="l">
+                  <a:spcBef>
+                    <a:spcPts val="0"/>
+                  </a:spcBef>
+                  <a:spcAft>
+                    <a:spcPts val="0"/>
+                  </a:spcAft>
+                  <a:buNone/>
+                </a:pPr>
+                <a:r>
+                  <a:t/>
+                </a:r>
+                <a:endParaRPr b="1" sz="600">
+                  <a:solidFill>
+                    <a:srgbClr val="000000"/>
+                  </a:solidFill>
+                  <a:latin typeface="IBM Plex Sans"/>
+                  <a:ea typeface="IBM Plex Sans"/>
+                  <a:cs typeface="IBM Plex Sans"/>
+                  <a:sym typeface="IBM Plex Sans"/>
+                </a:endParaRPr>
+              </a:p>
+              <a:p>
+                <a:pPr indent="0" lvl="0" marL="0" rtl="0" algn="l">
+                  <a:spcBef>
+                    <a:spcPts val="0"/>
+                  </a:spcBef>
+                  <a:spcAft>
+                    <a:spcPts val="0"/>
+                  </a:spcAft>
+                  <a:buNone/>
+                </a:pPr>
+                <a:r>
+                  <a:t/>
+                </a:r>
+                <a:endParaRPr b="1" sz="600">
+                  <a:solidFill>
+                    <a:srgbClr val="000000"/>
+                  </a:solidFill>
+                  <a:latin typeface="IBM Plex Sans"/>
+                  <a:ea typeface="IBM Plex Sans"/>
+                  <a:cs typeface="IBM Plex Sans"/>
+                  <a:sym typeface="IBM Plex Sans"/>
+                </a:endParaRPr>
+              </a:p>
+              <a:p>
+                <a:pPr indent="0" lvl="0" marL="0" rtl="0" algn="l">
+                  <a:spcBef>
+                    <a:spcPts val="0"/>
+                  </a:spcBef>
+                  <a:spcAft>
+                    <a:spcPts val="0"/>
+                  </a:spcAft>
+                  <a:buNone/>
+                </a:pPr>
+                <a:r>
+                  <a:t/>
+                </a:r>
+                <a:endParaRPr b="1" sz="600">
+                  <a:solidFill>
+                    <a:srgbClr val="000000"/>
+                  </a:solidFill>
+                  <a:latin typeface="IBM Plex Sans"/>
+                  <a:ea typeface="IBM Plex Sans"/>
+                  <a:cs typeface="IBM Plex Sans"/>
+                  <a:sym typeface="IBM Plex Sans"/>
+                </a:endParaRPr>
+              </a:p>
+              <a:p>
+                <a:pPr indent="0" lvl="0" marL="0" rtl="0" algn="l">
+                  <a:spcBef>
+                    <a:spcPts val="0"/>
+                  </a:spcBef>
+                  <a:spcAft>
+                    <a:spcPts val="0"/>
+                  </a:spcAft>
+                  <a:buNone/>
+                </a:pPr>
+                <a:r>
+                  <a:rPr b="1" lang="en" sz="600">
+                    <a:latin typeface="IBM Plex Sans"/>
+                    <a:ea typeface="IBM Plex Sans"/>
+                    <a:cs typeface="IBM Plex Sans"/>
+                    <a:sym typeface="IBM Plex Sans"/>
+                  </a:rPr>
+                  <a:t>THE FINLAB TOOLKIT</a:t>
+                </a:r>
+                <a:endParaRPr b="1" sz="600">
+                  <a:solidFill>
+                    <a:srgbClr val="3C78D8"/>
+                  </a:solidFill>
+                  <a:latin typeface="IBM Plex Sans"/>
+                  <a:ea typeface="IBM Plex Sans"/>
+                  <a:cs typeface="IBM Plex Sans"/>
+                  <a:sym typeface="IBM Plex Sans"/>
+                </a:endParaRPr>
+              </a:p>
+            </p:txBody>
+          </p:sp>
+          <p:pic>
+            <p:nvPicPr>
+              <p:cNvPr id="89" name="Google Shape;89;p7"/>
+              <p:cNvPicPr preferRelativeResize="0"/>
+              <p:nvPr/>
+            </p:nvPicPr>
+            <p:blipFill>
+              <a:blip r:embed="rId4">
+                <a:alphaModFix/>
+              </a:blip>
+              <a:stretch>
+                <a:fillRect/>
+              </a:stretch>
+            </p:blipFill>
+            <p:spPr>
+              <a:xfrm>
+                <a:off x="9629932" y="7094781"/>
+                <a:ext cx="494539" cy="430321"/>
+              </a:xfrm>
+              <a:prstGeom prst="rect">
+                <a:avLst/>
+              </a:prstGeom>
+              <a:noFill/>
+              <a:ln>
+                <a:noFill/>
+              </a:ln>
+            </p:spPr>
+          </p:pic>
+        </p:grpSp>
+        <p:pic>
+          <p:nvPicPr>
+            <p:cNvPr id="90" name="Google Shape;90;p7"/>
+            <p:cNvPicPr preferRelativeResize="0"/>
+            <p:nvPr/>
+          </p:nvPicPr>
+          <p:blipFill>
+            <a:blip r:embed="rId5">
+              <a:alphaModFix/>
+            </a:blip>
+            <a:stretch>
+              <a:fillRect/>
+            </a:stretch>
+          </p:blipFill>
+          <p:spPr>
+            <a:xfrm>
+              <a:off x="8553150" y="7165073"/>
+              <a:ext cx="1013800" cy="354000"/>
+            </a:xfrm>
+            <a:prstGeom prst="rect">
+              <a:avLst/>
+            </a:prstGeom>
+            <a:noFill/>
+            <a:ln>
+              <a:noFill/>
+            </a:ln>
+          </p:spPr>
+        </p:pic>
+      </p:grpSp>
     </p:spTree>
   </p:cSld>
   <p:clrMapOvr>
